--- a/졸업작품 제안서/졸업작품 제안서ver2.pptx
+++ b/졸업작품 제안서/졸업작품 제안서ver2.pptx
@@ -1,6 +1,6 @@
 
 <file path=ppt/presentation.xml><?xml version="1.0" encoding="utf-8"?>
-<p:presentation xmlns:r="http://schemas.openxmlformats.org/officeDocument/2006/relationships" xmlns:c="http://schemas.openxmlformats.org/drawingml/2006/chart" xmlns:a="http://schemas.openxmlformats.org/drawingml/2006/main" xmlns:dgm="http://schemas.openxmlformats.org/drawingml/2006/diagram" xmlns:dsp="http://schemas.microsoft.com/office/drawing/2008/diagram" xmlns:p="http://schemas.openxmlformats.org/presentationml/2006/main">
+<p:presentation xmlns:a="http://schemas.openxmlformats.org/drawingml/2006/main" xmlns:r="http://schemas.openxmlformats.org/officeDocument/2006/relationships" xmlns:p="http://schemas.openxmlformats.org/presentationml/2006/main">
   <p:sldMasterIdLst>
     <p:sldMasterId id="2147483788" r:id="rId1"/>
     <p:sldMasterId id="2147483789" r:id="rId2"/>
@@ -126,6 +126,11 @@
       </a:defRPr>
     </a:lvl9pPr>
   </p:defaultTextStyle>
+  <p:extLst>
+    <p:ext uri="{EFAFB233-063F-42B5-8137-9DF3F51BA10A}">
+      <p15:sldGuideLst xmlns:p15="http://schemas.microsoft.com/office/powerpoint/2012/main"/>
+    </p:ext>
+  </p:extLst>
 </p:presentation>
 </file>
 
@@ -1982,7 +1987,7 @@
 </file>
 
 <file path=ppt/slides/slide1.xml><?xml version="1.0" encoding="utf-8"?>
-<p:sld xmlns:r="http://schemas.openxmlformats.org/officeDocument/2006/relationships" xmlns:c="http://schemas.openxmlformats.org/drawingml/2006/chart" xmlns:a="http://schemas.openxmlformats.org/drawingml/2006/main" xmlns:dgm="http://schemas.openxmlformats.org/drawingml/2006/diagram" xmlns:dsp="http://schemas.microsoft.com/office/drawing/2008/diagram" xmlns:p="http://schemas.openxmlformats.org/presentationml/2006/main">
+<p:sld xmlns:a="http://schemas.openxmlformats.org/drawingml/2006/main" xmlns:r="http://schemas.openxmlformats.org/officeDocument/2006/relationships" xmlns:p="http://schemas.openxmlformats.org/presentationml/2006/main">
   <p:cSld>
     <p:spTree>
       <p:nvGrpSpPr>
@@ -2068,13 +2073,6 @@
               </a:rPr>
               <a:t>스페이스 팡팡</a:t>
             </a:r>
-            <a:endParaRPr lang="ko-KR" altLang="en-US" sz="6600" spc="300">
-              <a:solidFill>
-                <a:schemeClr val="bg1"/>
-              </a:solidFill>
-              <a:latin typeface="나눔스퀘어 ExtraBold"/>
-              <a:ea typeface="나눔스퀘어 ExtraBold"/>
-            </a:endParaRPr>
           </a:p>
         </p:txBody>
       </p:sp>
@@ -2119,11 +2117,6 @@
               </a:rPr>
               <a:t>전태준</a:t>
             </a:r>
-            <a:endParaRPr lang="ko-KR" altLang="en-US" sz="2800">
-              <a:solidFill>
-                <a:schemeClr val="lt1"/>
-              </a:solidFill>
-            </a:endParaRPr>
           </a:p>
           <a:p>
             <a:pPr algn="r">
@@ -2145,11 +2138,6 @@
               </a:rPr>
               <a:t>권세진</a:t>
             </a:r>
-            <a:endParaRPr lang="ko-KR" altLang="en-US" sz="2800">
-              <a:solidFill>
-                <a:schemeClr val="lt1"/>
-              </a:solidFill>
-            </a:endParaRPr>
           </a:p>
           <a:p>
             <a:pPr algn="r">
@@ -2186,26 +2174,19 @@
   <p:clrMapOvr>
     <a:masterClrMapping/>
   </p:clrMapOvr>
-  <mc:AlternateContent xmlns:mc="http://schemas.openxmlformats.org/markup-compatibility/2006">
-    <mc:Choice xmlns:p14="http://schemas.microsoft.com/office/powerpoint/2010/main" Requires="p14">
-      <p:transition xmlns:mc="http://schemas.openxmlformats.org/markup-compatibility/2006" xmlns:p14="http://schemas.microsoft.com/office/powerpoint/2010/main" mc:Ignorable="p14" p14:dur="500"/>
+  <mc:AlternateContent xmlns:mc="http://schemas.openxmlformats.org/markup-compatibility/2006" xmlns:p14="http://schemas.microsoft.com/office/powerpoint/2010/main">
+    <mc:Choice Requires="p14">
+      <p:transition/>
     </mc:Choice>
-    <mc:Fallback>
+    <mc:Fallback xmlns:dsp="http://schemas.microsoft.com/office/drawing/2008/diagram" xmlns:dgm="http://schemas.openxmlformats.org/drawingml/2006/diagram" xmlns:c="http://schemas.openxmlformats.org/drawingml/2006/chart" xmlns="">
       <p:transition/>
     </mc:Fallback>
   </mc:AlternateContent>
-  <p:timing>
-    <p:tnLst>
-      <p:par>
-        <p:cTn id="1" dur="indefinite" restart="never" nodeType="tmRoot"/>
-      </p:par>
-    </p:tnLst>
-  </p:timing>
 </p:sld>
 </file>
 
 <file path=ppt/slides/slide10.xml><?xml version="1.0" encoding="utf-8"?>
-<p:sld xmlns:r="http://schemas.openxmlformats.org/officeDocument/2006/relationships" xmlns:c="http://schemas.openxmlformats.org/drawingml/2006/chart" xmlns:a="http://schemas.openxmlformats.org/drawingml/2006/main" xmlns:dgm="http://schemas.openxmlformats.org/drawingml/2006/diagram" xmlns:dsp="http://schemas.microsoft.com/office/drawing/2008/diagram" xmlns:p="http://schemas.openxmlformats.org/presentationml/2006/main">
+<p:sld xmlns:a="http://schemas.openxmlformats.org/drawingml/2006/main" xmlns:r="http://schemas.openxmlformats.org/officeDocument/2006/relationships" xmlns:p="http://schemas.openxmlformats.org/presentationml/2006/main">
   <p:cSld>
     <p:spTree>
       <p:nvGrpSpPr>
@@ -2256,13 +2237,6 @@
               </a:rPr>
               <a:t>03</a:t>
             </a:r>
-            <a:endParaRPr lang="en-US" altLang="ko-KR" sz="6000">
-              <a:solidFill>
-                <a:schemeClr val="bg1"/>
-              </a:solidFill>
-              <a:latin typeface="나눔스퀘어 Light"/>
-              <a:ea typeface="나눔스퀘어 Light"/>
-            </a:endParaRPr>
           </a:p>
         </p:txBody>
       </p:sp>
@@ -2301,13 +2275,6 @@
               </a:rPr>
               <a:t>게임소개</a:t>
             </a:r>
-            <a:endParaRPr lang="ko-KR" altLang="en-US" sz="2800">
-              <a:solidFill>
-                <a:schemeClr val="bg1"/>
-              </a:solidFill>
-              <a:latin typeface="나눔스퀘어 Light"/>
-              <a:ea typeface="나눔스퀘어 Light"/>
-            </a:endParaRPr>
           </a:p>
         </p:txBody>
       </p:sp>
@@ -2522,7 +2489,7 @@
       </p:cxnSp>
       <p:pic>
         <p:nvPicPr>
-          <p:cNvPr id="27" name=""/>
+          <p:cNvPr id="27" name="그림 26"/>
           <p:cNvPicPr>
             <a:picLocks noChangeAspect="1"/>
           </p:cNvPicPr>
@@ -2582,7 +2549,7 @@
               <a:defRPr/>
             </a:pPr>
             <a:r>
-              <a:rPr xmlns:mc="http://schemas.openxmlformats.org/markup-compatibility/2006" xmlns:hp="http://schemas.haansoft.com/office/presentation/8.0" kumimoji="0" lang="ko-KR" altLang="en-US" sz="2800" b="1" i="0" u="none" strike="noStrike" kern="1200" cap="none" spc="0" normalizeH="0" baseline="0" mc:Ignorable="hp" hp:hslEmbossed="0">
+              <a:rPr kumimoji="0" lang="ko-KR" altLang="en-US" sz="2800" b="1" i="0" u="none" strike="noStrike" kern="1200" cap="none" spc="0" normalizeH="0" baseline="0">
                 <a:solidFill>
                   <a:schemeClr val="lt1"/>
                 </a:solidFill>
@@ -2592,20 +2559,12 @@
               </a:rPr>
               <a:t>무기</a:t>
             </a:r>
-            <a:endParaRPr xmlns:mc="http://schemas.openxmlformats.org/markup-compatibility/2006" xmlns:hp="http://schemas.haansoft.com/office/presentation/8.0" kumimoji="0" lang="ko-KR" altLang="en-US" sz="2800" b="1" i="0" u="none" strike="noStrike" kern="1200" cap="none" spc="0" normalizeH="0" baseline="0" mc:Ignorable="hp" hp:hslEmbossed="0">
-              <a:solidFill>
-                <a:schemeClr val="lt1"/>
-              </a:solidFill>
-              <a:latin typeface="+mn-lt"/>
-              <a:ea typeface="+mn-ea"/>
-              <a:cs typeface="+mn-cs"/>
-            </a:endParaRPr>
           </a:p>
         </p:txBody>
       </p:sp>
       <p:sp>
         <p:nvSpPr>
-          <p:cNvPr id="29" name=""/>
+          <p:cNvPr id="29" name="TextBox 28"/>
           <p:cNvSpPr txBox="1"/>
           <p:nvPr/>
         </p:nvSpPr>
@@ -2622,6 +2581,7 @@
           <a:bodyPr wrap="square">
             <a:spAutoFit/>
           </a:bodyPr>
+          <a:lstStyle/>
           <a:p>
             <a:pPr>
               <a:defRPr/>
@@ -2636,13 +2596,6 @@
               </a:rPr>
               <a:t>기본적인 </a:t>
             </a:r>
-            <a:endParaRPr lang="ko-KR" altLang="en-US" sz="2800">
-              <a:solidFill>
-                <a:schemeClr val="lt1"/>
-              </a:solidFill>
-              <a:latin typeface="HY태백B"/>
-              <a:ea typeface="HY태백B"/>
-            </a:endParaRPr>
           </a:p>
           <a:p>
             <a:pPr>
@@ -2658,13 +2611,6 @@
               </a:rPr>
               <a:t>라이플형태의 무기</a:t>
             </a:r>
-            <a:endParaRPr lang="ko-KR" altLang="en-US" sz="2800">
-              <a:solidFill>
-                <a:schemeClr val="lt1"/>
-              </a:solidFill>
-              <a:latin typeface="HY태백B"/>
-              <a:ea typeface="HY태백B"/>
-            </a:endParaRPr>
           </a:p>
         </p:txBody>
       </p:sp>
@@ -2673,11 +2619,11 @@
   <p:clrMapOvr>
     <a:masterClrMapping/>
   </p:clrMapOvr>
-  <mc:AlternateContent xmlns:mc="http://schemas.openxmlformats.org/markup-compatibility/2006">
-    <mc:Choice xmlns:p14="http://schemas.microsoft.com/office/powerpoint/2010/main" Requires="p14">
-      <p:transition xmlns:mc="http://schemas.openxmlformats.org/markup-compatibility/2006" xmlns:p14="http://schemas.microsoft.com/office/powerpoint/2010/main" mc:Ignorable="p14" p14:dur="500"/>
+  <mc:AlternateContent xmlns:mc="http://schemas.openxmlformats.org/markup-compatibility/2006" xmlns:p14="http://schemas.microsoft.com/office/powerpoint/2010/main">
+    <mc:Choice Requires="p14">
+      <p:transition/>
     </mc:Choice>
-    <mc:Fallback>
+    <mc:Fallback xmlns:dsp="http://schemas.microsoft.com/office/drawing/2008/diagram" xmlns:dgm="http://schemas.openxmlformats.org/drawingml/2006/diagram" xmlns:c="http://schemas.openxmlformats.org/drawingml/2006/chart" xmlns="">
       <p:transition/>
     </mc:Fallback>
   </mc:AlternateContent>
@@ -2685,7 +2631,7 @@
 </file>
 
 <file path=ppt/slides/slide11.xml><?xml version="1.0" encoding="utf-8"?>
-<p:sld xmlns:r="http://schemas.openxmlformats.org/officeDocument/2006/relationships" xmlns:c="http://schemas.openxmlformats.org/drawingml/2006/chart" xmlns:a="http://schemas.openxmlformats.org/drawingml/2006/main" xmlns:dgm="http://schemas.openxmlformats.org/drawingml/2006/diagram" xmlns:dsp="http://schemas.microsoft.com/office/drawing/2008/diagram" xmlns:p="http://schemas.openxmlformats.org/presentationml/2006/main">
+<p:sld xmlns:a="http://schemas.openxmlformats.org/drawingml/2006/main" xmlns:r="http://schemas.openxmlformats.org/officeDocument/2006/relationships" xmlns:p="http://schemas.openxmlformats.org/presentationml/2006/main">
   <p:cSld>
     <p:spTree>
       <p:nvGrpSpPr>
@@ -2736,13 +2682,6 @@
               </a:rPr>
               <a:t>03</a:t>
             </a:r>
-            <a:endParaRPr lang="en-US" altLang="ko-KR" sz="6000">
-              <a:solidFill>
-                <a:schemeClr val="bg1"/>
-              </a:solidFill>
-              <a:latin typeface="나눔스퀘어 Light"/>
-              <a:ea typeface="나눔스퀘어 Light"/>
-            </a:endParaRPr>
           </a:p>
         </p:txBody>
       </p:sp>
@@ -2781,13 +2720,6 @@
               </a:rPr>
               <a:t>게임소개</a:t>
             </a:r>
-            <a:endParaRPr lang="ko-KR" altLang="en-US" sz="2800">
-              <a:solidFill>
-                <a:schemeClr val="bg1"/>
-              </a:solidFill>
-              <a:latin typeface="나눔스퀘어 Light"/>
-              <a:ea typeface="나눔스퀘어 Light"/>
-            </a:endParaRPr>
           </a:p>
         </p:txBody>
       </p:sp>
@@ -3002,7 +2934,7 @@
       </p:cxnSp>
       <p:pic>
         <p:nvPicPr>
-          <p:cNvPr id="27" name=""/>
+          <p:cNvPr id="27" name="그림 26"/>
           <p:cNvPicPr>
             <a:picLocks noChangeAspect="1"/>
           </p:cNvPicPr>
@@ -3062,7 +2994,7 @@
               <a:defRPr/>
             </a:pPr>
             <a:r>
-              <a:rPr xmlns:mc="http://schemas.openxmlformats.org/markup-compatibility/2006" xmlns:hp="http://schemas.haansoft.com/office/presentation/8.0" kumimoji="0" lang="ko-KR" altLang="en-US" sz="2800" b="1" i="0" u="none" strike="noStrike" kern="1200" cap="none" spc="0" normalizeH="0" baseline="0" mc:Ignorable="hp" hp:hslEmbossed="0">
+              <a:rPr kumimoji="0" lang="ko-KR" altLang="en-US" sz="2800" b="1" i="0" u="none" strike="noStrike" kern="1200" cap="none" spc="0" normalizeH="0" baseline="0">
                 <a:solidFill>
                   <a:schemeClr val="lt1"/>
                 </a:solidFill>
@@ -3072,20 +3004,12 @@
               </a:rPr>
               <a:t>무기</a:t>
             </a:r>
-            <a:endParaRPr xmlns:mc="http://schemas.openxmlformats.org/markup-compatibility/2006" xmlns:hp="http://schemas.haansoft.com/office/presentation/8.0" kumimoji="0" lang="ko-KR" altLang="en-US" sz="2800" b="1" i="0" u="none" strike="noStrike" kern="1200" cap="none" spc="0" normalizeH="0" baseline="0" mc:Ignorable="hp" hp:hslEmbossed="0">
-              <a:solidFill>
-                <a:schemeClr val="lt1"/>
-              </a:solidFill>
-              <a:latin typeface="+mn-lt"/>
-              <a:ea typeface="+mn-ea"/>
-              <a:cs typeface="+mn-cs"/>
-            </a:endParaRPr>
           </a:p>
         </p:txBody>
       </p:sp>
       <p:sp>
         <p:nvSpPr>
-          <p:cNvPr id="30" name=""/>
+          <p:cNvPr id="30" name="TextBox 29"/>
           <p:cNvSpPr txBox="1"/>
           <p:nvPr/>
         </p:nvSpPr>
@@ -3117,13 +3041,6 @@
               </a:rPr>
               <a:t>근거리 무기 광선검</a:t>
             </a:r>
-            <a:endParaRPr lang="ko-KR" altLang="en-US" sz="2800">
-              <a:solidFill>
-                <a:schemeClr val="lt1"/>
-              </a:solidFill>
-              <a:latin typeface="HY태백B"/>
-              <a:ea typeface="HY태백B"/>
-            </a:endParaRPr>
           </a:p>
         </p:txBody>
       </p:sp>
@@ -3132,11 +3049,11 @@
   <p:clrMapOvr>
     <a:masterClrMapping/>
   </p:clrMapOvr>
-  <mc:AlternateContent xmlns:mc="http://schemas.openxmlformats.org/markup-compatibility/2006">
-    <mc:Choice xmlns:p14="http://schemas.microsoft.com/office/powerpoint/2010/main" Requires="p14">
-      <p:transition xmlns:mc="http://schemas.openxmlformats.org/markup-compatibility/2006" xmlns:p14="http://schemas.microsoft.com/office/powerpoint/2010/main" mc:Ignorable="p14" p14:dur="500"/>
+  <mc:AlternateContent xmlns:mc="http://schemas.openxmlformats.org/markup-compatibility/2006" xmlns:p14="http://schemas.microsoft.com/office/powerpoint/2010/main">
+    <mc:Choice Requires="p14">
+      <p:transition/>
     </mc:Choice>
-    <mc:Fallback>
+    <mc:Fallback xmlns:dsp="http://schemas.microsoft.com/office/drawing/2008/diagram" xmlns:dgm="http://schemas.openxmlformats.org/drawingml/2006/diagram" xmlns:c="http://schemas.openxmlformats.org/drawingml/2006/chart" xmlns="">
       <p:transition/>
     </mc:Fallback>
   </mc:AlternateContent>
@@ -3144,7 +3061,7 @@
 </file>
 
 <file path=ppt/slides/slide12.xml><?xml version="1.0" encoding="utf-8"?>
-<p:sld xmlns:r="http://schemas.openxmlformats.org/officeDocument/2006/relationships" xmlns:c="http://schemas.openxmlformats.org/drawingml/2006/chart" xmlns:a="http://schemas.openxmlformats.org/drawingml/2006/main" xmlns:dgm="http://schemas.openxmlformats.org/drawingml/2006/diagram" xmlns:dsp="http://schemas.microsoft.com/office/drawing/2008/diagram" xmlns:p="http://schemas.openxmlformats.org/presentationml/2006/main">
+<p:sld xmlns:a="http://schemas.openxmlformats.org/drawingml/2006/main" xmlns:r="http://schemas.openxmlformats.org/officeDocument/2006/relationships" xmlns:p="http://schemas.openxmlformats.org/presentationml/2006/main">
   <p:cSld>
     <p:spTree>
       <p:nvGrpSpPr>
@@ -3195,13 +3112,6 @@
               </a:rPr>
               <a:t>03</a:t>
             </a:r>
-            <a:endParaRPr lang="en-US" altLang="ko-KR" sz="6000">
-              <a:solidFill>
-                <a:schemeClr val="bg1"/>
-              </a:solidFill>
-              <a:latin typeface="나눔스퀘어 Light"/>
-              <a:ea typeface="나눔스퀘어 Light"/>
-            </a:endParaRPr>
           </a:p>
         </p:txBody>
       </p:sp>
@@ -3240,13 +3150,6 @@
               </a:rPr>
               <a:t>게임소개</a:t>
             </a:r>
-            <a:endParaRPr lang="ko-KR" altLang="en-US" sz="2800">
-              <a:solidFill>
-                <a:schemeClr val="bg1"/>
-              </a:solidFill>
-              <a:latin typeface="나눔스퀘어 Light"/>
-              <a:ea typeface="나눔스퀘어 Light"/>
-            </a:endParaRPr>
           </a:p>
         </p:txBody>
       </p:sp>
@@ -3461,7 +3364,7 @@
       </p:cxnSp>
       <p:pic>
         <p:nvPicPr>
-          <p:cNvPr id="27" name=""/>
+          <p:cNvPr id="27" name="그림 26"/>
           <p:cNvPicPr>
             <a:picLocks noChangeAspect="1"/>
           </p:cNvPicPr>
@@ -3521,7 +3424,7 @@
               <a:defRPr/>
             </a:pPr>
             <a:r>
-              <a:rPr xmlns:mc="http://schemas.openxmlformats.org/markup-compatibility/2006" xmlns:hp="http://schemas.haansoft.com/office/presentation/8.0" kumimoji="0" lang="ko-KR" altLang="en-US" sz="2800" b="1" i="0" u="none" strike="noStrike" kern="1200" cap="none" spc="0" normalizeH="0" baseline="0" mc:Ignorable="hp" hp:hslEmbossed="0">
+              <a:rPr kumimoji="0" lang="ko-KR" altLang="en-US" sz="2800" b="1" i="0" u="none" strike="noStrike" kern="1200" cap="none" spc="0" normalizeH="0" baseline="0">
                 <a:solidFill>
                   <a:schemeClr val="lt1"/>
                 </a:solidFill>
@@ -3531,20 +3434,12 @@
               </a:rPr>
               <a:t>무기</a:t>
             </a:r>
-            <a:endParaRPr xmlns:mc="http://schemas.openxmlformats.org/markup-compatibility/2006" xmlns:hp="http://schemas.haansoft.com/office/presentation/8.0" kumimoji="0" lang="ko-KR" altLang="en-US" sz="2800" b="1" i="0" u="none" strike="noStrike" kern="1200" cap="none" spc="0" normalizeH="0" baseline="0" mc:Ignorable="hp" hp:hslEmbossed="0">
-              <a:solidFill>
-                <a:schemeClr val="lt1"/>
-              </a:solidFill>
-              <a:latin typeface="+mn-lt"/>
-              <a:ea typeface="+mn-ea"/>
-              <a:cs typeface="+mn-cs"/>
-            </a:endParaRPr>
           </a:p>
         </p:txBody>
       </p:sp>
       <p:sp>
         <p:nvSpPr>
-          <p:cNvPr id="29" name=""/>
+          <p:cNvPr id="29" name="TextBox 28"/>
           <p:cNvSpPr txBox="1"/>
           <p:nvPr/>
         </p:nvSpPr>
@@ -3576,13 +3471,6 @@
               </a:rPr>
               <a:t>폭발형 원거리 무기</a:t>
             </a:r>
-            <a:endParaRPr lang="ko-KR" altLang="en-US" sz="2800">
-              <a:solidFill>
-                <a:schemeClr val="lt1"/>
-              </a:solidFill>
-              <a:latin typeface="HY태백B"/>
-              <a:ea typeface="HY태백B"/>
-            </a:endParaRPr>
           </a:p>
         </p:txBody>
       </p:sp>
@@ -3591,11 +3479,11 @@
   <p:clrMapOvr>
     <a:masterClrMapping/>
   </p:clrMapOvr>
-  <mc:AlternateContent xmlns:mc="http://schemas.openxmlformats.org/markup-compatibility/2006">
-    <mc:Choice xmlns:p14="http://schemas.microsoft.com/office/powerpoint/2010/main" Requires="p14">
-      <p:transition xmlns:mc="http://schemas.openxmlformats.org/markup-compatibility/2006" xmlns:p14="http://schemas.microsoft.com/office/powerpoint/2010/main" mc:Ignorable="p14" p14:dur="500"/>
+  <mc:AlternateContent xmlns:mc="http://schemas.openxmlformats.org/markup-compatibility/2006" xmlns:p14="http://schemas.microsoft.com/office/powerpoint/2010/main">
+    <mc:Choice Requires="p14">
+      <p:transition/>
     </mc:Choice>
-    <mc:Fallback>
+    <mc:Fallback xmlns:dsp="http://schemas.microsoft.com/office/drawing/2008/diagram" xmlns:dgm="http://schemas.openxmlformats.org/drawingml/2006/diagram" xmlns:c="http://schemas.openxmlformats.org/drawingml/2006/chart" xmlns="">
       <p:transition/>
     </mc:Fallback>
   </mc:AlternateContent>
@@ -3603,7 +3491,7 @@
 </file>
 
 <file path=ppt/slides/slide13.xml><?xml version="1.0" encoding="utf-8"?>
-<p:sld xmlns:r="http://schemas.openxmlformats.org/officeDocument/2006/relationships" xmlns:c="http://schemas.openxmlformats.org/drawingml/2006/chart" xmlns:a="http://schemas.openxmlformats.org/drawingml/2006/main" xmlns:dgm="http://schemas.openxmlformats.org/drawingml/2006/diagram" xmlns:dsp="http://schemas.microsoft.com/office/drawing/2008/diagram" xmlns:p="http://schemas.openxmlformats.org/presentationml/2006/main">
+<p:sld xmlns:a="http://schemas.openxmlformats.org/drawingml/2006/main" xmlns:r="http://schemas.openxmlformats.org/officeDocument/2006/relationships" xmlns:p="http://schemas.openxmlformats.org/presentationml/2006/main">
   <p:cSld>
     <p:spTree>
       <p:nvGrpSpPr>
@@ -3654,13 +3542,6 @@
               </a:rPr>
               <a:t>03</a:t>
             </a:r>
-            <a:endParaRPr lang="en-US" altLang="ko-KR" sz="6000">
-              <a:solidFill>
-                <a:schemeClr val="bg1"/>
-              </a:solidFill>
-              <a:latin typeface="나눔스퀘어 Light"/>
-              <a:ea typeface="나눔스퀘어 Light"/>
-            </a:endParaRPr>
           </a:p>
         </p:txBody>
       </p:sp>
@@ -3699,13 +3580,6 @@
               </a:rPr>
               <a:t>게임소개</a:t>
             </a:r>
-            <a:endParaRPr lang="ko-KR" altLang="en-US" sz="2800">
-              <a:solidFill>
-                <a:schemeClr val="bg1"/>
-              </a:solidFill>
-              <a:latin typeface="나눔스퀘어 Light"/>
-              <a:ea typeface="나눔스퀘어 Light"/>
-            </a:endParaRPr>
           </a:p>
         </p:txBody>
       </p:sp>
@@ -3920,7 +3794,7 @@
       </p:cxnSp>
       <p:pic>
         <p:nvPicPr>
-          <p:cNvPr id="27" name=""/>
+          <p:cNvPr id="27" name="그림 26"/>
           <p:cNvPicPr>
             <a:picLocks noChangeAspect="1"/>
           </p:cNvPicPr>
@@ -3980,7 +3854,7 @@
               <a:defRPr/>
             </a:pPr>
             <a:r>
-              <a:rPr xmlns:mc="http://schemas.openxmlformats.org/markup-compatibility/2006" xmlns:hp="http://schemas.haansoft.com/office/presentation/8.0" kumimoji="0" lang="ko-KR" altLang="en-US" sz="2800" b="1" i="0" u="none" strike="noStrike" kern="1200" cap="none" spc="0" normalizeH="0" baseline="0" mc:Ignorable="hp" hp:hslEmbossed="0">
+              <a:rPr kumimoji="0" lang="ko-KR" altLang="en-US" sz="2800" b="1" i="0" u="none" strike="noStrike" kern="1200" cap="none" spc="0" normalizeH="0" baseline="0">
                 <a:solidFill>
                   <a:schemeClr val="lt1"/>
                 </a:solidFill>
@@ -3990,20 +3864,12 @@
               </a:rPr>
               <a:t>기술</a:t>
             </a:r>
-            <a:endParaRPr xmlns:mc="http://schemas.openxmlformats.org/markup-compatibility/2006" xmlns:hp="http://schemas.haansoft.com/office/presentation/8.0" kumimoji="0" lang="ko-KR" altLang="en-US" sz="2800" b="1" i="0" u="none" strike="noStrike" kern="1200" cap="none" spc="0" normalizeH="0" baseline="0" mc:Ignorable="hp" hp:hslEmbossed="0">
-              <a:solidFill>
-                <a:schemeClr val="lt1"/>
-              </a:solidFill>
-              <a:latin typeface="+mn-lt"/>
-              <a:ea typeface="+mn-ea"/>
-              <a:cs typeface="+mn-cs"/>
-            </a:endParaRPr>
           </a:p>
         </p:txBody>
       </p:sp>
       <p:sp>
         <p:nvSpPr>
-          <p:cNvPr id="29" name=""/>
+          <p:cNvPr id="29" name="TextBox 28"/>
           <p:cNvSpPr txBox="1"/>
           <p:nvPr/>
         </p:nvSpPr>
@@ -4020,6 +3886,7 @@
           <a:bodyPr wrap="square">
             <a:spAutoFit/>
           </a:bodyPr>
+          <a:lstStyle/>
           <a:p>
             <a:pPr>
               <a:defRPr/>
@@ -4044,13 +3911,6 @@
               </a:rPr>
               <a:t>초전 위치로 되돌아 간다</a:t>
             </a:r>
-            <a:endParaRPr lang="ko-KR" altLang="en-US" sz="2800">
-              <a:solidFill>
-                <a:schemeClr val="lt1"/>
-              </a:solidFill>
-              <a:latin typeface="HY태백B"/>
-              <a:ea typeface="HY태백B"/>
-            </a:endParaRPr>
           </a:p>
         </p:txBody>
       </p:sp>
@@ -4059,11 +3919,11 @@
   <p:clrMapOvr>
     <a:masterClrMapping/>
   </p:clrMapOvr>
-  <mc:AlternateContent xmlns:mc="http://schemas.openxmlformats.org/markup-compatibility/2006">
-    <mc:Choice xmlns:p14="http://schemas.microsoft.com/office/powerpoint/2010/main" Requires="p14">
-      <p:transition xmlns:mc="http://schemas.openxmlformats.org/markup-compatibility/2006" xmlns:p14="http://schemas.microsoft.com/office/powerpoint/2010/main" mc:Ignorable="p14" p14:dur="500"/>
+  <mc:AlternateContent xmlns:mc="http://schemas.openxmlformats.org/markup-compatibility/2006" xmlns:p14="http://schemas.microsoft.com/office/powerpoint/2010/main">
+    <mc:Choice Requires="p14">
+      <p:transition/>
     </mc:Choice>
-    <mc:Fallback>
+    <mc:Fallback xmlns:dsp="http://schemas.microsoft.com/office/drawing/2008/diagram" xmlns:dgm="http://schemas.openxmlformats.org/drawingml/2006/diagram" xmlns:c="http://schemas.openxmlformats.org/drawingml/2006/chart" xmlns="">
       <p:transition/>
     </mc:Fallback>
   </mc:AlternateContent>
@@ -4071,7 +3931,7 @@
 </file>
 
 <file path=ppt/slides/slide14.xml><?xml version="1.0" encoding="utf-8"?>
-<p:sld xmlns:r="http://schemas.openxmlformats.org/officeDocument/2006/relationships" xmlns:c="http://schemas.openxmlformats.org/drawingml/2006/chart" xmlns:a="http://schemas.openxmlformats.org/drawingml/2006/main" xmlns:dgm="http://schemas.openxmlformats.org/drawingml/2006/diagram" xmlns:dsp="http://schemas.microsoft.com/office/drawing/2008/diagram" xmlns:p="http://schemas.openxmlformats.org/presentationml/2006/main">
+<p:sld xmlns:a="http://schemas.openxmlformats.org/drawingml/2006/main" xmlns:r="http://schemas.openxmlformats.org/officeDocument/2006/relationships" xmlns:p="http://schemas.openxmlformats.org/presentationml/2006/main">
   <p:cSld>
     <p:spTree>
       <p:nvGrpSpPr>
@@ -4122,13 +3982,6 @@
               </a:rPr>
               <a:t>03</a:t>
             </a:r>
-            <a:endParaRPr lang="en-US" altLang="ko-KR" sz="6000">
-              <a:solidFill>
-                <a:schemeClr val="bg1"/>
-              </a:solidFill>
-              <a:latin typeface="나눔스퀘어 Light"/>
-              <a:ea typeface="나눔스퀘어 Light"/>
-            </a:endParaRPr>
           </a:p>
         </p:txBody>
       </p:sp>
@@ -4167,13 +4020,6 @@
               </a:rPr>
               <a:t>게임소개</a:t>
             </a:r>
-            <a:endParaRPr lang="ko-KR" altLang="en-US" sz="2800">
-              <a:solidFill>
-                <a:schemeClr val="bg1"/>
-              </a:solidFill>
-              <a:latin typeface="나눔스퀘어 Light"/>
-              <a:ea typeface="나눔스퀘어 Light"/>
-            </a:endParaRPr>
           </a:p>
         </p:txBody>
       </p:sp>
@@ -4424,7 +4270,7 @@
               <a:defRPr/>
             </a:pPr>
             <a:r>
-              <a:rPr xmlns:mc="http://schemas.openxmlformats.org/markup-compatibility/2006" xmlns:hp="http://schemas.haansoft.com/office/presentation/8.0" kumimoji="0" lang="ko-KR" altLang="en-US" sz="2800" b="1" i="0" u="none" strike="noStrike" kern="1200" cap="none" spc="0" normalizeH="0" baseline="0" mc:Ignorable="hp" hp:hslEmbossed="0">
+              <a:rPr kumimoji="0" lang="ko-KR" altLang="en-US" sz="2800" b="1" i="0" u="none" strike="noStrike" kern="1200" cap="none" spc="0" normalizeH="0" baseline="0">
                 <a:solidFill>
                   <a:schemeClr val="lt1"/>
                 </a:solidFill>
@@ -4434,20 +4280,12 @@
               </a:rPr>
               <a:t>기술</a:t>
             </a:r>
-            <a:endParaRPr xmlns:mc="http://schemas.openxmlformats.org/markup-compatibility/2006" xmlns:hp="http://schemas.haansoft.com/office/presentation/8.0" kumimoji="0" lang="ko-KR" altLang="en-US" sz="2800" b="1" i="0" u="none" strike="noStrike" kern="1200" cap="none" spc="0" normalizeH="0" baseline="0" mc:Ignorable="hp" hp:hslEmbossed="0">
-              <a:solidFill>
-                <a:schemeClr val="lt1"/>
-              </a:solidFill>
-              <a:latin typeface="+mn-lt"/>
-              <a:ea typeface="+mn-ea"/>
-              <a:cs typeface="+mn-cs"/>
-            </a:endParaRPr>
           </a:p>
         </p:txBody>
       </p:sp>
       <p:sp>
         <p:nvSpPr>
-          <p:cNvPr id="29" name=""/>
+          <p:cNvPr id="29" name="TextBox 28"/>
           <p:cNvSpPr txBox="1"/>
           <p:nvPr/>
         </p:nvSpPr>
@@ -4464,6 +4302,7 @@
           <a:bodyPr wrap="square">
             <a:spAutoFit/>
           </a:bodyPr>
+          <a:lstStyle/>
           <a:p>
             <a:pPr>
               <a:defRPr/>
@@ -4478,19 +4317,12 @@
               </a:rPr>
               <a:t>고스트 상태가 되어서 일정시간 충돌처리가 발생하지 않는다</a:t>
             </a:r>
-            <a:endParaRPr lang="ko-KR" altLang="en-US" sz="2800">
-              <a:solidFill>
-                <a:schemeClr val="lt1"/>
-              </a:solidFill>
-              <a:latin typeface="HY태백B"/>
-              <a:ea typeface="HY태백B"/>
-            </a:endParaRPr>
           </a:p>
         </p:txBody>
       </p:sp>
       <p:pic>
         <p:nvPicPr>
-          <p:cNvPr id="30" name=""/>
+          <p:cNvPr id="30" name="그림 29"/>
           <p:cNvPicPr>
             <a:picLocks noChangeAspect="1"/>
           </p:cNvPicPr>
@@ -4517,11 +4349,11 @@
   <p:clrMapOvr>
     <a:masterClrMapping/>
   </p:clrMapOvr>
-  <mc:AlternateContent xmlns:mc="http://schemas.openxmlformats.org/markup-compatibility/2006">
-    <mc:Choice xmlns:p14="http://schemas.microsoft.com/office/powerpoint/2010/main" Requires="p14">
-      <p:transition xmlns:mc="http://schemas.openxmlformats.org/markup-compatibility/2006" xmlns:p14="http://schemas.microsoft.com/office/powerpoint/2010/main" mc:Ignorable="p14" p14:dur="500"/>
+  <mc:AlternateContent xmlns:mc="http://schemas.openxmlformats.org/markup-compatibility/2006" xmlns:p14="http://schemas.microsoft.com/office/powerpoint/2010/main">
+    <mc:Choice Requires="p14">
+      <p:transition/>
     </mc:Choice>
-    <mc:Fallback>
+    <mc:Fallback xmlns:dsp="http://schemas.microsoft.com/office/drawing/2008/diagram" xmlns:dgm="http://schemas.openxmlformats.org/drawingml/2006/diagram" xmlns:c="http://schemas.openxmlformats.org/drawingml/2006/chart" xmlns="">
       <p:transition/>
     </mc:Fallback>
   </mc:AlternateContent>
@@ -4529,7 +4361,7 @@
 </file>
 
 <file path=ppt/slides/slide15.xml><?xml version="1.0" encoding="utf-8"?>
-<p:sld xmlns:r="http://schemas.openxmlformats.org/officeDocument/2006/relationships" xmlns:c="http://schemas.openxmlformats.org/drawingml/2006/chart" xmlns:a="http://schemas.openxmlformats.org/drawingml/2006/main" xmlns:dgm="http://schemas.openxmlformats.org/drawingml/2006/diagram" xmlns:dsp="http://schemas.microsoft.com/office/drawing/2008/diagram" xmlns:p="http://schemas.openxmlformats.org/presentationml/2006/main">
+<p:sld xmlns:a="http://schemas.openxmlformats.org/drawingml/2006/main" xmlns:r="http://schemas.openxmlformats.org/officeDocument/2006/relationships" xmlns:p="http://schemas.openxmlformats.org/presentationml/2006/main">
   <p:cSld>
     <p:spTree>
       <p:nvGrpSpPr>
@@ -4580,13 +4412,6 @@
               </a:rPr>
               <a:t>04</a:t>
             </a:r>
-            <a:endParaRPr lang="en-US" altLang="ko-KR" sz="6000">
-              <a:solidFill>
-                <a:schemeClr val="bg1"/>
-              </a:solidFill>
-              <a:latin typeface="나눔스퀘어 Light"/>
-              <a:ea typeface="나눔스퀘어 Light"/>
-            </a:endParaRPr>
           </a:p>
         </p:txBody>
       </p:sp>
@@ -4625,13 +4450,6 @@
               </a:rPr>
               <a:t>기술적 요소</a:t>
             </a:r>
-            <a:endParaRPr lang="ko-KR" altLang="en-US" sz="2800">
-              <a:solidFill>
-                <a:schemeClr val="bg1"/>
-              </a:solidFill>
-              <a:latin typeface="나눔스퀘어 Light"/>
-              <a:ea typeface="나눔스퀘어 Light"/>
-            </a:endParaRPr>
           </a:p>
         </p:txBody>
       </p:sp>
@@ -4846,14 +4664,14 @@
       </p:cxnSp>
       <p:sp>
         <p:nvSpPr>
-          <p:cNvPr id="27" name=""/>
+          <p:cNvPr id="27" name="TextBox 26"/>
           <p:cNvSpPr txBox="1"/>
           <p:nvPr/>
         </p:nvSpPr>
         <p:spPr>
           <a:xfrm>
             <a:off x="2820458" y="2592916"/>
-            <a:ext cx="5916082" cy="1367579"/>
+            <a:ext cx="5916082" cy="1384995"/>
           </a:xfrm>
           <a:prstGeom prst="rect">
             <a:avLst/>
@@ -4863,19 +4681,41 @@
           <a:bodyPr wrap="square">
             <a:spAutoFit/>
           </a:bodyPr>
+          <a:lstStyle/>
           <a:p>
             <a:pPr lvl="0">
               <a:defRPr/>
             </a:pPr>
             <a:r>
-              <a:rPr lang="ko-KR" altLang="en-US" sz="2800" b="1">
+              <a:rPr lang="ko-KR" altLang="en-US" sz="2800" b="1" dirty="0">
                 <a:solidFill>
                   <a:schemeClr val="lt1"/>
                 </a:solidFill>
               </a:rPr>
-              <a:t>동적 메쉬 변경</a:t>
-            </a:r>
-            <a:endParaRPr lang="ko-KR" altLang="en-US" sz="2800" b="1">
+              <a:t>동적 </a:t>
+            </a:r>
+            <a:r>
+              <a:rPr lang="ko-KR" altLang="en-US" sz="2800" b="1" dirty="0" err="1">
+                <a:solidFill>
+                  <a:schemeClr val="lt1"/>
+                </a:solidFill>
+              </a:rPr>
+              <a:t>메쉬</a:t>
+            </a:r>
+            <a:r>
+              <a:rPr lang="ko-KR" altLang="en-US" sz="2800" b="1" dirty="0">
+                <a:solidFill>
+                  <a:schemeClr val="lt1"/>
+                </a:solidFill>
+              </a:rPr>
+              <a:t> 변경</a:t>
+            </a:r>
+          </a:p>
+          <a:p>
+            <a:pPr lvl="0">
+              <a:defRPr/>
+            </a:pPr>
+            <a:endParaRPr lang="ko-KR" altLang="en-US" sz="2800" b="1" dirty="0">
               <a:solidFill>
                 <a:schemeClr val="lt1"/>
               </a:solidFill>
@@ -4885,18 +4725,8 @@
             <a:pPr lvl="0">
               <a:defRPr/>
             </a:pPr>
-            <a:endParaRPr lang="ko-KR" altLang="en-US" sz="2800" b="1">
-              <a:solidFill>
-                <a:schemeClr val="lt1"/>
-              </a:solidFill>
-            </a:endParaRPr>
-          </a:p>
-          <a:p>
-            <a:pPr lvl="0">
-              <a:defRPr/>
-            </a:pPr>
-            <a:r>
-              <a:rPr lang="en-US" altLang="ko-KR" sz="2800" b="1">
+            <a:r>
+              <a:rPr lang="en-US" altLang="ko-KR" sz="2800" b="1" dirty="0">
                 <a:solidFill>
                   <a:schemeClr val="lt1"/>
                 </a:solidFill>
@@ -4904,18 +4734,13 @@
               <a:t>IOCP </a:t>
             </a:r>
             <a:r>
-              <a:rPr lang="ko-KR" altLang="en-US" sz="2800" b="1">
+              <a:rPr lang="ko-KR" altLang="en-US" sz="2800" b="1" dirty="0">
                 <a:solidFill>
                   <a:schemeClr val="lt1"/>
                 </a:solidFill>
               </a:rPr>
-              <a:t>를 활용한 멀티 플레이</a:t>
-            </a:r>
-            <a:endParaRPr lang="ko-KR" altLang="en-US" sz="2800" b="1">
-              <a:solidFill>
-                <a:schemeClr val="lt1"/>
-              </a:solidFill>
-            </a:endParaRPr>
+              <a:t>를 활용한 멀티 스레드 서버</a:t>
+            </a:r>
           </a:p>
         </p:txBody>
       </p:sp>
@@ -4924,11 +4749,11 @@
   <p:clrMapOvr>
     <a:masterClrMapping/>
   </p:clrMapOvr>
-  <mc:AlternateContent xmlns:mc="http://schemas.openxmlformats.org/markup-compatibility/2006">
-    <mc:Choice xmlns:p14="http://schemas.microsoft.com/office/powerpoint/2010/main" Requires="p14">
-      <p:transition xmlns:mc="http://schemas.openxmlformats.org/markup-compatibility/2006" xmlns:p14="http://schemas.microsoft.com/office/powerpoint/2010/main" mc:Ignorable="p14" p14:dur="500"/>
+  <mc:AlternateContent xmlns:mc="http://schemas.openxmlformats.org/markup-compatibility/2006" xmlns:p14="http://schemas.microsoft.com/office/powerpoint/2010/main">
+    <mc:Choice Requires="p14">
+      <p:transition/>
     </mc:Choice>
-    <mc:Fallback>
+    <mc:Fallback xmlns:dsp="http://schemas.microsoft.com/office/drawing/2008/diagram" xmlns:dgm="http://schemas.openxmlformats.org/drawingml/2006/diagram" xmlns:c="http://schemas.openxmlformats.org/drawingml/2006/chart" xmlns="">
       <p:transition/>
     </mc:Fallback>
   </mc:AlternateContent>
@@ -4936,7 +4761,7 @@
 </file>
 
 <file path=ppt/slides/slide16.xml><?xml version="1.0" encoding="utf-8"?>
-<p:sld xmlns:r="http://schemas.openxmlformats.org/officeDocument/2006/relationships" xmlns:c="http://schemas.openxmlformats.org/drawingml/2006/chart" xmlns:a="http://schemas.openxmlformats.org/drawingml/2006/main" xmlns:dgm="http://schemas.openxmlformats.org/drawingml/2006/diagram" xmlns:dsp="http://schemas.microsoft.com/office/drawing/2008/diagram" xmlns:p="http://schemas.openxmlformats.org/presentationml/2006/main">
+<p:sld xmlns:a="http://schemas.openxmlformats.org/drawingml/2006/main" xmlns:r="http://schemas.openxmlformats.org/officeDocument/2006/relationships" xmlns:p="http://schemas.openxmlformats.org/presentationml/2006/main">
   <p:cSld>
     <p:spTree>
       <p:nvGrpSpPr>
@@ -4987,13 +4812,6 @@
               </a:rPr>
               <a:t>05</a:t>
             </a:r>
-            <a:endParaRPr lang="en-US" altLang="ko-KR" sz="6000">
-              <a:solidFill>
-                <a:schemeClr val="bg1"/>
-              </a:solidFill>
-              <a:latin typeface="나눔스퀘어 Light"/>
-              <a:ea typeface="나눔스퀘어 Light"/>
-            </a:endParaRPr>
           </a:p>
         </p:txBody>
       </p:sp>
@@ -5241,13 +5059,6 @@
               </a:rPr>
               <a:t>타게임과 </a:t>
             </a:r>
-            <a:endParaRPr lang="ko-KR" altLang="en-US" sz="2800">
-              <a:solidFill>
-                <a:schemeClr val="bg1"/>
-              </a:solidFill>
-              <a:latin typeface="나눔스퀘어 Light"/>
-              <a:ea typeface="나눔스퀘어 Light"/>
-            </a:endParaRPr>
           </a:p>
           <a:p>
             <a:pPr algn="ctr">
@@ -5263,19 +5074,12 @@
               </a:rPr>
               <a:t>차별성</a:t>
             </a:r>
-            <a:endParaRPr lang="ko-KR" altLang="en-US" sz="2800">
-              <a:solidFill>
-                <a:schemeClr val="bg1"/>
-              </a:solidFill>
-              <a:latin typeface="나눔스퀘어 Light"/>
-              <a:ea typeface="나눔스퀘어 Light"/>
-            </a:endParaRPr>
           </a:p>
         </p:txBody>
       </p:sp>
       <p:sp>
         <p:nvSpPr>
-          <p:cNvPr id="28" name=""/>
+          <p:cNvPr id="28" name="TextBox 27"/>
           <p:cNvSpPr txBox="1"/>
           <p:nvPr/>
         </p:nvSpPr>
@@ -5305,11 +5109,6 @@
               </a:rPr>
               <a:t>맵에 있는 여러가지 무기들과 스킬들을 획득해서 </a:t>
             </a:r>
-            <a:endParaRPr lang="ko-KR" altLang="en-US" sz="2800" b="1">
-              <a:solidFill>
-                <a:schemeClr val="lt1"/>
-              </a:solidFill>
-            </a:endParaRPr>
           </a:p>
           <a:p>
             <a:pPr lvl="0">
@@ -5323,11 +5122,6 @@
               </a:rPr>
               <a:t>재미있는 전투들을 만들어갈수 있고 </a:t>
             </a:r>
-            <a:endParaRPr lang="ko-KR" altLang="en-US" sz="2800" b="1">
-              <a:solidFill>
-                <a:schemeClr val="lt1"/>
-              </a:solidFill>
-            </a:endParaRPr>
           </a:p>
           <a:p>
             <a:pPr lvl="0">
@@ -5341,11 +5135,6 @@
               </a:rPr>
               <a:t>맵 중앙에 일정시간후 리스폰되는 로봇도 </a:t>
             </a:r>
-            <a:endParaRPr lang="ko-KR" altLang="en-US" sz="2800" b="1">
-              <a:solidFill>
-                <a:schemeClr val="lt1"/>
-              </a:solidFill>
-            </a:endParaRPr>
           </a:p>
           <a:p>
             <a:pPr lvl="0">
@@ -5367,11 +5156,6 @@
               </a:rPr>
               <a:t>.</a:t>
             </a:r>
-            <a:endParaRPr lang="en-US" altLang="ko-KR" sz="2800" b="1">
-              <a:solidFill>
-                <a:schemeClr val="lt1"/>
-              </a:solidFill>
-            </a:endParaRPr>
           </a:p>
         </p:txBody>
       </p:sp>
@@ -5380,11 +5164,11 @@
   <p:clrMapOvr>
     <a:masterClrMapping/>
   </p:clrMapOvr>
-  <mc:AlternateContent xmlns:mc="http://schemas.openxmlformats.org/markup-compatibility/2006">
-    <mc:Choice xmlns:p14="http://schemas.microsoft.com/office/powerpoint/2010/main" Requires="p14">
-      <p:transition xmlns:mc="http://schemas.openxmlformats.org/markup-compatibility/2006" xmlns:p14="http://schemas.microsoft.com/office/powerpoint/2010/main" mc:Ignorable="p14" p14:dur="500"/>
+  <mc:AlternateContent xmlns:mc="http://schemas.openxmlformats.org/markup-compatibility/2006" xmlns:p14="http://schemas.microsoft.com/office/powerpoint/2010/main">
+    <mc:Choice Requires="p14">
+      <p:transition/>
     </mc:Choice>
-    <mc:Fallback>
+    <mc:Fallback xmlns:dsp="http://schemas.microsoft.com/office/drawing/2008/diagram" xmlns:dgm="http://schemas.openxmlformats.org/drawingml/2006/diagram" xmlns:c="http://schemas.openxmlformats.org/drawingml/2006/chart" xmlns="">
       <p:transition/>
     </mc:Fallback>
   </mc:AlternateContent>
@@ -5392,7 +5176,7 @@
 </file>
 
 <file path=ppt/slides/slide17.xml><?xml version="1.0" encoding="utf-8"?>
-<p:sld xmlns:r="http://schemas.openxmlformats.org/officeDocument/2006/relationships" xmlns:c="http://schemas.openxmlformats.org/drawingml/2006/chart" xmlns:a="http://schemas.openxmlformats.org/drawingml/2006/main" xmlns:dgm="http://schemas.openxmlformats.org/drawingml/2006/diagram" xmlns:dsp="http://schemas.microsoft.com/office/drawing/2008/diagram" xmlns:p="http://schemas.openxmlformats.org/presentationml/2006/main">
+<p:sld xmlns:a="http://schemas.openxmlformats.org/drawingml/2006/main" xmlns:r="http://schemas.openxmlformats.org/officeDocument/2006/relationships" xmlns:p="http://schemas.openxmlformats.org/presentationml/2006/main">
   <p:cSld>
     <p:spTree>
       <p:nvGrpSpPr>
@@ -5443,13 +5227,6 @@
               </a:rPr>
               <a:t>06</a:t>
             </a:r>
-            <a:endParaRPr lang="en-US" altLang="ko-KR" sz="6000">
-              <a:solidFill>
-                <a:schemeClr val="bg1"/>
-              </a:solidFill>
-              <a:latin typeface="나눔스퀘어 Light"/>
-              <a:ea typeface="나눔스퀘어 Light"/>
-            </a:endParaRPr>
           </a:p>
         </p:txBody>
       </p:sp>
@@ -5488,13 +5265,6 @@
               </a:rPr>
               <a:t>개인별</a:t>
             </a:r>
-            <a:endParaRPr lang="ko-KR" altLang="en-US" sz="2800">
-              <a:solidFill>
-                <a:schemeClr val="bg1"/>
-              </a:solidFill>
-              <a:latin typeface="나눔스퀘어 Light"/>
-              <a:ea typeface="나눔스퀘어 Light"/>
-            </a:endParaRPr>
           </a:p>
           <a:p>
             <a:pPr algn="ctr">
@@ -5510,13 +5280,6 @@
               </a:rPr>
               <a:t>준비현황</a:t>
             </a:r>
-            <a:endParaRPr lang="ko-KR" altLang="en-US" sz="2800">
-              <a:solidFill>
-                <a:schemeClr val="bg1"/>
-              </a:solidFill>
-              <a:latin typeface="나눔스퀘어 Light"/>
-              <a:ea typeface="나눔스퀘어 Light"/>
-            </a:endParaRPr>
           </a:p>
         </p:txBody>
       </p:sp>
@@ -5731,7 +5494,7 @@
       </p:cxnSp>
       <p:sp>
         <p:nvSpPr>
-          <p:cNvPr id="27" name=""/>
+          <p:cNvPr id="27" name="TextBox 26"/>
           <p:cNvSpPr txBox="1"/>
           <p:nvPr/>
         </p:nvSpPr>
@@ -5855,13 +5618,6 @@
               </a:rPr>
               <a:t> 알고리즘</a:t>
             </a:r>
-            <a:endParaRPr lang="ko-KR" altLang="en-US" sz="2800">
-              <a:solidFill>
-                <a:schemeClr val="lt1"/>
-              </a:solidFill>
-              <a:latin typeface="HY태백B"/>
-              <a:ea typeface="HY태백B"/>
-            </a:endParaRPr>
           </a:p>
           <a:p>
             <a:pPr lvl="0">
@@ -5941,13 +5697,6 @@
               </a:rPr>
               <a:t>		네트워크 게임프로그래밍</a:t>
             </a:r>
-            <a:endParaRPr lang="ko-KR" altLang="en-US" sz="2800">
-              <a:solidFill>
-                <a:schemeClr val="lt1"/>
-              </a:solidFill>
-              <a:latin typeface="HY태백B"/>
-              <a:ea typeface="HY태백B"/>
-            </a:endParaRPr>
           </a:p>
           <a:p>
             <a:pPr lvl="0">
@@ -6060,11 +5809,11 @@
   <p:clrMapOvr>
     <a:masterClrMapping/>
   </p:clrMapOvr>
-  <mc:AlternateContent xmlns:mc="http://schemas.openxmlformats.org/markup-compatibility/2006">
-    <mc:Choice xmlns:p14="http://schemas.microsoft.com/office/powerpoint/2010/main" Requires="p14">
-      <p:transition xmlns:mc="http://schemas.openxmlformats.org/markup-compatibility/2006" xmlns:p14="http://schemas.microsoft.com/office/powerpoint/2010/main" mc:Ignorable="p14" p14:dur="500"/>
+  <mc:AlternateContent xmlns:mc="http://schemas.openxmlformats.org/markup-compatibility/2006" xmlns:p14="http://schemas.microsoft.com/office/powerpoint/2010/main">
+    <mc:Choice Requires="p14">
+      <p:transition/>
     </mc:Choice>
-    <mc:Fallback>
+    <mc:Fallback xmlns:dsp="http://schemas.microsoft.com/office/drawing/2008/diagram" xmlns:dgm="http://schemas.openxmlformats.org/drawingml/2006/diagram" xmlns:c="http://schemas.openxmlformats.org/drawingml/2006/chart" xmlns="">
       <p:transition/>
     </mc:Fallback>
   </mc:AlternateContent>
@@ -6072,7 +5821,7 @@
 </file>
 
 <file path=ppt/slides/slide18.xml><?xml version="1.0" encoding="utf-8"?>
-<p:sld xmlns:r="http://schemas.openxmlformats.org/officeDocument/2006/relationships" xmlns:c="http://schemas.openxmlformats.org/drawingml/2006/chart" xmlns:a="http://schemas.openxmlformats.org/drawingml/2006/main" xmlns:dgm="http://schemas.openxmlformats.org/drawingml/2006/diagram" xmlns:dsp="http://schemas.microsoft.com/office/drawing/2008/diagram" xmlns:p="http://schemas.openxmlformats.org/presentationml/2006/main">
+<p:sld xmlns:a="http://schemas.openxmlformats.org/drawingml/2006/main" xmlns:r="http://schemas.openxmlformats.org/officeDocument/2006/relationships" xmlns:p="http://schemas.openxmlformats.org/presentationml/2006/main">
   <p:cSld>
     <p:spTree>
       <p:nvGrpSpPr>
@@ -6123,13 +5872,6 @@
               </a:rPr>
               <a:t>07</a:t>
             </a:r>
-            <a:endParaRPr lang="en-US" altLang="ko-KR" sz="6000">
-              <a:solidFill>
-                <a:schemeClr val="bg1"/>
-              </a:solidFill>
-              <a:latin typeface="나눔스퀘어 Light"/>
-              <a:ea typeface="나눔스퀘어 Light"/>
-            </a:endParaRPr>
           </a:p>
         </p:txBody>
       </p:sp>
@@ -6168,13 +5910,6 @@
               </a:rPr>
               <a:t>역활 분담</a:t>
             </a:r>
-            <a:endParaRPr lang="ko-KR" altLang="en-US" sz="2800">
-              <a:solidFill>
-                <a:schemeClr val="bg1"/>
-              </a:solidFill>
-              <a:latin typeface="나눔스퀘어 Light"/>
-              <a:ea typeface="나눔스퀘어 Light"/>
-            </a:endParaRPr>
           </a:p>
         </p:txBody>
       </p:sp>
@@ -6389,14 +6124,14 @@
       </p:cxnSp>
       <p:sp>
         <p:nvSpPr>
-          <p:cNvPr id="28" name=""/>
+          <p:cNvPr id="28" name="TextBox 27"/>
           <p:cNvSpPr txBox="1"/>
           <p:nvPr/>
         </p:nvSpPr>
         <p:spPr>
           <a:xfrm>
             <a:off x="2248957" y="1915582"/>
-            <a:ext cx="9122833" cy="3492713"/>
+            <a:ext cx="9122833" cy="3539430"/>
           </a:xfrm>
           <a:prstGeom prst="rect">
             <a:avLst/>
@@ -6412,7 +6147,7 @@
               <a:defRPr/>
             </a:pPr>
             <a:r>
-              <a:rPr lang="ko-KR" altLang="en-US" sz="2800">
+              <a:rPr lang="ko-KR" altLang="en-US" sz="2800" dirty="0">
                 <a:solidFill>
                   <a:schemeClr val="lt1"/>
                 </a:solidFill>
@@ -6422,26 +6157,61 @@
               <a:t>권세진 </a:t>
             </a:r>
             <a:r>
-              <a:rPr lang="en-US" altLang="ko-KR" sz="2800">
+              <a:rPr lang="en-US" altLang="ko-KR" sz="2800" dirty="0">
                 <a:solidFill>
                   <a:schemeClr val="lt1"/>
                 </a:solidFill>
                 <a:latin typeface="HY태백B"/>
                 <a:ea typeface="HY태백B"/>
               </a:rPr>
-              <a:t>	- IOCP </a:t>
-            </a:r>
-            <a:r>
-              <a:rPr lang="ko-KR" altLang="en-US" sz="2800">
+              <a:t>	- IOCP</a:t>
+            </a:r>
+            <a:r>
+              <a:rPr lang="ko-KR" altLang="en-US" sz="2800" dirty="0">
                 <a:solidFill>
                   <a:schemeClr val="lt1"/>
                 </a:solidFill>
                 <a:latin typeface="HY태백B"/>
                 <a:ea typeface="HY태백B"/>
               </a:rPr>
+              <a:t>활용 </a:t>
+            </a:r>
+            <a:r>
+              <a:rPr lang="ko-KR" altLang="en-US" sz="2800" dirty="0" err="1">
+                <a:solidFill>
+                  <a:schemeClr val="lt1"/>
+                </a:solidFill>
+                <a:latin typeface="HY태백B"/>
+                <a:ea typeface="HY태백B"/>
+              </a:rPr>
+              <a:t>멀티스레드</a:t>
+            </a:r>
+            <a:r>
+              <a:rPr lang="en-US" altLang="ko-KR" sz="2800" dirty="0">
+                <a:solidFill>
+                  <a:schemeClr val="lt1"/>
+                </a:solidFill>
+                <a:latin typeface="HY태백B"/>
+                <a:ea typeface="HY태백B"/>
+              </a:rPr>
+              <a:t> </a:t>
+            </a:r>
+            <a:r>
+              <a:rPr lang="ko-KR" altLang="en-US" sz="2800" dirty="0">
+                <a:solidFill>
+                  <a:schemeClr val="lt1"/>
+                </a:solidFill>
+                <a:latin typeface="HY태백B"/>
+                <a:ea typeface="HY태백B"/>
+              </a:rPr>
               <a:t>서버 구현 및 연동</a:t>
             </a:r>
-            <a:endParaRPr lang="ko-KR" altLang="en-US" sz="2800">
+          </a:p>
+          <a:p>
+            <a:pPr lvl="0">
+              <a:defRPr/>
+            </a:pPr>
+            <a:endParaRPr lang="en-US" altLang="ko-KR" sz="2800" dirty="0">
               <a:solidFill>
                 <a:schemeClr val="lt1"/>
               </a:solidFill>
@@ -6453,7 +6223,67 @@
             <a:pPr lvl="0">
               <a:defRPr/>
             </a:pPr>
-            <a:endParaRPr lang="en-US" altLang="ko-KR" sz="2800">
+            <a:r>
+              <a:rPr lang="ko-KR" altLang="en-US" sz="2800" dirty="0">
+                <a:solidFill>
+                  <a:schemeClr val="lt1"/>
+                </a:solidFill>
+                <a:latin typeface="HY태백B"/>
+                <a:ea typeface="HY태백B"/>
+              </a:rPr>
+              <a:t>전태준 </a:t>
+            </a:r>
+            <a:r>
+              <a:rPr lang="en-US" altLang="ko-KR" sz="2800" dirty="0">
+                <a:solidFill>
+                  <a:schemeClr val="lt1"/>
+                </a:solidFill>
+                <a:latin typeface="HY태백B"/>
+                <a:ea typeface="HY태백B"/>
+              </a:rPr>
+              <a:t>	-  </a:t>
+            </a:r>
+            <a:r>
+              <a:rPr lang="ko-KR" altLang="en-US" sz="2800" dirty="0">
+                <a:solidFill>
+                  <a:schemeClr val="lt1"/>
+                </a:solidFill>
+                <a:latin typeface="HY태백B"/>
+                <a:ea typeface="HY태백B"/>
+              </a:rPr>
+              <a:t>스킬 제작</a:t>
+            </a:r>
+          </a:p>
+          <a:p>
+            <a:pPr lvl="0">
+              <a:defRPr/>
+            </a:pPr>
+            <a:r>
+              <a:rPr lang="en-US" altLang="ko-KR" sz="2800" dirty="0">
+                <a:solidFill>
+                  <a:schemeClr val="lt1"/>
+                </a:solidFill>
+                <a:latin typeface="HY태백B"/>
+                <a:ea typeface="HY태백B"/>
+              </a:rPr>
+              <a:t>		- </a:t>
+            </a:r>
+            <a:r>
+              <a:rPr lang="ko-KR" altLang="en-US" sz="2800" dirty="0">
+                <a:solidFill>
+                  <a:schemeClr val="lt1"/>
+                </a:solidFill>
+                <a:latin typeface="HY태백B"/>
+                <a:ea typeface="HY태백B"/>
+              </a:rPr>
+              <a:t>기술적요소 제작</a:t>
+            </a:r>
+          </a:p>
+          <a:p>
+            <a:pPr lvl="0">
+              <a:defRPr/>
+            </a:pPr>
+            <a:endParaRPr lang="en-US" altLang="ko-KR" sz="2800" dirty="0">
               <a:solidFill>
                 <a:schemeClr val="lt1"/>
               </a:solidFill>
@@ -6466,49 +6296,62 @@
               <a:defRPr/>
             </a:pPr>
             <a:r>
-              <a:rPr lang="ko-KR" altLang="en-US" sz="2800">
+              <a:rPr lang="ko-KR" altLang="en-US" sz="2800" dirty="0">
                 <a:solidFill>
                   <a:schemeClr val="lt1"/>
                 </a:solidFill>
                 <a:latin typeface="HY태백B"/>
                 <a:ea typeface="HY태백B"/>
               </a:rPr>
-              <a:t>전태준 </a:t>
-            </a:r>
-            <a:r>
-              <a:rPr lang="en-US" altLang="ko-KR" sz="2800">
+              <a:t>김준현</a:t>
+            </a:r>
+            <a:r>
+              <a:rPr lang="en-US" altLang="ko-KR" sz="2800" dirty="0">
                 <a:solidFill>
                   <a:schemeClr val="lt1"/>
                 </a:solidFill>
                 <a:latin typeface="HY태백B"/>
                 <a:ea typeface="HY태백B"/>
               </a:rPr>
-              <a:t>	-  </a:t>
-            </a:r>
-            <a:r>
-              <a:rPr lang="ko-KR" altLang="en-US" sz="2800">
+              <a:t>	- </a:t>
+            </a:r>
+            <a:r>
+              <a:rPr lang="ko-KR" altLang="en-US" sz="2800" dirty="0" err="1">
                 <a:solidFill>
                   <a:schemeClr val="lt1"/>
                 </a:solidFill>
                 <a:latin typeface="HY태백B"/>
                 <a:ea typeface="HY태백B"/>
               </a:rPr>
-              <a:t>스킬 제작</a:t>
-            </a:r>
-            <a:endParaRPr lang="ko-KR" altLang="en-US" sz="2800">
-              <a:solidFill>
-                <a:schemeClr val="lt1"/>
-              </a:solidFill>
-              <a:latin typeface="HY태백B"/>
-              <a:ea typeface="HY태백B"/>
-            </a:endParaRPr>
+              <a:t>에셋</a:t>
+            </a:r>
+            <a:r>
+              <a:rPr lang="ko-KR" altLang="en-US" sz="2800" dirty="0">
+                <a:solidFill>
+                  <a:schemeClr val="lt1"/>
+                </a:solidFill>
+                <a:latin typeface="HY태백B"/>
+                <a:ea typeface="HY태백B"/>
+              </a:rPr>
+              <a:t> 제작 </a:t>
+            </a:r>
+            <a:r>
+              <a:rPr lang="en-US" altLang="ko-KR" sz="2800" dirty="0">
+                <a:solidFill>
+                  <a:schemeClr val="lt1"/>
+                </a:solidFill>
+                <a:latin typeface="HY태백B"/>
+                <a:ea typeface="HY태백B"/>
+              </a:rPr>
+              <a:t> </a:t>
+            </a:r>
           </a:p>
           <a:p>
             <a:pPr lvl="0">
               <a:defRPr/>
             </a:pPr>
             <a:r>
-              <a:rPr lang="en-US" altLang="ko-KR" sz="2800">
+              <a:rPr lang="en-US" altLang="ko-KR" sz="2800" dirty="0">
                 <a:solidFill>
                   <a:schemeClr val="lt1"/>
                 </a:solidFill>
@@ -6518,144 +6361,41 @@
               <a:t>		- </a:t>
             </a:r>
             <a:r>
-              <a:rPr lang="ko-KR" altLang="en-US" sz="2800">
+              <a:rPr lang="ko-KR" altLang="en-US" sz="2800" dirty="0">
                 <a:solidFill>
                   <a:schemeClr val="lt1"/>
                 </a:solidFill>
                 <a:latin typeface="HY태백B"/>
                 <a:ea typeface="HY태백B"/>
               </a:rPr>
-              <a:t>기술적요소 제작</a:t>
-            </a:r>
-            <a:endParaRPr lang="ko-KR" altLang="en-US" sz="2800">
-              <a:solidFill>
-                <a:schemeClr val="lt1"/>
-              </a:solidFill>
-              <a:latin typeface="HY태백B"/>
-              <a:ea typeface="HY태백B"/>
-            </a:endParaRPr>
+              <a:t>애니메이션 적용</a:t>
+            </a:r>
           </a:p>
           <a:p>
             <a:pPr lvl="0">
               <a:defRPr/>
             </a:pPr>
-            <a:endParaRPr lang="en-US" altLang="ko-KR" sz="2800">
-              <a:solidFill>
-                <a:schemeClr val="lt1"/>
-              </a:solidFill>
-              <a:latin typeface="HY태백B"/>
-              <a:ea typeface="HY태백B"/>
-            </a:endParaRPr>
-          </a:p>
-          <a:p>
-            <a:pPr lvl="0">
-              <a:defRPr/>
-            </a:pPr>
-            <a:r>
-              <a:rPr lang="ko-KR" altLang="en-US" sz="2800">
+            <a:r>
+              <a:rPr lang="en-US" altLang="ko-KR" sz="2800" dirty="0">
                 <a:solidFill>
                   <a:schemeClr val="lt1"/>
                 </a:solidFill>
                 <a:latin typeface="HY태백B"/>
                 <a:ea typeface="HY태백B"/>
               </a:rPr>
-              <a:t>김준현</a:t>
-            </a:r>
-            <a:r>
-              <a:rPr lang="en-US" altLang="ko-KR" sz="2800">
+              <a:t>		-</a:t>
+            </a:r>
+            <a:r>
+              <a:rPr lang="ko-KR" altLang="en-US" sz="2800" dirty="0">
                 <a:solidFill>
                   <a:schemeClr val="lt1"/>
                 </a:solidFill>
                 <a:latin typeface="HY태백B"/>
                 <a:ea typeface="HY태백B"/>
               </a:rPr>
-              <a:t>	- </a:t>
-            </a:r>
-            <a:r>
-              <a:rPr lang="ko-KR" altLang="en-US" sz="2800">
-                <a:solidFill>
-                  <a:schemeClr val="lt1"/>
-                </a:solidFill>
-                <a:latin typeface="HY태백B"/>
-                <a:ea typeface="HY태백B"/>
-              </a:rPr>
-              <a:t>에셋 제작 </a:t>
-            </a:r>
-            <a:r>
-              <a:rPr lang="en-US" altLang="ko-KR" sz="2800">
-                <a:solidFill>
-                  <a:schemeClr val="lt1"/>
-                </a:solidFill>
-                <a:latin typeface="HY태백B"/>
-                <a:ea typeface="HY태백B"/>
-              </a:rPr>
-              <a:t> </a:t>
-            </a:r>
-            <a:endParaRPr lang="en-US" altLang="ko-KR" sz="2800">
-              <a:solidFill>
-                <a:schemeClr val="lt1"/>
-              </a:solidFill>
-              <a:latin typeface="HY태백B"/>
-              <a:ea typeface="HY태백B"/>
-            </a:endParaRPr>
-          </a:p>
-          <a:p>
-            <a:pPr lvl="0">
-              <a:defRPr/>
-            </a:pPr>
-            <a:r>
-              <a:rPr lang="en-US" altLang="ko-KR" sz="2800">
-                <a:solidFill>
-                  <a:schemeClr val="lt1"/>
-                </a:solidFill>
-                <a:latin typeface="HY태백B"/>
-                <a:ea typeface="HY태백B"/>
-              </a:rPr>
-              <a:t>		- </a:t>
-            </a:r>
-            <a:r>
-              <a:rPr lang="ko-KR" altLang="en-US" sz="2800">
-                <a:solidFill>
-                  <a:schemeClr val="lt1"/>
-                </a:solidFill>
-                <a:latin typeface="HY태백B"/>
-                <a:ea typeface="HY태백B"/>
-              </a:rPr>
-              <a:t>애니메이션 적용</a:t>
-            </a:r>
-            <a:endParaRPr lang="ko-KR" altLang="en-US" sz="2800">
-              <a:solidFill>
-                <a:schemeClr val="lt1"/>
-              </a:solidFill>
-              <a:latin typeface="HY태백B"/>
-              <a:ea typeface="HY태백B"/>
-            </a:endParaRPr>
-          </a:p>
-          <a:p>
-            <a:pPr lvl="0">
-              <a:defRPr/>
-            </a:pPr>
-            <a:r>
-              <a:rPr lang="en-US" altLang="ko-KR" sz="2800">
-                <a:solidFill>
-                  <a:schemeClr val="lt1"/>
-                </a:solidFill>
-                <a:latin typeface="HY태백B"/>
-                <a:ea typeface="HY태백B"/>
-              </a:rPr>
-              <a:t>		-</a:t>
-            </a:r>
-            <a:r>
-              <a:rPr lang="ko-KR" altLang="en-US" sz="2800">
-                <a:solidFill>
-                  <a:schemeClr val="lt1"/>
-                </a:solidFill>
-                <a:latin typeface="HY태백B"/>
-                <a:ea typeface="HY태백B"/>
-              </a:rPr>
               <a:t> 무기 구현</a:t>
             </a:r>
-            <a:endParaRPr lang="en-US" altLang="ko-KR" sz="2800" b="1">
+            <a:endParaRPr lang="en-US" altLang="ko-KR" sz="2800" b="1" dirty="0">
               <a:solidFill>
                 <a:schemeClr val="lt1"/>
               </a:solidFill>
@@ -6670,11 +6410,11 @@
   <p:clrMapOvr>
     <a:masterClrMapping/>
   </p:clrMapOvr>
-  <mc:AlternateContent xmlns:mc="http://schemas.openxmlformats.org/markup-compatibility/2006">
-    <mc:Choice xmlns:p14="http://schemas.microsoft.com/office/powerpoint/2010/main" Requires="p14">
-      <p:transition xmlns:mc="http://schemas.openxmlformats.org/markup-compatibility/2006" xmlns:p14="http://schemas.microsoft.com/office/powerpoint/2010/main" mc:Ignorable="p14" p14:dur="500"/>
+  <mc:AlternateContent xmlns:mc="http://schemas.openxmlformats.org/markup-compatibility/2006" xmlns:p14="http://schemas.microsoft.com/office/powerpoint/2010/main">
+    <mc:Choice Requires="p14">
+      <p:transition/>
     </mc:Choice>
-    <mc:Fallback>
+    <mc:Fallback xmlns:dsp="http://schemas.microsoft.com/office/drawing/2008/diagram" xmlns:dgm="http://schemas.openxmlformats.org/drawingml/2006/diagram" xmlns:c="http://schemas.openxmlformats.org/drawingml/2006/chart" xmlns="">
       <p:transition/>
     </mc:Fallback>
   </mc:AlternateContent>
@@ -6682,7 +6422,7 @@
 </file>
 
 <file path=ppt/slides/slide19.xml><?xml version="1.0" encoding="utf-8"?>
-<p:sld xmlns:r="http://schemas.openxmlformats.org/officeDocument/2006/relationships" xmlns:c="http://schemas.openxmlformats.org/drawingml/2006/chart" xmlns:a="http://schemas.openxmlformats.org/drawingml/2006/main" xmlns:dgm="http://schemas.openxmlformats.org/drawingml/2006/diagram" xmlns:dsp="http://schemas.microsoft.com/office/drawing/2008/diagram" xmlns:p="http://schemas.openxmlformats.org/presentationml/2006/main">
+<p:sld xmlns:a="http://schemas.openxmlformats.org/drawingml/2006/main" xmlns:r="http://schemas.openxmlformats.org/officeDocument/2006/relationships" xmlns:p="http://schemas.openxmlformats.org/presentationml/2006/main">
   <p:cSld>
     <p:spTree>
       <p:nvGrpSpPr>
@@ -6733,13 +6473,6 @@
               </a:rPr>
               <a:t>08</a:t>
             </a:r>
-            <a:endParaRPr lang="en-US" altLang="ko-KR" sz="6000">
-              <a:solidFill>
-                <a:schemeClr val="bg1"/>
-              </a:solidFill>
-              <a:latin typeface="나눔스퀘어 Light"/>
-              <a:ea typeface="나눔스퀘어 Light"/>
-            </a:endParaRPr>
           </a:p>
         </p:txBody>
       </p:sp>
@@ -6778,13 +6511,6 @@
               </a:rPr>
               <a:t>개발 일정</a:t>
             </a:r>
-            <a:endParaRPr lang="ko-KR" altLang="en-US" sz="2800">
-              <a:solidFill>
-                <a:schemeClr val="bg1"/>
-              </a:solidFill>
-              <a:latin typeface="나눔스퀘어 Light"/>
-              <a:ea typeface="나눔스퀘어 Light"/>
-            </a:endParaRPr>
           </a:p>
         </p:txBody>
       </p:sp>
@@ -7007,163 +6733,84 @@
         </p:nvGraphicFramePr>
         <p:xfrm>
           <a:off x="2227490" y="1865698"/>
-          <a:ext cx="9007016" cy="3875410"/>
+          <a:ext cx="9007012" cy="3871600"/>
         </p:xfrm>
         <a:graphic>
           <a:graphicData uri="http://schemas.openxmlformats.org/drawingml/2006/table">
             <a:tbl>
               <a:tblPr firstRow="1" bandRow="1">
-                <a:tableStyle styleId="{16D9F66E-5EB9-4882-86FB-DCBF35E3C3E4}" styleName="보통 스타일 4 - 강조 6">
-                  <a:wholeTbl>
-                    <a:tcTxStyle>
-                      <a:fontRef idx="minor">
-                        <a:scrgbClr r="0" g="0" b="0"/>
-                      </a:fontRef>
-                      <a:schemeClr val="dk1"/>
-                    </a:tcTxStyle>
-                    <a:tcStyle>
-                      <a:tcBdr>
-                        <a:left>
-                          <a:ln w="12700" cmpd="sng">
-                            <a:solidFill>
-                              <a:schemeClr val="accent6"/>
-                            </a:solidFill>
-                          </a:ln>
-                        </a:left>
-                        <a:right>
-                          <a:ln w="12700" cmpd="sng">
-                            <a:solidFill>
-                              <a:schemeClr val="accent6"/>
-                            </a:solidFill>
-                          </a:ln>
-                        </a:right>
-                        <a:top>
-                          <a:ln w="12700" cmpd="sng">
-                            <a:solidFill>
-                              <a:schemeClr val="accent6"/>
-                            </a:solidFill>
-                          </a:ln>
-                        </a:top>
-                        <a:bottom>
-                          <a:ln w="12700" cmpd="sng">
-                            <a:solidFill>
-                              <a:schemeClr val="accent6"/>
-                            </a:solidFill>
-                          </a:ln>
-                        </a:bottom>
-                        <a:insideH>
-                          <a:ln w="12700" cmpd="sng">
-                            <a:solidFill>
-                              <a:schemeClr val="accent6"/>
-                            </a:solidFill>
-                          </a:ln>
-                        </a:insideH>
-                        <a:insideV>
-                          <a:ln w="12700" cmpd="sng">
-                            <a:solidFill>
-                              <a:schemeClr val="accent6"/>
-                            </a:solidFill>
-                          </a:ln>
-                        </a:insideV>
-                      </a:tcBdr>
-                      <a:fill>
-                        <a:solidFill>
-                          <a:schemeClr val="accent6">
-                            <a:tint val="20000"/>
-                          </a:schemeClr>
-                        </a:solidFill>
-                      </a:fill>
-                    </a:tcStyle>
-                  </a:wholeTbl>
-                  <a:band1H>
-                    <a:tcTxStyle/>
-                    <a:tcStyle>
-                      <a:tcBdr/>
-                      <a:fill>
-                        <a:solidFill>
-                          <a:schemeClr val="accent6">
-                            <a:tint val="40000"/>
-                          </a:schemeClr>
-                        </a:solidFill>
-                      </a:fill>
-                    </a:tcStyle>
-                  </a:band1H>
-                  <a:band1V>
-                    <a:tcTxStyle/>
-                    <a:tcStyle>
-                      <a:tcBdr/>
-                      <a:fill>
-                        <a:solidFill>
-                          <a:schemeClr val="accent6">
-                            <a:tint val="40000"/>
-                          </a:schemeClr>
-                        </a:solidFill>
-                      </a:fill>
-                    </a:tcStyle>
-                  </a:band1V>
-                  <a:lastCol>
-                    <a:tcTxStyle b="on"/>
-                    <a:tcStyle>
-                      <a:tcBdr/>
-                    </a:tcStyle>
-                  </a:lastCol>
-                  <a:firstCol>
-                    <a:tcTxStyle b="on"/>
-                    <a:tcStyle>
-                      <a:tcBdr/>
-                    </a:tcStyle>
-                  </a:firstCol>
-                  <a:lastRow>
-                    <a:tcTxStyle b="on"/>
-                    <a:tcStyle>
-                      <a:tcBdr>
-                        <a:top>
-                          <a:ln w="25400" cmpd="sng">
-                            <a:solidFill>
-                              <a:schemeClr val="accent6"/>
-                            </a:solidFill>
-                          </a:ln>
-                        </a:top>
-                      </a:tcBdr>
-                      <a:fill>
-                        <a:solidFill>
-                          <a:schemeClr val="accent6">
-                            <a:tint val="20000"/>
-                          </a:schemeClr>
-                        </a:solidFill>
-                      </a:fill>
-                    </a:tcStyle>
-                  </a:lastRow>
-                  <a:firstRow>
-                    <a:tcTxStyle b="on"/>
-                    <a:tcStyle>
-                      <a:tcBdr/>
-                      <a:fill>
-                        <a:solidFill>
-                          <a:schemeClr val="accent6">
-                            <a:tint val="20000"/>
-                          </a:schemeClr>
-                        </a:solidFill>
-                      </a:fill>
-                    </a:tcStyle>
-                  </a:firstRow>
-                </a:tableStyle>
+                <a:tableStyleId>{16D9F66E-5EB9-4882-86FB-DCBF35E3C3E4}</a:tableStyleId>
               </a:tblPr>
               <a:tblGrid>
-                <a:gridCol w="794847"/>
-                <a:gridCol w="673977"/>
-                <a:gridCol w="998030"/>
-                <a:gridCol w="910778"/>
-                <a:gridCol w="1125876"/>
-                <a:gridCol w="1125876"/>
-                <a:gridCol w="1125876"/>
-                <a:gridCol w="1125876"/>
-                <a:gridCol w="1125876"/>
+                <a:gridCol w="794847">
+                  <a:extLst>
+                    <a:ext uri="{9D8B030D-6E8A-4147-A177-3AD203B41FA5}">
+                      <a16:colId xmlns:a16="http://schemas.microsoft.com/office/drawing/2014/main" val="20000"/>
+                    </a:ext>
+                  </a:extLst>
+                </a:gridCol>
+                <a:gridCol w="673977">
+                  <a:extLst>
+                    <a:ext uri="{9D8B030D-6E8A-4147-A177-3AD203B41FA5}">
+                      <a16:colId xmlns:a16="http://schemas.microsoft.com/office/drawing/2014/main" val="20001"/>
+                    </a:ext>
+                  </a:extLst>
+                </a:gridCol>
+                <a:gridCol w="998030">
+                  <a:extLst>
+                    <a:ext uri="{9D8B030D-6E8A-4147-A177-3AD203B41FA5}">
+                      <a16:colId xmlns:a16="http://schemas.microsoft.com/office/drawing/2014/main" val="20002"/>
+                    </a:ext>
+                  </a:extLst>
+                </a:gridCol>
+                <a:gridCol w="910778">
+                  <a:extLst>
+                    <a:ext uri="{9D8B030D-6E8A-4147-A177-3AD203B41FA5}">
+                      <a16:colId xmlns:a16="http://schemas.microsoft.com/office/drawing/2014/main" val="20003"/>
+                    </a:ext>
+                  </a:extLst>
+                </a:gridCol>
+                <a:gridCol w="1125876">
+                  <a:extLst>
+                    <a:ext uri="{9D8B030D-6E8A-4147-A177-3AD203B41FA5}">
+                      <a16:colId xmlns:a16="http://schemas.microsoft.com/office/drawing/2014/main" val="20004"/>
+                    </a:ext>
+                  </a:extLst>
+                </a:gridCol>
+                <a:gridCol w="1125876">
+                  <a:extLst>
+                    <a:ext uri="{9D8B030D-6E8A-4147-A177-3AD203B41FA5}">
+                      <a16:colId xmlns:a16="http://schemas.microsoft.com/office/drawing/2014/main" val="20005"/>
+                    </a:ext>
+                  </a:extLst>
+                </a:gridCol>
+                <a:gridCol w="1125876">
+                  <a:extLst>
+                    <a:ext uri="{9D8B030D-6E8A-4147-A177-3AD203B41FA5}">
+                      <a16:colId xmlns:a16="http://schemas.microsoft.com/office/drawing/2014/main" val="20006"/>
+                    </a:ext>
+                  </a:extLst>
+                </a:gridCol>
+                <a:gridCol w="1125876">
+                  <a:extLst>
+                    <a:ext uri="{9D8B030D-6E8A-4147-A177-3AD203B41FA5}">
+                      <a16:colId xmlns:a16="http://schemas.microsoft.com/office/drawing/2014/main" val="20007"/>
+                    </a:ext>
+                  </a:extLst>
+                </a:gridCol>
+                <a:gridCol w="1125876">
+                  <a:extLst>
+                    <a:ext uri="{9D8B030D-6E8A-4147-A177-3AD203B41FA5}">
+                      <a16:colId xmlns:a16="http://schemas.microsoft.com/office/drawing/2014/main" val="20008"/>
+                    </a:ext>
+                  </a:extLst>
+                </a:gridCol>
               </a:tblGrid>
               <a:tr h="481331">
                 <a:tc>
                   <a:txBody>
-                    <a:bodyPr vert="horz" lIns="91440" tIns="45720" rIns="91440" bIns="45720" anchor="t" anchorCtr="0"/>
+                    <a:bodyPr/>
+                    <a:lstStyle/>
                     <a:p>
                       <a:pPr algn="ctr" latinLnBrk="1">
                         <a:defRPr/>
@@ -7171,11 +6818,12 @@
                       <a:endParaRPr lang="ko-KR" altLang="en-US"/>
                     </a:p>
                   </a:txBody>
-                  <a:tcPr marL="91440" marR="91440"/>
+                  <a:tcPr/>
                 </a:tc>
                 <a:tc>
                   <a:txBody>
-                    <a:bodyPr vert="horz" lIns="91440" tIns="45720" rIns="91440" bIns="45720" anchor="t" anchorCtr="0"/>
+                    <a:bodyPr/>
+                    <a:lstStyle/>
                     <a:p>
                       <a:pPr algn="ctr" latinLnBrk="1">
                         <a:defRPr/>
@@ -7188,14 +6836,14 @@
                         <a:rPr lang="ko-KR" altLang="en-US"/>
                         <a:t>월</a:t>
                       </a:r>
-                      <a:endParaRPr lang="ko-KR" altLang="en-US"/>
                     </a:p>
                   </a:txBody>
-                  <a:tcPr marL="91440" marR="91440"/>
+                  <a:tcPr/>
                 </a:tc>
                 <a:tc>
                   <a:txBody>
-                    <a:bodyPr vert="horz" lIns="91440" tIns="45720" rIns="91440" bIns="45720" anchor="t" anchorCtr="0"/>
+                    <a:bodyPr/>
+                    <a:lstStyle/>
                     <a:p>
                       <a:pPr algn="ctr" latinLnBrk="1">
                         <a:defRPr/>
@@ -7208,14 +6856,14 @@
                         <a:rPr lang="ko-KR" altLang="en-US"/>
                         <a:t>월</a:t>
                       </a:r>
-                      <a:endParaRPr lang="ko-KR" altLang="en-US"/>
                     </a:p>
                   </a:txBody>
-                  <a:tcPr marL="91440" marR="91440"/>
+                  <a:tcPr/>
                 </a:tc>
                 <a:tc>
                   <a:txBody>
-                    <a:bodyPr vert="horz" lIns="91440" tIns="45720" rIns="91440" bIns="45720" anchor="t" anchorCtr="0"/>
+                    <a:bodyPr/>
+                    <a:lstStyle/>
                     <a:p>
                       <a:pPr algn="ctr" latinLnBrk="1">
                         <a:defRPr/>
@@ -7228,14 +6876,14 @@
                         <a:rPr lang="ko-KR" altLang="en-US"/>
                         <a:t>월</a:t>
                       </a:r>
-                      <a:endParaRPr lang="ko-KR" altLang="en-US"/>
                     </a:p>
                   </a:txBody>
-                  <a:tcPr marL="91440" marR="91440"/>
+                  <a:tcPr/>
                 </a:tc>
                 <a:tc>
                   <a:txBody>
-                    <a:bodyPr vert="horz" lIns="91440" tIns="45720" rIns="91440" bIns="45720" anchor="t" anchorCtr="0"/>
+                    <a:bodyPr/>
+                    <a:lstStyle/>
                     <a:p>
                       <a:pPr algn="ctr" latinLnBrk="1">
                         <a:defRPr/>
@@ -7248,14 +6896,14 @@
                         <a:rPr lang="ko-KR" altLang="en-US"/>
                         <a:t>월</a:t>
                       </a:r>
-                      <a:endParaRPr lang="ko-KR" altLang="en-US"/>
                     </a:p>
                   </a:txBody>
-                  <a:tcPr marL="91440" marR="91440"/>
+                  <a:tcPr/>
                 </a:tc>
                 <a:tc>
                   <a:txBody>
-                    <a:bodyPr vert="horz" lIns="91440" tIns="45720" rIns="91440" bIns="45720" anchor="t" anchorCtr="0"/>
+                    <a:bodyPr/>
+                    <a:lstStyle/>
                     <a:p>
                       <a:pPr algn="ctr" latinLnBrk="1">
                         <a:defRPr/>
@@ -7268,14 +6916,14 @@
                         <a:rPr lang="ko-KR" altLang="en-US"/>
                         <a:t>월</a:t>
                       </a:r>
-                      <a:endParaRPr lang="ko-KR" altLang="en-US"/>
                     </a:p>
                   </a:txBody>
-                  <a:tcPr marL="91440" marR="91440"/>
+                  <a:tcPr/>
                 </a:tc>
                 <a:tc>
                   <a:txBody>
-                    <a:bodyPr vert="horz" lIns="91440" tIns="45720" rIns="91440" bIns="45720" anchor="t" anchorCtr="0"/>
+                    <a:bodyPr/>
+                    <a:lstStyle/>
                     <a:p>
                       <a:pPr algn="ctr" latinLnBrk="1">
                         <a:defRPr/>
@@ -7288,14 +6936,14 @@
                         <a:rPr lang="ko-KR" altLang="en-US"/>
                         <a:t>월</a:t>
                       </a:r>
-                      <a:endParaRPr lang="ko-KR" altLang="en-US"/>
                     </a:p>
                   </a:txBody>
-                  <a:tcPr marL="91440" marR="91440"/>
+                  <a:tcPr/>
                 </a:tc>
                 <a:tc>
                   <a:txBody>
-                    <a:bodyPr vert="horz" lIns="91440" tIns="45720" rIns="91440" bIns="45720" anchor="t" anchorCtr="0"/>
+                    <a:bodyPr/>
+                    <a:lstStyle/>
                     <a:p>
                       <a:pPr algn="ctr" latinLnBrk="1">
                         <a:defRPr/>
@@ -7308,14 +6956,14 @@
                         <a:rPr lang="ko-KR" altLang="en-US"/>
                         <a:t>월</a:t>
                       </a:r>
-                      <a:endParaRPr lang="ko-KR" altLang="en-US"/>
                     </a:p>
                   </a:txBody>
-                  <a:tcPr marL="91440" marR="91440"/>
+                  <a:tcPr/>
                 </a:tc>
                 <a:tc>
                   <a:txBody>
-                    <a:bodyPr vert="horz" lIns="91440" tIns="45720" rIns="91440" bIns="45720" anchor="t" anchorCtr="0"/>
+                    <a:bodyPr/>
+                    <a:lstStyle/>
                     <a:p>
                       <a:pPr algn="ctr" latinLnBrk="1">
                         <a:defRPr/>
@@ -7328,16 +6976,21 @@
                         <a:rPr lang="ko-KR" altLang="en-US"/>
                         <a:t>월</a:t>
                       </a:r>
-                      <a:endParaRPr lang="ko-KR" altLang="en-US"/>
                     </a:p>
                   </a:txBody>
-                  <a:tcPr marL="91440" marR="91440"/>
+                  <a:tcPr/>
                 </a:tc>
+                <a:extLst>
+                  <a:ext uri="{0D108BD9-81ED-4DB2-BD59-A6C34878D82A}">
+                    <a16:rowId xmlns:a16="http://schemas.microsoft.com/office/drawing/2014/main" val="10000"/>
+                  </a:ext>
+                </a:extLst>
               </a:tr>
               <a:tr h="481331">
                 <a:tc>
                   <a:txBody>
-                    <a:bodyPr vert="horz" lIns="91440" tIns="45720" rIns="91440" bIns="45720" anchor="t" anchorCtr="0"/>
+                    <a:bodyPr/>
+                    <a:lstStyle/>
                     <a:p>
                       <a:pPr algn="ctr" latinLnBrk="1">
                         <a:defRPr/>
@@ -7346,14 +6999,14 @@
                         <a:rPr lang="ko-KR" altLang="en-US" sz="1200"/>
                         <a:t>에셋 제작</a:t>
                       </a:r>
-                      <a:endParaRPr lang="ko-KR" altLang="en-US" sz="1200"/>
                     </a:p>
                   </a:txBody>
-                  <a:tcPr marL="91440" marR="91440"/>
+                  <a:tcPr/>
                 </a:tc>
                 <a:tc>
                   <a:txBody>
-                    <a:bodyPr vert="horz" lIns="91440" tIns="45720" rIns="91440" bIns="45720" anchor="t" anchorCtr="0"/>
+                    <a:bodyPr/>
+                    <a:lstStyle/>
                     <a:p>
                       <a:pPr algn="ctr" latinLnBrk="1">
                         <a:defRPr/>
@@ -7361,7 +7014,7 @@
                       <a:endParaRPr lang="ko-KR" altLang="en-US" sz="1200"/>
                     </a:p>
                   </a:txBody>
-                  <a:tcPr marL="91440" marR="91440">
+                  <a:tcPr>
                     <a:solidFill>
                       <a:srgbClr val="002060"/>
                     </a:solidFill>
@@ -7369,7 +7022,8 @@
                 </a:tc>
                 <a:tc>
                   <a:txBody>
-                    <a:bodyPr vert="horz" lIns="91440" tIns="45720" rIns="91440" bIns="45720" anchor="t" anchorCtr="0"/>
+                    <a:bodyPr/>
+                    <a:lstStyle/>
                     <a:p>
                       <a:pPr algn="ctr" latinLnBrk="1">
                         <a:defRPr/>
@@ -7377,7 +7031,7 @@
                       <a:endParaRPr lang="ko-KR" altLang="en-US" sz="1200"/>
                     </a:p>
                   </a:txBody>
-                  <a:tcPr marL="91440" marR="91440">
+                  <a:tcPr>
                     <a:solidFill>
                       <a:srgbClr val="002060"/>
                     </a:solidFill>
@@ -7385,7 +7039,8 @@
                 </a:tc>
                 <a:tc>
                   <a:txBody>
-                    <a:bodyPr vert="horz" lIns="91440" tIns="45720" rIns="91440" bIns="45720" anchor="t" anchorCtr="0"/>
+                    <a:bodyPr/>
+                    <a:lstStyle/>
                     <a:p>
                       <a:pPr algn="ctr" latinLnBrk="1">
                         <a:defRPr/>
@@ -7393,7 +7048,7 @@
                       <a:endParaRPr lang="ko-KR" altLang="en-US" sz="1200"/>
                     </a:p>
                   </a:txBody>
-                  <a:tcPr marL="91440" marR="91440">
+                  <a:tcPr>
                     <a:solidFill>
                       <a:srgbClr val="002060"/>
                     </a:solidFill>
@@ -7401,7 +7056,8 @@
                 </a:tc>
                 <a:tc>
                   <a:txBody>
-                    <a:bodyPr vert="horz" lIns="91440" tIns="45720" rIns="91440" bIns="45720" anchor="t" anchorCtr="0"/>
+                    <a:bodyPr/>
+                    <a:lstStyle/>
                     <a:p>
                       <a:pPr algn="ctr" latinLnBrk="1">
                         <a:defRPr/>
@@ -7409,7 +7065,7 @@
                       <a:endParaRPr lang="ko-KR" altLang="en-US" sz="1200"/>
                     </a:p>
                   </a:txBody>
-                  <a:tcPr marL="91440" marR="91440">
+                  <a:tcPr>
                     <a:solidFill>
                       <a:srgbClr val="002060"/>
                     </a:solidFill>
@@ -7417,7 +7073,8 @@
                 </a:tc>
                 <a:tc>
                   <a:txBody>
-                    <a:bodyPr vert="horz" lIns="91440" tIns="45720" rIns="91440" bIns="45720" anchor="t" anchorCtr="0"/>
+                    <a:bodyPr/>
+                    <a:lstStyle/>
                     <a:p>
                       <a:pPr algn="ctr" latinLnBrk="1">
                         <a:defRPr/>
@@ -7425,11 +7082,12 @@
                       <a:endParaRPr lang="ko-KR" altLang="en-US" sz="1200"/>
                     </a:p>
                   </a:txBody>
-                  <a:tcPr marL="91440" marR="91440"/>
+                  <a:tcPr/>
                 </a:tc>
                 <a:tc>
                   <a:txBody>
-                    <a:bodyPr vert="horz" lIns="91440" tIns="45720" rIns="91440" bIns="45720" anchor="t" anchorCtr="0"/>
+                    <a:bodyPr/>
+                    <a:lstStyle/>
                     <a:p>
                       <a:pPr algn="ctr" latinLnBrk="1">
                         <a:defRPr/>
@@ -7437,11 +7095,12 @@
                       <a:endParaRPr lang="ko-KR" altLang="en-US" sz="1200"/>
                     </a:p>
                   </a:txBody>
-                  <a:tcPr marL="91440" marR="91440"/>
+                  <a:tcPr/>
                 </a:tc>
                 <a:tc>
                   <a:txBody>
-                    <a:bodyPr vert="horz" lIns="91440" tIns="45720" rIns="91440" bIns="45720" anchor="t" anchorCtr="0"/>
+                    <a:bodyPr/>
+                    <a:lstStyle/>
                     <a:p>
                       <a:pPr algn="ctr" latinLnBrk="1">
                         <a:defRPr/>
@@ -7449,11 +7108,12 @@
                       <a:endParaRPr lang="ko-KR" altLang="en-US" sz="1200"/>
                     </a:p>
                   </a:txBody>
-                  <a:tcPr marL="91440" marR="91440"/>
+                  <a:tcPr/>
                 </a:tc>
                 <a:tc>
                   <a:txBody>
-                    <a:bodyPr vert="horz" lIns="91440" tIns="45720" rIns="91440" bIns="45720" anchor="t" anchorCtr="0"/>
+                    <a:bodyPr/>
+                    <a:lstStyle/>
                     <a:p>
                       <a:pPr algn="ctr" latinLnBrk="1">
                         <a:defRPr/>
@@ -7461,13 +7121,19 @@
                       <a:endParaRPr lang="ko-KR" altLang="en-US" sz="1200"/>
                     </a:p>
                   </a:txBody>
-                  <a:tcPr marL="91440" marR="91440"/>
+                  <a:tcPr/>
                 </a:tc>
+                <a:extLst>
+                  <a:ext uri="{0D108BD9-81ED-4DB2-BD59-A6C34878D82A}">
+                    <a16:rowId xmlns:a16="http://schemas.microsoft.com/office/drawing/2014/main" val="10001"/>
+                  </a:ext>
+                </a:extLst>
               </a:tr>
               <a:tr h="481331">
                 <a:tc>
                   <a:txBody>
-                    <a:bodyPr vert="horz" lIns="91440" tIns="45720" rIns="91440" bIns="45720" anchor="t" anchorCtr="0"/>
+                    <a:bodyPr/>
+                    <a:lstStyle/>
                     <a:p>
                       <a:pPr algn="ctr" latinLnBrk="1">
                         <a:defRPr/>
@@ -7476,14 +7142,14 @@
                         <a:rPr lang="ko-KR" altLang="en-US" sz="1200"/>
                         <a:t>기본 게임구현</a:t>
                       </a:r>
-                      <a:endParaRPr lang="ko-KR" altLang="en-US" sz="1200"/>
                     </a:p>
                   </a:txBody>
-                  <a:tcPr marL="91440" marR="91440"/>
+                  <a:tcPr/>
                 </a:tc>
                 <a:tc>
                   <a:txBody>
-                    <a:bodyPr vert="horz" lIns="91440" tIns="45720" rIns="91440" bIns="45720" anchor="t" anchorCtr="0"/>
+                    <a:bodyPr/>
+                    <a:lstStyle/>
                     <a:p>
                       <a:pPr algn="ctr" latinLnBrk="1">
                         <a:defRPr/>
@@ -7491,15 +7157,16 @@
                       <a:endParaRPr lang="ko-KR" altLang="en-US" sz="1200"/>
                     </a:p>
                   </a:txBody>
-                  <a:tcPr marL="91440" marR="91440">
+                  <a:tcPr>
                     <a:solidFill>
-                      <a:srgbClr val="92d050"/>
+                      <a:srgbClr val="92D050"/>
                     </a:solidFill>
                   </a:tcPr>
                 </a:tc>
                 <a:tc>
                   <a:txBody>
-                    <a:bodyPr vert="horz" lIns="91440" tIns="45720" rIns="91440" bIns="45720" anchor="t" anchorCtr="0"/>
+                    <a:bodyPr/>
+                    <a:lstStyle/>
                     <a:p>
                       <a:pPr algn="ctr" latinLnBrk="1">
                         <a:defRPr/>
@@ -7507,15 +7174,16 @@
                       <a:endParaRPr lang="ko-KR" altLang="en-US" sz="1200"/>
                     </a:p>
                   </a:txBody>
-                  <a:tcPr marL="91440" marR="91440">
+                  <a:tcPr>
                     <a:solidFill>
-                      <a:srgbClr val="92d050"/>
+                      <a:srgbClr val="92D050"/>
                     </a:solidFill>
                   </a:tcPr>
                 </a:tc>
                 <a:tc>
                   <a:txBody>
-                    <a:bodyPr vert="horz" lIns="91440" tIns="45720" rIns="91440" bIns="45720" anchor="t" anchorCtr="0"/>
+                    <a:bodyPr/>
+                    <a:lstStyle/>
                     <a:p>
                       <a:pPr algn="ctr" latinLnBrk="1">
                         <a:defRPr/>
@@ -7523,15 +7191,16 @@
                       <a:endParaRPr lang="ko-KR" altLang="en-US" sz="1200"/>
                     </a:p>
                   </a:txBody>
-                  <a:tcPr marL="91440" marR="91440">
+                  <a:tcPr>
                     <a:solidFill>
-                      <a:srgbClr val="92d050"/>
+                      <a:srgbClr val="92D050"/>
                     </a:solidFill>
                   </a:tcPr>
                 </a:tc>
                 <a:tc>
                   <a:txBody>
-                    <a:bodyPr vert="horz" lIns="91440" tIns="45720" rIns="91440" bIns="45720" anchor="t" anchorCtr="0"/>
+                    <a:bodyPr/>
+                    <a:lstStyle/>
                     <a:p>
                       <a:pPr algn="ctr" latinLnBrk="1">
                         <a:defRPr/>
@@ -7539,11 +7208,12 @@
                       <a:endParaRPr lang="ko-KR" altLang="en-US" sz="1200"/>
                     </a:p>
                   </a:txBody>
-                  <a:tcPr marL="91440" marR="91440"/>
+                  <a:tcPr/>
                 </a:tc>
                 <a:tc>
                   <a:txBody>
-                    <a:bodyPr vert="horz" lIns="91440" tIns="45720" rIns="91440" bIns="45720" anchor="t" anchorCtr="0"/>
+                    <a:bodyPr/>
+                    <a:lstStyle/>
                     <a:p>
                       <a:pPr algn="ctr" latinLnBrk="1">
                         <a:defRPr/>
@@ -7551,11 +7221,12 @@
                       <a:endParaRPr lang="ko-KR" altLang="en-US" sz="1200"/>
                     </a:p>
                   </a:txBody>
-                  <a:tcPr marL="91440" marR="91440"/>
+                  <a:tcPr/>
                 </a:tc>
                 <a:tc>
                   <a:txBody>
-                    <a:bodyPr vert="horz" lIns="91440" tIns="45720" rIns="91440" bIns="45720" anchor="t" anchorCtr="0"/>
+                    <a:bodyPr/>
+                    <a:lstStyle/>
                     <a:p>
                       <a:pPr algn="ctr" latinLnBrk="1">
                         <a:defRPr/>
@@ -7563,11 +7234,12 @@
                       <a:endParaRPr lang="ko-KR" altLang="en-US" sz="1200"/>
                     </a:p>
                   </a:txBody>
-                  <a:tcPr marL="91440" marR="91440"/>
+                  <a:tcPr/>
                 </a:tc>
                 <a:tc>
                   <a:txBody>
-                    <a:bodyPr vert="horz" lIns="91440" tIns="45720" rIns="91440" bIns="45720" anchor="t" anchorCtr="0"/>
+                    <a:bodyPr/>
+                    <a:lstStyle/>
                     <a:p>
                       <a:pPr algn="ctr" latinLnBrk="1">
                         <a:defRPr/>
@@ -7575,11 +7247,12 @@
                       <a:endParaRPr lang="ko-KR" altLang="en-US" sz="1200"/>
                     </a:p>
                   </a:txBody>
-                  <a:tcPr marL="91440" marR="91440"/>
+                  <a:tcPr/>
                 </a:tc>
                 <a:tc>
                   <a:txBody>
-                    <a:bodyPr vert="horz" lIns="91440" tIns="45720" rIns="91440" bIns="45720" anchor="t" anchorCtr="0"/>
+                    <a:bodyPr/>
+                    <a:lstStyle/>
                     <a:p>
                       <a:pPr algn="ctr" latinLnBrk="1">
                         <a:defRPr/>
@@ -7587,13 +7260,19 @@
                       <a:endParaRPr lang="ko-KR" altLang="en-US" sz="1200"/>
                     </a:p>
                   </a:txBody>
-                  <a:tcPr marL="91440" marR="91440"/>
+                  <a:tcPr/>
                 </a:tc>
+                <a:extLst>
+                  <a:ext uri="{0D108BD9-81ED-4DB2-BD59-A6C34878D82A}">
+                    <a16:rowId xmlns:a16="http://schemas.microsoft.com/office/drawing/2014/main" val="10002"/>
+                  </a:ext>
+                </a:extLst>
               </a:tr>
               <a:tr h="481331">
                 <a:tc>
                   <a:txBody>
-                    <a:bodyPr vert="horz" lIns="91440" tIns="45720" rIns="91440" bIns="45720" anchor="t" anchorCtr="0"/>
+                    <a:bodyPr/>
+                    <a:lstStyle/>
                     <a:p>
                       <a:pPr algn="ctr" latinLnBrk="1">
                         <a:defRPr/>
@@ -7602,14 +7281,14 @@
                         <a:rPr lang="ko-KR" altLang="en-US" sz="1200"/>
                         <a:t>기능 구현</a:t>
                       </a:r>
-                      <a:endParaRPr lang="ko-KR" altLang="en-US" sz="1200"/>
                     </a:p>
                   </a:txBody>
-                  <a:tcPr marL="91440" marR="91440"/>
+                  <a:tcPr/>
                 </a:tc>
                 <a:tc>
                   <a:txBody>
-                    <a:bodyPr vert="horz" lIns="91440" tIns="45720" rIns="91440" bIns="45720" anchor="t" anchorCtr="0"/>
+                    <a:bodyPr/>
+                    <a:lstStyle/>
                     <a:p>
                       <a:pPr algn="ctr" latinLnBrk="1">
                         <a:defRPr/>
@@ -7617,11 +7296,12 @@
                       <a:endParaRPr lang="ko-KR" altLang="en-US" sz="1200"/>
                     </a:p>
                   </a:txBody>
-                  <a:tcPr marL="91440" marR="91440"/>
+                  <a:tcPr/>
                 </a:tc>
                 <a:tc>
                   <a:txBody>
-                    <a:bodyPr vert="horz" lIns="91440" tIns="45720" rIns="91440" bIns="45720" anchor="t" anchorCtr="0"/>
+                    <a:bodyPr/>
+                    <a:lstStyle/>
                     <a:p>
                       <a:pPr algn="ctr" latinLnBrk="1">
                         <a:defRPr/>
@@ -7629,11 +7309,12 @@
                       <a:endParaRPr lang="ko-KR" altLang="en-US" sz="1200"/>
                     </a:p>
                   </a:txBody>
-                  <a:tcPr marL="91440" marR="91440"/>
+                  <a:tcPr/>
                 </a:tc>
                 <a:tc>
                   <a:txBody>
-                    <a:bodyPr vert="horz" lIns="91440" tIns="45720" rIns="91440" bIns="45720" anchor="t" anchorCtr="0"/>
+                    <a:bodyPr/>
+                    <a:lstStyle/>
                     <a:p>
                       <a:pPr algn="ctr" latinLnBrk="1">
                         <a:defRPr/>
@@ -7641,11 +7322,12 @@
                       <a:endParaRPr lang="ko-KR" altLang="en-US" sz="1200"/>
                     </a:p>
                   </a:txBody>
-                  <a:tcPr marL="91440" marR="91440"/>
+                  <a:tcPr/>
                 </a:tc>
                 <a:tc>
                   <a:txBody>
-                    <a:bodyPr vert="horz" lIns="91440" tIns="45720" rIns="91440" bIns="45720" anchor="t" anchorCtr="0"/>
+                    <a:bodyPr/>
+                    <a:lstStyle/>
                     <a:p>
                       <a:pPr algn="ctr" latinLnBrk="1">
                         <a:defRPr/>
@@ -7653,15 +7335,16 @@
                       <a:endParaRPr lang="ko-KR" altLang="en-US" sz="1200"/>
                     </a:p>
                   </a:txBody>
-                  <a:tcPr marL="91440" marR="91440">
+                  <a:tcPr>
                     <a:solidFill>
-                      <a:srgbClr val="00b050"/>
+                      <a:srgbClr val="00B050"/>
                     </a:solidFill>
                   </a:tcPr>
                 </a:tc>
                 <a:tc>
                   <a:txBody>
-                    <a:bodyPr vert="horz" lIns="91440" tIns="45720" rIns="91440" bIns="45720" anchor="t" anchorCtr="0"/>
+                    <a:bodyPr/>
+                    <a:lstStyle/>
                     <a:p>
                       <a:pPr algn="ctr" latinLnBrk="1">
                         <a:defRPr/>
@@ -7669,15 +7352,16 @@
                       <a:endParaRPr lang="ko-KR" altLang="en-US" sz="1200"/>
                     </a:p>
                   </a:txBody>
-                  <a:tcPr marL="91440" marR="91440">
+                  <a:tcPr>
                     <a:solidFill>
-                      <a:srgbClr val="00b050"/>
+                      <a:srgbClr val="00B050"/>
                     </a:solidFill>
                   </a:tcPr>
                 </a:tc>
                 <a:tc>
                   <a:txBody>
-                    <a:bodyPr vert="horz" lIns="91440" tIns="45720" rIns="91440" bIns="45720" anchor="t" anchorCtr="0"/>
+                    <a:bodyPr/>
+                    <a:lstStyle/>
                     <a:p>
                       <a:pPr algn="ctr" latinLnBrk="1">
                         <a:defRPr/>
@@ -7685,15 +7369,16 @@
                       <a:endParaRPr lang="ko-KR" altLang="en-US" sz="1200"/>
                     </a:p>
                   </a:txBody>
-                  <a:tcPr marL="91440" marR="91440">
+                  <a:tcPr>
                     <a:solidFill>
-                      <a:srgbClr val="00b050"/>
+                      <a:srgbClr val="00B050"/>
                     </a:solidFill>
                   </a:tcPr>
                 </a:tc>
                 <a:tc>
                   <a:txBody>
-                    <a:bodyPr vert="horz" lIns="91440" tIns="45720" rIns="91440" bIns="45720" anchor="t" anchorCtr="0"/>
+                    <a:bodyPr/>
+                    <a:lstStyle/>
                     <a:p>
                       <a:pPr algn="ctr" latinLnBrk="1">
                         <a:defRPr/>
@@ -7701,11 +7386,12 @@
                       <a:endParaRPr lang="ko-KR" altLang="en-US" sz="1200"/>
                     </a:p>
                   </a:txBody>
-                  <a:tcPr marL="91440" marR="91440"/>
+                  <a:tcPr/>
                 </a:tc>
                 <a:tc>
                   <a:txBody>
-                    <a:bodyPr vert="horz" lIns="91440" tIns="45720" rIns="91440" bIns="45720" anchor="t" anchorCtr="0"/>
+                    <a:bodyPr/>
+                    <a:lstStyle/>
                     <a:p>
                       <a:pPr algn="ctr" latinLnBrk="1">
                         <a:defRPr/>
@@ -7713,13 +7399,19 @@
                       <a:endParaRPr lang="ko-KR" altLang="en-US" sz="1200"/>
                     </a:p>
                   </a:txBody>
-                  <a:tcPr marL="91440" marR="91440"/>
+                  <a:tcPr/>
                 </a:tc>
+                <a:extLst>
+                  <a:ext uri="{0D108BD9-81ED-4DB2-BD59-A6C34878D82A}">
+                    <a16:rowId xmlns:a16="http://schemas.microsoft.com/office/drawing/2014/main" val="10003"/>
+                  </a:ext>
+                </a:extLst>
               </a:tr>
               <a:tr h="824865">
                 <a:tc>
                   <a:txBody>
-                    <a:bodyPr vert="horz" lIns="91440" tIns="45720" rIns="91440" bIns="45720" anchor="t" anchorCtr="0"/>
+                    <a:bodyPr/>
+                    <a:lstStyle/>
                     <a:p>
                       <a:pPr algn="ctr" latinLnBrk="1">
                         <a:defRPr/>
@@ -7728,7 +7420,6 @@
                         <a:rPr lang="ko-KR" altLang="en-US" sz="1200"/>
                         <a:t>서버 </a:t>
                       </a:r>
-                      <a:endParaRPr lang="ko-KR" altLang="en-US" sz="1200"/>
                     </a:p>
                     <a:p>
                       <a:pPr algn="ctr" latinLnBrk="1">
@@ -7738,7 +7429,6 @@
                         <a:rPr lang="ko-KR" altLang="en-US" sz="1200"/>
                         <a:t>클라이언트 </a:t>
                       </a:r>
-                      <a:endParaRPr lang="ko-KR" altLang="en-US" sz="1200"/>
                     </a:p>
                     <a:p>
                       <a:pPr algn="ctr" latinLnBrk="1">
@@ -7748,14 +7438,14 @@
                         <a:rPr lang="ko-KR" altLang="en-US" sz="1200"/>
                         <a:t>제작</a:t>
                       </a:r>
-                      <a:endParaRPr lang="ko-KR" altLang="en-US" sz="1200"/>
                     </a:p>
                   </a:txBody>
-                  <a:tcPr marL="91440" marR="91440"/>
+                  <a:tcPr/>
                 </a:tc>
                 <a:tc>
                   <a:txBody>
-                    <a:bodyPr vert="horz" lIns="91440" tIns="45720" rIns="91440" bIns="45720" anchor="t" anchorCtr="0"/>
+                    <a:bodyPr/>
+                    <a:lstStyle/>
                     <a:p>
                       <a:pPr algn="ctr" latinLnBrk="1">
                         <a:defRPr/>
@@ -7763,7 +7453,7 @@
                       <a:endParaRPr lang="ko-KR" altLang="en-US" sz="1200"/>
                     </a:p>
                   </a:txBody>
-                  <a:tcPr marL="91440" marR="91440">
+                  <a:tcPr>
                     <a:solidFill>
                       <a:schemeClr val="accent1">
                         <a:lumMod val="60000"/>
@@ -7774,7 +7464,8 @@
                 </a:tc>
                 <a:tc>
                   <a:txBody>
-                    <a:bodyPr vert="horz" lIns="91440" tIns="45720" rIns="91440" bIns="45720" anchor="t" anchorCtr="0"/>
+                    <a:bodyPr/>
+                    <a:lstStyle/>
                     <a:p>
                       <a:pPr algn="ctr" latinLnBrk="1">
                         <a:defRPr/>
@@ -7782,7 +7473,7 @@
                       <a:endParaRPr lang="ko-KR" altLang="en-US" sz="1200"/>
                     </a:p>
                   </a:txBody>
-                  <a:tcPr marL="91440" marR="91440">
+                  <a:tcPr>
                     <a:solidFill>
                       <a:schemeClr val="accent1">
                         <a:lumMod val="60000"/>
@@ -7793,7 +7484,8 @@
                 </a:tc>
                 <a:tc>
                   <a:txBody>
-                    <a:bodyPr vert="horz" lIns="91440" tIns="45720" rIns="91440" bIns="45720" anchor="t" anchorCtr="0"/>
+                    <a:bodyPr/>
+                    <a:lstStyle/>
                     <a:p>
                       <a:pPr algn="ctr" latinLnBrk="1">
                         <a:defRPr/>
@@ -7801,7 +7493,7 @@
                       <a:endParaRPr lang="ko-KR" altLang="en-US" sz="1200"/>
                     </a:p>
                   </a:txBody>
-                  <a:tcPr marL="91440" marR="91440">
+                  <a:tcPr>
                     <a:solidFill>
                       <a:schemeClr val="accent1">
                         <a:lumMod val="60000"/>
@@ -7812,7 +7504,8 @@
                 </a:tc>
                 <a:tc>
                   <a:txBody>
-                    <a:bodyPr vert="horz" lIns="91440" tIns="45720" rIns="91440" bIns="45720" anchor="t" anchorCtr="0"/>
+                    <a:bodyPr/>
+                    <a:lstStyle/>
                     <a:p>
                       <a:pPr algn="ctr" latinLnBrk="1">
                         <a:defRPr/>
@@ -7820,11 +7513,12 @@
                       <a:endParaRPr lang="ko-KR" altLang="en-US" sz="1200"/>
                     </a:p>
                   </a:txBody>
-                  <a:tcPr marL="91440" marR="91440"/>
+                  <a:tcPr/>
                 </a:tc>
                 <a:tc>
                   <a:txBody>
-                    <a:bodyPr vert="horz" lIns="91440" tIns="45720" rIns="91440" bIns="45720" anchor="t" anchorCtr="0"/>
+                    <a:bodyPr/>
+                    <a:lstStyle/>
                     <a:p>
                       <a:pPr algn="ctr" latinLnBrk="1">
                         <a:defRPr/>
@@ -7832,11 +7526,12 @@
                       <a:endParaRPr lang="ko-KR" altLang="en-US" sz="1200"/>
                     </a:p>
                   </a:txBody>
-                  <a:tcPr marL="91440" marR="91440"/>
+                  <a:tcPr/>
                 </a:tc>
                 <a:tc>
                   <a:txBody>
-                    <a:bodyPr vert="horz" lIns="91440" tIns="45720" rIns="91440" bIns="45720" anchor="t" anchorCtr="0"/>
+                    <a:bodyPr/>
+                    <a:lstStyle/>
                     <a:p>
                       <a:pPr algn="ctr" latinLnBrk="1">
                         <a:defRPr/>
@@ -7844,11 +7539,12 @@
                       <a:endParaRPr lang="ko-KR" altLang="en-US" sz="1200"/>
                     </a:p>
                   </a:txBody>
-                  <a:tcPr marL="91440" marR="91440"/>
+                  <a:tcPr/>
                 </a:tc>
                 <a:tc>
                   <a:txBody>
-                    <a:bodyPr vert="horz" lIns="91440" tIns="45720" rIns="91440" bIns="45720" anchor="t" anchorCtr="0"/>
+                    <a:bodyPr/>
+                    <a:lstStyle/>
                     <a:p>
                       <a:pPr algn="ctr" latinLnBrk="1">
                         <a:defRPr/>
@@ -7856,11 +7552,12 @@
                       <a:endParaRPr lang="ko-KR" altLang="en-US" sz="1200"/>
                     </a:p>
                   </a:txBody>
-                  <a:tcPr marL="91440" marR="91440"/>
+                  <a:tcPr/>
                 </a:tc>
                 <a:tc>
                   <a:txBody>
-                    <a:bodyPr vert="horz" lIns="91440" tIns="45720" rIns="91440" bIns="45720" anchor="t" anchorCtr="0"/>
+                    <a:bodyPr/>
+                    <a:lstStyle/>
                     <a:p>
                       <a:pPr algn="ctr" latinLnBrk="1">
                         <a:defRPr/>
@@ -7868,13 +7565,19 @@
                       <a:endParaRPr lang="ko-KR" altLang="en-US" sz="1200"/>
                     </a:p>
                   </a:txBody>
-                  <a:tcPr marL="91440" marR="91440"/>
+                  <a:tcPr/>
                 </a:tc>
+                <a:extLst>
+                  <a:ext uri="{0D108BD9-81ED-4DB2-BD59-A6C34878D82A}">
+                    <a16:rowId xmlns:a16="http://schemas.microsoft.com/office/drawing/2014/main" val="10004"/>
+                  </a:ext>
+                </a:extLst>
               </a:tr>
               <a:tr h="481331">
                 <a:tc>
                   <a:txBody>
-                    <a:bodyPr vert="horz" lIns="91440" tIns="45720" rIns="91440" bIns="45720" anchor="t" anchorCtr="0"/>
+                    <a:bodyPr/>
+                    <a:lstStyle/>
                     <a:p>
                       <a:pPr algn="ctr" latinLnBrk="1">
                         <a:defRPr/>
@@ -7883,7 +7586,6 @@
                         <a:rPr lang="ko-KR" altLang="en-US" sz="1200"/>
                         <a:t>서버 </a:t>
                       </a:r>
-                      <a:endParaRPr lang="ko-KR" altLang="en-US" sz="1200"/>
                     </a:p>
                     <a:p>
                       <a:pPr algn="ctr" latinLnBrk="1">
@@ -7893,14 +7595,14 @@
                         <a:rPr lang="ko-KR" altLang="en-US" sz="1200"/>
                         <a:t>동기화</a:t>
                       </a:r>
-                      <a:endParaRPr lang="ko-KR" altLang="en-US" sz="1200"/>
                     </a:p>
                   </a:txBody>
-                  <a:tcPr marL="91440" marR="91440"/>
+                  <a:tcPr/>
                 </a:tc>
                 <a:tc>
                   <a:txBody>
-                    <a:bodyPr vert="horz" lIns="91440" tIns="45720" rIns="91440" bIns="45720" anchor="t" anchorCtr="0"/>
+                    <a:bodyPr/>
+                    <a:lstStyle/>
                     <a:p>
                       <a:pPr algn="ctr" latinLnBrk="1">
                         <a:defRPr/>
@@ -7908,11 +7610,12 @@
                       <a:endParaRPr lang="ko-KR" altLang="en-US" sz="1200"/>
                     </a:p>
                   </a:txBody>
-                  <a:tcPr marL="91440" marR="91440"/>
+                  <a:tcPr/>
                 </a:tc>
                 <a:tc>
                   <a:txBody>
-                    <a:bodyPr vert="horz" lIns="91440" tIns="45720" rIns="91440" bIns="45720" anchor="t" anchorCtr="0"/>
+                    <a:bodyPr/>
+                    <a:lstStyle/>
                     <a:p>
                       <a:pPr algn="ctr" latinLnBrk="1">
                         <a:defRPr/>
@@ -7920,11 +7623,12 @@
                       <a:endParaRPr lang="ko-KR" altLang="en-US" sz="1200"/>
                     </a:p>
                   </a:txBody>
-                  <a:tcPr marL="91440" marR="91440"/>
+                  <a:tcPr/>
                 </a:tc>
                 <a:tc>
                   <a:txBody>
-                    <a:bodyPr vert="horz" lIns="91440" tIns="45720" rIns="91440" bIns="45720" anchor="t" anchorCtr="0"/>
+                    <a:bodyPr/>
+                    <a:lstStyle/>
                     <a:p>
                       <a:pPr algn="ctr" latinLnBrk="1">
                         <a:defRPr/>
@@ -7932,11 +7636,12 @@
                       <a:endParaRPr lang="ko-KR" altLang="en-US" sz="1200"/>
                     </a:p>
                   </a:txBody>
-                  <a:tcPr marL="91440" marR="91440"/>
+                  <a:tcPr/>
                 </a:tc>
                 <a:tc>
                   <a:txBody>
-                    <a:bodyPr vert="horz" lIns="91440" tIns="45720" rIns="91440" bIns="45720" anchor="t" anchorCtr="0"/>
+                    <a:bodyPr/>
+                    <a:lstStyle/>
                     <a:p>
                       <a:pPr algn="ctr" latinLnBrk="1">
                         <a:defRPr/>
@@ -7944,7 +7649,7 @@
                       <a:endParaRPr lang="ko-KR" altLang="en-US" sz="1200"/>
                     </a:p>
                   </a:txBody>
-                  <a:tcPr marL="91440" marR="91440">
+                  <a:tcPr>
                     <a:solidFill>
                       <a:schemeClr val="accent2">
                         <a:lumMod val="75000"/>
@@ -7954,7 +7659,8 @@
                 </a:tc>
                 <a:tc>
                   <a:txBody>
-                    <a:bodyPr vert="horz" lIns="91440" tIns="45720" rIns="91440" bIns="45720" anchor="t" anchorCtr="0"/>
+                    <a:bodyPr/>
+                    <a:lstStyle/>
                     <a:p>
                       <a:pPr algn="ctr" latinLnBrk="1">
                         <a:defRPr/>
@@ -7962,7 +7668,7 @@
                       <a:endParaRPr lang="ko-KR" altLang="en-US" sz="1200"/>
                     </a:p>
                   </a:txBody>
-                  <a:tcPr marL="91440" marR="91440">
+                  <a:tcPr>
                     <a:solidFill>
                       <a:schemeClr val="accent2">
                         <a:lumMod val="75000"/>
@@ -7972,7 +7678,8 @@
                 </a:tc>
                 <a:tc>
                   <a:txBody>
-                    <a:bodyPr vert="horz" lIns="91440" tIns="45720" rIns="91440" bIns="45720" anchor="t" anchorCtr="0"/>
+                    <a:bodyPr/>
+                    <a:lstStyle/>
                     <a:p>
                       <a:pPr algn="ctr" latinLnBrk="1">
                         <a:defRPr/>
@@ -7980,7 +7687,7 @@
                       <a:endParaRPr lang="ko-KR" altLang="en-US" sz="1200"/>
                     </a:p>
                   </a:txBody>
-                  <a:tcPr marL="91440" marR="91440">
+                  <a:tcPr>
                     <a:solidFill>
                       <a:schemeClr val="accent2">
                         <a:lumMod val="75000"/>
@@ -7990,7 +7697,8 @@
                 </a:tc>
                 <a:tc>
                   <a:txBody>
-                    <a:bodyPr vert="horz" lIns="91440" tIns="45720" rIns="91440" bIns="45720" anchor="t" anchorCtr="0"/>
+                    <a:bodyPr/>
+                    <a:lstStyle/>
                     <a:p>
                       <a:pPr algn="ctr" latinLnBrk="1">
                         <a:defRPr/>
@@ -7998,11 +7706,12 @@
                       <a:endParaRPr lang="ko-KR" altLang="en-US" sz="1200"/>
                     </a:p>
                   </a:txBody>
-                  <a:tcPr marL="91440" marR="91440"/>
+                  <a:tcPr/>
                 </a:tc>
                 <a:tc>
                   <a:txBody>
-                    <a:bodyPr vert="horz" lIns="91440" tIns="45720" rIns="91440" bIns="45720" anchor="t" anchorCtr="0"/>
+                    <a:bodyPr/>
+                    <a:lstStyle/>
                     <a:p>
                       <a:pPr algn="ctr" latinLnBrk="1">
                         <a:defRPr/>
@@ -8010,13 +7719,19 @@
                       <a:endParaRPr lang="ko-KR" altLang="en-US" sz="1200"/>
                     </a:p>
                   </a:txBody>
-                  <a:tcPr marL="91440" marR="91440"/>
+                  <a:tcPr/>
                 </a:tc>
+                <a:extLst>
+                  <a:ext uri="{0D108BD9-81ED-4DB2-BD59-A6C34878D82A}">
+                    <a16:rowId xmlns:a16="http://schemas.microsoft.com/office/drawing/2014/main" val="10005"/>
+                  </a:ext>
+                </a:extLst>
               </a:tr>
               <a:tr h="481331">
                 <a:tc>
                   <a:txBody>
-                    <a:bodyPr vert="horz" lIns="91440" tIns="45720" rIns="91440" bIns="45720" anchor="t" anchorCtr="0"/>
+                    <a:bodyPr/>
+                    <a:lstStyle/>
                     <a:p>
                       <a:pPr algn="ctr" latinLnBrk="1">
                         <a:defRPr/>
@@ -8025,14 +7740,14 @@
                         <a:rPr lang="ko-KR" altLang="en-US" sz="1200"/>
                         <a:t>테스트 및 버그 수정</a:t>
                       </a:r>
-                      <a:endParaRPr lang="ko-KR" altLang="en-US" sz="1200"/>
                     </a:p>
                   </a:txBody>
-                  <a:tcPr marL="91440" marR="91440"/>
+                  <a:tcPr/>
                 </a:tc>
                 <a:tc>
                   <a:txBody>
-                    <a:bodyPr vert="horz" lIns="91440" tIns="45720" rIns="91440" bIns="45720" anchor="t" anchorCtr="0"/>
+                    <a:bodyPr/>
+                    <a:lstStyle/>
                     <a:p>
                       <a:pPr algn="ctr" latinLnBrk="1">
                         <a:defRPr/>
@@ -8040,11 +7755,12 @@
                       <a:endParaRPr lang="ko-KR" altLang="en-US" sz="1200"/>
                     </a:p>
                   </a:txBody>
-                  <a:tcPr marL="91440" marR="91440"/>
+                  <a:tcPr/>
                 </a:tc>
                 <a:tc>
                   <a:txBody>
-                    <a:bodyPr vert="horz" lIns="91440" tIns="45720" rIns="91440" bIns="45720" anchor="t" anchorCtr="0"/>
+                    <a:bodyPr/>
+                    <a:lstStyle/>
                     <a:p>
                       <a:pPr algn="ctr" latinLnBrk="1">
                         <a:defRPr/>
@@ -8052,11 +7768,12 @@
                       <a:endParaRPr lang="ko-KR" altLang="en-US" sz="1200"/>
                     </a:p>
                   </a:txBody>
-                  <a:tcPr marL="91440" marR="91440"/>
+                  <a:tcPr/>
                 </a:tc>
                 <a:tc>
                   <a:txBody>
-                    <a:bodyPr vert="horz" lIns="91440" tIns="45720" rIns="91440" bIns="45720" anchor="t" anchorCtr="0"/>
+                    <a:bodyPr/>
+                    <a:lstStyle/>
                     <a:p>
                       <a:pPr algn="ctr" latinLnBrk="1">
                         <a:defRPr/>
@@ -8064,11 +7781,12 @@
                       <a:endParaRPr lang="ko-KR" altLang="en-US" sz="1200"/>
                     </a:p>
                   </a:txBody>
-                  <a:tcPr marL="91440" marR="91440"/>
+                  <a:tcPr/>
                 </a:tc>
                 <a:tc>
                   <a:txBody>
-                    <a:bodyPr vert="horz" lIns="91440" tIns="45720" rIns="91440" bIns="45720" anchor="t" anchorCtr="0"/>
+                    <a:bodyPr/>
+                    <a:lstStyle/>
                     <a:p>
                       <a:pPr algn="ctr" latinLnBrk="1">
                         <a:defRPr/>
@@ -8076,11 +7794,12 @@
                       <a:endParaRPr lang="ko-KR" altLang="en-US" sz="1200"/>
                     </a:p>
                   </a:txBody>
-                  <a:tcPr marL="91440" marR="91440"/>
+                  <a:tcPr/>
                 </a:tc>
                 <a:tc>
                   <a:txBody>
-                    <a:bodyPr vert="horz" lIns="91440" tIns="45720" rIns="91440" bIns="45720" anchor="t" anchorCtr="0"/>
+                    <a:bodyPr/>
+                    <a:lstStyle/>
                     <a:p>
                       <a:pPr algn="ctr" latinLnBrk="1">
                         <a:defRPr/>
@@ -8088,11 +7807,12 @@
                       <a:endParaRPr lang="ko-KR" altLang="en-US" sz="1200"/>
                     </a:p>
                   </a:txBody>
-                  <a:tcPr marL="91440" marR="91440"/>
+                  <a:tcPr/>
                 </a:tc>
                 <a:tc>
                   <a:txBody>
-                    <a:bodyPr vert="horz" lIns="91440" tIns="45720" rIns="91440" bIns="45720" anchor="t" anchorCtr="0"/>
+                    <a:bodyPr/>
+                    <a:lstStyle/>
                     <a:p>
                       <a:pPr algn="ctr" latinLnBrk="1">
                         <a:defRPr/>
@@ -8100,11 +7820,12 @@
                       <a:endParaRPr lang="ko-KR" altLang="en-US" sz="1200"/>
                     </a:p>
                   </a:txBody>
-                  <a:tcPr marL="91440" marR="91440"/>
+                  <a:tcPr/>
                 </a:tc>
                 <a:tc>
                   <a:txBody>
-                    <a:bodyPr vert="horz" lIns="91440" tIns="45720" rIns="91440" bIns="45720" anchor="t" anchorCtr="0"/>
+                    <a:bodyPr/>
+                    <a:lstStyle/>
                     <a:p>
                       <a:pPr algn="ctr" latinLnBrk="1">
                         <a:defRPr/>
@@ -8112,15 +7833,16 @@
                       <a:endParaRPr lang="ko-KR" altLang="en-US" sz="1200"/>
                     </a:p>
                   </a:txBody>
-                  <a:tcPr marL="91440" marR="91440">
+                  <a:tcPr>
                     <a:solidFill>
-                      <a:srgbClr val="ffff00"/>
+                      <a:srgbClr val="FFFF00"/>
                     </a:solidFill>
                   </a:tcPr>
                 </a:tc>
                 <a:tc>
                   <a:txBody>
-                    <a:bodyPr vert="horz" lIns="91440" tIns="45720" rIns="91440" bIns="45720" anchor="t" anchorCtr="0"/>
+                    <a:bodyPr/>
+                    <a:lstStyle/>
                     <a:p>
                       <a:pPr algn="ctr" latinLnBrk="1">
                         <a:defRPr/>
@@ -8128,12 +7850,17 @@
                       <a:endParaRPr lang="ko-KR" altLang="en-US" sz="1200"/>
                     </a:p>
                   </a:txBody>
-                  <a:tcPr marL="91440" marR="91440">
+                  <a:tcPr>
                     <a:solidFill>
-                      <a:srgbClr val="ffff00"/>
+                      <a:srgbClr val="FFFF00"/>
                     </a:solidFill>
                   </a:tcPr>
                 </a:tc>
+                <a:extLst>
+                  <a:ext uri="{0D108BD9-81ED-4DB2-BD59-A6C34878D82A}">
+                    <a16:rowId xmlns:a16="http://schemas.microsoft.com/office/drawing/2014/main" val="10006"/>
+                  </a:ext>
+                </a:extLst>
               </a:tr>
             </a:tbl>
           </a:graphicData>
@@ -8144,11 +7871,11 @@
   <p:clrMapOvr>
     <a:masterClrMapping/>
   </p:clrMapOvr>
-  <mc:AlternateContent xmlns:mc="http://schemas.openxmlformats.org/markup-compatibility/2006">
-    <mc:Choice xmlns:p14="http://schemas.microsoft.com/office/powerpoint/2010/main" Requires="p14">
-      <p:transition xmlns:mc="http://schemas.openxmlformats.org/markup-compatibility/2006" xmlns:p14="http://schemas.microsoft.com/office/powerpoint/2010/main" mc:Ignorable="p14" p14:dur="500"/>
+  <mc:AlternateContent xmlns:mc="http://schemas.openxmlformats.org/markup-compatibility/2006" xmlns:p14="http://schemas.microsoft.com/office/powerpoint/2010/main">
+    <mc:Choice Requires="p14">
+      <p:transition/>
     </mc:Choice>
-    <mc:Fallback>
+    <mc:Fallback xmlns:dsp="http://schemas.microsoft.com/office/drawing/2008/diagram" xmlns:dgm="http://schemas.openxmlformats.org/drawingml/2006/diagram" xmlns:c="http://schemas.openxmlformats.org/drawingml/2006/chart" xmlns="">
       <p:transition/>
     </mc:Fallback>
   </mc:AlternateContent>
@@ -8156,7 +7883,7 @@
 </file>
 
 <file path=ppt/slides/slide2.xml><?xml version="1.0" encoding="utf-8"?>
-<p:sld xmlns:r="http://schemas.openxmlformats.org/officeDocument/2006/relationships" xmlns:c="http://schemas.openxmlformats.org/drawingml/2006/chart" xmlns:a="http://schemas.openxmlformats.org/drawingml/2006/main" xmlns:dgm="http://schemas.openxmlformats.org/drawingml/2006/diagram" xmlns:dsp="http://schemas.microsoft.com/office/drawing/2008/diagram" xmlns:p="http://schemas.openxmlformats.org/presentationml/2006/main">
+<p:sld xmlns:a="http://schemas.openxmlformats.org/drawingml/2006/main" xmlns:r="http://schemas.openxmlformats.org/officeDocument/2006/relationships" xmlns:p="http://schemas.openxmlformats.org/presentationml/2006/main">
   <p:cSld>
     <p:spTree>
       <p:nvGrpSpPr>
@@ -8252,13 +7979,6 @@
               </a:rPr>
               <a:t>연구목적</a:t>
             </a:r>
-            <a:endParaRPr lang="ko-KR" altLang="en-US" sz="2800">
-              <a:solidFill>
-                <a:schemeClr val="bg1"/>
-              </a:solidFill>
-              <a:latin typeface="나눔스퀘어 Light"/>
-              <a:ea typeface="나눔스퀘어 Light"/>
-            </a:endParaRPr>
           </a:p>
         </p:txBody>
       </p:sp>
@@ -8297,13 +8017,6 @@
               </a:rPr>
               <a:t>개발환경</a:t>
             </a:r>
-            <a:endParaRPr lang="ko-KR" altLang="en-US" sz="2800">
-              <a:solidFill>
-                <a:schemeClr val="bg1"/>
-              </a:solidFill>
-              <a:latin typeface="나눔스퀘어 Light"/>
-              <a:ea typeface="나눔스퀘어 Light"/>
-            </a:endParaRPr>
           </a:p>
         </p:txBody>
       </p:sp>
@@ -8342,13 +8055,6 @@
               </a:rPr>
               <a:t>게임요소</a:t>
             </a:r>
-            <a:endParaRPr lang="ko-KR" altLang="en-US" sz="2800">
-              <a:solidFill>
-                <a:schemeClr val="bg1"/>
-              </a:solidFill>
-              <a:latin typeface="나눔스퀘어 Light"/>
-              <a:ea typeface="나눔스퀘어 Light"/>
-            </a:endParaRPr>
           </a:p>
         </p:txBody>
       </p:sp>
@@ -8387,13 +8093,6 @@
               </a:rPr>
               <a:t>기술적 요소</a:t>
             </a:r>
-            <a:endParaRPr lang="ko-KR" altLang="en-US" sz="2800">
-              <a:solidFill>
-                <a:schemeClr val="bg1"/>
-              </a:solidFill>
-              <a:latin typeface="나눔스퀘어 Light"/>
-              <a:ea typeface="나눔스퀘어 Light"/>
-            </a:endParaRPr>
           </a:p>
         </p:txBody>
       </p:sp>
@@ -8707,13 +8406,6 @@
               </a:rPr>
               <a:t>05</a:t>
             </a:r>
-            <a:endParaRPr lang="en-US" altLang="ko-KR" sz="6000">
-              <a:solidFill>
-                <a:schemeClr val="bg1"/>
-              </a:solidFill>
-              <a:latin typeface="나눔스퀘어 Light"/>
-              <a:ea typeface="나눔스퀘어 Light"/>
-            </a:endParaRPr>
           </a:p>
         </p:txBody>
       </p:sp>
@@ -8752,13 +8444,6 @@
               </a:rPr>
               <a:t>타게임과</a:t>
             </a:r>
-            <a:endParaRPr lang="ko-KR" altLang="en-US" sz="2800">
-              <a:solidFill>
-                <a:schemeClr val="bg1"/>
-              </a:solidFill>
-              <a:latin typeface="나눔스퀘어 Light"/>
-              <a:ea typeface="나눔스퀘어 Light"/>
-            </a:endParaRPr>
           </a:p>
           <a:p>
             <a:pPr algn="ctr">
@@ -8774,13 +8459,6 @@
               </a:rPr>
               <a:t>차별성</a:t>
             </a:r>
-            <a:endParaRPr lang="ko-KR" altLang="en-US" sz="2800">
-              <a:solidFill>
-                <a:schemeClr val="bg1"/>
-              </a:solidFill>
-              <a:latin typeface="나눔스퀘어 Light"/>
-              <a:ea typeface="나눔스퀘어 Light"/>
-            </a:endParaRPr>
           </a:p>
         </p:txBody>
       </p:sp>
@@ -8819,13 +8497,6 @@
               </a:rPr>
               <a:t>개인별</a:t>
             </a:r>
-            <a:endParaRPr lang="ko-KR" altLang="en-US" sz="2800">
-              <a:solidFill>
-                <a:schemeClr val="bg1"/>
-              </a:solidFill>
-              <a:latin typeface="나눔스퀘어 Light"/>
-              <a:ea typeface="나눔스퀘어 Light"/>
-            </a:endParaRPr>
           </a:p>
           <a:p>
             <a:pPr algn="ctr">
@@ -8841,13 +8512,6 @@
               </a:rPr>
               <a:t>준비 현황</a:t>
             </a:r>
-            <a:endParaRPr lang="ko-KR" altLang="en-US" sz="2800">
-              <a:solidFill>
-                <a:schemeClr val="bg1"/>
-              </a:solidFill>
-              <a:latin typeface="나눔스퀘어 Light"/>
-              <a:ea typeface="나눔스퀘어 Light"/>
-            </a:endParaRPr>
           </a:p>
         </p:txBody>
       </p:sp>
@@ -8886,13 +8550,6 @@
               </a:rPr>
               <a:t>역활 분담</a:t>
             </a:r>
-            <a:endParaRPr lang="ko-KR" altLang="en-US" sz="2800">
-              <a:solidFill>
-                <a:schemeClr val="bg1"/>
-              </a:solidFill>
-              <a:latin typeface="나눔스퀘어 Light"/>
-              <a:ea typeface="나눔스퀘어 Light"/>
-            </a:endParaRPr>
           </a:p>
         </p:txBody>
       </p:sp>
@@ -8931,13 +8588,6 @@
               </a:rPr>
               <a:t>개발 일정</a:t>
             </a:r>
-            <a:endParaRPr lang="ko-KR" altLang="en-US" sz="2800">
-              <a:solidFill>
-                <a:schemeClr val="bg1"/>
-              </a:solidFill>
-              <a:latin typeface="나눔스퀘어 Light"/>
-              <a:ea typeface="나눔스퀘어 Light"/>
-            </a:endParaRPr>
           </a:p>
         </p:txBody>
       </p:sp>
@@ -8976,13 +8626,6 @@
               </a:rPr>
               <a:t>06</a:t>
             </a:r>
-            <a:endParaRPr lang="en-US" altLang="ko-KR" sz="6000">
-              <a:solidFill>
-                <a:schemeClr val="bg1"/>
-              </a:solidFill>
-              <a:latin typeface="나눔스퀘어 Light"/>
-              <a:ea typeface="나눔스퀘어 Light"/>
-            </a:endParaRPr>
           </a:p>
         </p:txBody>
       </p:sp>
@@ -9021,13 +8664,6 @@
               </a:rPr>
               <a:t>07</a:t>
             </a:r>
-            <a:endParaRPr lang="en-US" altLang="ko-KR" sz="6000">
-              <a:solidFill>
-                <a:schemeClr val="bg1"/>
-              </a:solidFill>
-              <a:latin typeface="나눔스퀘어 Light"/>
-              <a:ea typeface="나눔스퀘어 Light"/>
-            </a:endParaRPr>
           </a:p>
         </p:txBody>
       </p:sp>
@@ -9066,13 +8702,6 @@
               </a:rPr>
               <a:t>08</a:t>
             </a:r>
-            <a:endParaRPr lang="en-US" altLang="ko-KR" sz="6000">
-              <a:solidFill>
-                <a:schemeClr val="bg1"/>
-              </a:solidFill>
-              <a:latin typeface="나눔스퀘어 Light"/>
-              <a:ea typeface="나눔스퀘어 Light"/>
-            </a:endParaRPr>
           </a:p>
         </p:txBody>
       </p:sp>
@@ -9221,11 +8850,11 @@
   <p:clrMapOvr>
     <a:masterClrMapping/>
   </p:clrMapOvr>
-  <mc:AlternateContent xmlns:mc="http://schemas.openxmlformats.org/markup-compatibility/2006">
-    <mc:Choice xmlns:p14="http://schemas.microsoft.com/office/powerpoint/2010/main" Requires="p14">
-      <p:transition xmlns:mc="http://schemas.openxmlformats.org/markup-compatibility/2006" xmlns:p14="http://schemas.microsoft.com/office/powerpoint/2010/main" mc:Ignorable="p14" p14:dur="500"/>
+  <mc:AlternateContent xmlns:mc="http://schemas.openxmlformats.org/markup-compatibility/2006" xmlns:p14="http://schemas.microsoft.com/office/powerpoint/2010/main">
+    <mc:Choice Requires="p14">
+      <p:transition/>
     </mc:Choice>
-    <mc:Fallback>
+    <mc:Fallback xmlns:dsp="http://schemas.microsoft.com/office/drawing/2008/diagram" xmlns:dgm="http://schemas.openxmlformats.org/drawingml/2006/diagram" xmlns:c="http://schemas.openxmlformats.org/drawingml/2006/chart" xmlns="">
       <p:transition/>
     </mc:Fallback>
   </mc:AlternateContent>
@@ -9233,7 +8862,7 @@
 </file>
 
 <file path=ppt/slides/slide20.xml><?xml version="1.0" encoding="utf-8"?>
-<p:sld xmlns:r="http://schemas.openxmlformats.org/officeDocument/2006/relationships" xmlns:c="http://schemas.openxmlformats.org/drawingml/2006/chart" xmlns:a="http://schemas.openxmlformats.org/drawingml/2006/main" xmlns:dgm="http://schemas.openxmlformats.org/drawingml/2006/diagram" xmlns:dsp="http://schemas.microsoft.com/office/drawing/2008/diagram" xmlns:p="http://schemas.openxmlformats.org/presentationml/2006/main">
+<p:sld xmlns:a="http://schemas.openxmlformats.org/drawingml/2006/main" xmlns:r="http://schemas.openxmlformats.org/officeDocument/2006/relationships" xmlns:p="http://schemas.openxmlformats.org/presentationml/2006/main">
   <p:cSld>
     <p:spTree>
       <p:nvGrpSpPr>
@@ -9379,26 +9008,19 @@
   <p:clrMapOvr>
     <a:masterClrMapping/>
   </p:clrMapOvr>
-  <mc:AlternateContent xmlns:mc="http://schemas.openxmlformats.org/markup-compatibility/2006">
-    <mc:Choice xmlns:p14="http://schemas.microsoft.com/office/powerpoint/2010/main" Requires="p14">
-      <p:transition xmlns:mc="http://schemas.openxmlformats.org/markup-compatibility/2006" xmlns:p14="http://schemas.microsoft.com/office/powerpoint/2010/main" mc:Ignorable="p14" p14:dur="500"/>
+  <mc:AlternateContent xmlns:mc="http://schemas.openxmlformats.org/markup-compatibility/2006" xmlns:p14="http://schemas.microsoft.com/office/powerpoint/2010/main">
+    <mc:Choice Requires="p14">
+      <p:transition/>
     </mc:Choice>
-    <mc:Fallback>
+    <mc:Fallback xmlns:dsp="http://schemas.microsoft.com/office/drawing/2008/diagram" xmlns:dgm="http://schemas.openxmlformats.org/drawingml/2006/diagram" xmlns:c="http://schemas.openxmlformats.org/drawingml/2006/chart" xmlns="">
       <p:transition/>
     </mc:Fallback>
   </mc:AlternateContent>
-  <p:timing>
-    <p:tnLst>
-      <p:par>
-        <p:cTn id="1" dur="indefinite" restart="never" nodeType="tmRoot"/>
-      </p:par>
-    </p:tnLst>
-  </p:timing>
 </p:sld>
 </file>
 
 <file path=ppt/slides/slide3.xml><?xml version="1.0" encoding="utf-8"?>
-<p:sld xmlns:r="http://schemas.openxmlformats.org/officeDocument/2006/relationships" xmlns:c="http://schemas.openxmlformats.org/drawingml/2006/chart" xmlns:a="http://schemas.openxmlformats.org/drawingml/2006/main" xmlns:dgm="http://schemas.openxmlformats.org/drawingml/2006/diagram" xmlns:dsp="http://schemas.microsoft.com/office/drawing/2008/diagram" xmlns:p="http://schemas.openxmlformats.org/presentationml/2006/main">
+<p:sld xmlns:a="http://schemas.openxmlformats.org/drawingml/2006/main" xmlns:r="http://schemas.openxmlformats.org/officeDocument/2006/relationships" xmlns:p="http://schemas.openxmlformats.org/presentationml/2006/main">
   <p:cSld>
     <p:spTree>
       <p:nvGrpSpPr>
@@ -9494,13 +9116,6 @@
               </a:rPr>
               <a:t>연구목적</a:t>
             </a:r>
-            <a:endParaRPr lang="ko-KR" altLang="en-US" sz="2800">
-              <a:solidFill>
-                <a:schemeClr val="bg1"/>
-              </a:solidFill>
-              <a:latin typeface="나눔스퀘어 Light"/>
-              <a:ea typeface="나눔스퀘어 Light"/>
-            </a:endParaRPr>
           </a:p>
         </p:txBody>
       </p:sp>
@@ -9778,13 +9393,6 @@
               </a:rPr>
               <a:t>을 사용하여 게임 제작 능력 향상</a:t>
             </a:r>
-            <a:endParaRPr lang="ko-KR" altLang="en-US" sz="3000">
-              <a:solidFill>
-                <a:schemeClr val="lt1"/>
-              </a:solidFill>
-              <a:latin typeface="HY태백B"/>
-              <a:ea typeface="HY태백B"/>
-            </a:endParaRPr>
           </a:p>
           <a:p>
             <a:pPr lvl="0">
@@ -9842,13 +9450,6 @@
               </a:rPr>
               <a:t>를 활용한 자체 서버 구현</a:t>
             </a:r>
-            <a:endParaRPr lang="ko-KR" altLang="en-US" sz="3000">
-              <a:solidFill>
-                <a:schemeClr val="lt1"/>
-              </a:solidFill>
-              <a:latin typeface="HY태백B"/>
-              <a:ea typeface="HY태백B"/>
-            </a:endParaRPr>
           </a:p>
         </p:txBody>
       </p:sp>
@@ -9857,11 +9458,11 @@
   <p:clrMapOvr>
     <a:masterClrMapping/>
   </p:clrMapOvr>
-  <mc:AlternateContent xmlns:mc="http://schemas.openxmlformats.org/markup-compatibility/2006">
-    <mc:Choice xmlns:p14="http://schemas.microsoft.com/office/powerpoint/2010/main" Requires="p14">
-      <p:transition xmlns:mc="http://schemas.openxmlformats.org/markup-compatibility/2006" xmlns:p14="http://schemas.microsoft.com/office/powerpoint/2010/main" mc:Ignorable="p14" p14:dur="500"/>
+  <mc:AlternateContent xmlns:mc="http://schemas.openxmlformats.org/markup-compatibility/2006" xmlns:p14="http://schemas.microsoft.com/office/powerpoint/2010/main">
+    <mc:Choice Requires="p14">
+      <p:transition/>
     </mc:Choice>
-    <mc:Fallback>
+    <mc:Fallback xmlns:dsp="http://schemas.microsoft.com/office/drawing/2008/diagram" xmlns:dgm="http://schemas.openxmlformats.org/drawingml/2006/diagram" xmlns:c="http://schemas.openxmlformats.org/drawingml/2006/chart" xmlns="">
       <p:transition/>
     </mc:Fallback>
   </mc:AlternateContent>
@@ -9869,7 +9470,7 @@
 </file>
 
 <file path=ppt/slides/slide4.xml><?xml version="1.0" encoding="utf-8"?>
-<p:sld xmlns:r="http://schemas.openxmlformats.org/officeDocument/2006/relationships" xmlns:c="http://schemas.openxmlformats.org/drawingml/2006/chart" xmlns:a="http://schemas.openxmlformats.org/drawingml/2006/main" xmlns:dgm="http://schemas.openxmlformats.org/drawingml/2006/diagram" xmlns:dsp="http://schemas.microsoft.com/office/drawing/2008/diagram" xmlns:p="http://schemas.openxmlformats.org/presentationml/2006/main">
+<p:sld xmlns:a="http://schemas.openxmlformats.org/drawingml/2006/main" xmlns:r="http://schemas.openxmlformats.org/officeDocument/2006/relationships" xmlns:p="http://schemas.openxmlformats.org/presentationml/2006/main">
   <p:cSld>
     <p:spTree>
       <p:nvGrpSpPr>
@@ -9965,13 +9566,6 @@
               </a:rPr>
               <a:t>개발환경</a:t>
             </a:r>
-            <a:endParaRPr lang="ko-KR" altLang="en-US" sz="2800">
-              <a:solidFill>
-                <a:schemeClr val="bg1"/>
-              </a:solidFill>
-              <a:latin typeface="나눔스퀘어 Light"/>
-              <a:ea typeface="나눔스퀘어 Light"/>
-            </a:endParaRPr>
           </a:p>
         </p:txBody>
       </p:sp>
@@ -10210,7 +9804,7 @@
               <a:defRPr/>
             </a:pPr>
             <a:r>
-              <a:rPr lang="en-US" altLang="ko-KR" sz="3000" b="1" i="0">
+              <a:rPr lang="en-US" altLang="ko-KR" sz="3000" b="1" i="0" dirty="0">
                 <a:solidFill>
                   <a:schemeClr val="lt1"/>
                 </a:solidFill>
@@ -10220,7 +9814,7 @@
               <a:t>1.</a:t>
             </a:r>
             <a:r>
-              <a:rPr lang="ko-KR" altLang="en-US" sz="3000" b="1" i="0">
+              <a:rPr lang="ko-KR" altLang="en-US" sz="3000" b="1" i="0" dirty="0">
                 <a:solidFill>
                   <a:schemeClr val="lt1"/>
                 </a:solidFill>
@@ -10230,7 +9824,7 @@
               <a:t> </a:t>
             </a:r>
             <a:r>
-              <a:rPr lang="en-US" altLang="ko-KR" sz="3000" b="1" i="0">
+              <a:rPr lang="en-US" altLang="ko-KR" sz="3000" b="1" i="0" dirty="0">
                 <a:solidFill>
                   <a:schemeClr val="lt1"/>
                 </a:solidFill>
@@ -10239,20 +9833,13 @@
               </a:rPr>
               <a:t>Visual Studio 2022</a:t>
             </a:r>
-            <a:endParaRPr lang="en-US" altLang="ko-KR" sz="3000" b="1" i="0">
-              <a:solidFill>
-                <a:schemeClr val="lt1"/>
-              </a:solidFill>
-              <a:effectLst/>
-              <a:latin typeface="Calibri"/>
-            </a:endParaRPr>
           </a:p>
           <a:p>
             <a:pPr lvl="0">
               <a:defRPr/>
             </a:pPr>
             <a:r>
-              <a:rPr lang="en-US" altLang="ko-KR" sz="3000" b="1">
+              <a:rPr lang="en-US" altLang="ko-KR" sz="3000" b="1" dirty="0">
                 <a:solidFill>
                   <a:schemeClr val="lt1"/>
                 </a:solidFill>
@@ -10260,7 +9847,7 @@
               <a:t>2.</a:t>
             </a:r>
             <a:r>
-              <a:rPr lang="ko-KR" altLang="en-US" sz="3000" b="1">
+              <a:rPr lang="ko-KR" altLang="en-US" sz="3000" b="1" dirty="0">
                 <a:solidFill>
                   <a:schemeClr val="lt1"/>
                 </a:solidFill>
@@ -10268,25 +9855,20 @@
               <a:t> </a:t>
             </a:r>
             <a:r>
-              <a:rPr lang="en-US" altLang="ko-KR" sz="3000" b="1">
+              <a:rPr lang="en-US" altLang="ko-KR" sz="3000" b="1" dirty="0">
                 <a:solidFill>
                   <a:schemeClr val="lt1"/>
                 </a:solidFill>
               </a:rPr>
               <a:t>UE5</a:t>
             </a:r>
-            <a:endParaRPr lang="en-US" altLang="ko-KR" sz="3000" b="1">
-              <a:solidFill>
-                <a:schemeClr val="lt1"/>
-              </a:solidFill>
-            </a:endParaRPr>
           </a:p>
           <a:p>
             <a:pPr lvl="0">
               <a:defRPr/>
             </a:pPr>
             <a:r>
-              <a:rPr lang="en-US" altLang="ko-KR" sz="3000" b="1" i="0">
+              <a:rPr lang="en-US" altLang="ko-KR" sz="3000" b="1" i="0" dirty="0">
                 <a:solidFill>
                   <a:schemeClr val="lt1"/>
                 </a:solidFill>
@@ -10296,7 +9878,7 @@
               <a:t>3.</a:t>
             </a:r>
             <a:r>
-              <a:rPr lang="ko-KR" altLang="en-US" sz="3000" b="1" i="0">
+              <a:rPr lang="ko-KR" altLang="en-US" sz="3000" b="1" i="0" dirty="0">
                 <a:solidFill>
                   <a:schemeClr val="lt1"/>
                 </a:solidFill>
@@ -10306,7 +9888,7 @@
               <a:t> </a:t>
             </a:r>
             <a:r>
-              <a:rPr lang="en-US" altLang="ko-KR" sz="3000" b="1" i="0">
+              <a:rPr lang="en-US" altLang="ko-KR" sz="3000" b="1" i="0" dirty="0">
                 <a:solidFill>
                   <a:schemeClr val="lt1"/>
                 </a:solidFill>
@@ -10315,20 +9897,13 @@
               </a:rPr>
               <a:t>Git hub</a:t>
             </a:r>
-            <a:endParaRPr lang="en-US" altLang="ko-KR" sz="3000" b="1" i="0">
-              <a:solidFill>
-                <a:schemeClr val="lt1"/>
-              </a:solidFill>
-              <a:effectLst/>
-              <a:latin typeface="Calibri"/>
-            </a:endParaRPr>
           </a:p>
           <a:p>
             <a:pPr lvl="0">
               <a:defRPr/>
             </a:pPr>
             <a:r>
-              <a:rPr lang="en-US" altLang="ko-KR" sz="3000" b="1">
+              <a:rPr lang="en-US" altLang="ko-KR" sz="3000" b="1" dirty="0">
                 <a:solidFill>
                   <a:schemeClr val="lt1"/>
                 </a:solidFill>
@@ -10336,7 +9911,7 @@
               <a:t>4.</a:t>
             </a:r>
             <a:r>
-              <a:rPr lang="ko-KR" altLang="en-US" sz="3000" b="1">
+              <a:rPr lang="ko-KR" altLang="en-US" sz="3000" b="1" dirty="0">
                 <a:solidFill>
                   <a:schemeClr val="lt1"/>
                 </a:solidFill>
@@ -10344,18 +9919,13 @@
               <a:t> </a:t>
             </a:r>
             <a:r>
-              <a:rPr lang="en-US" altLang="ko-KR" sz="3000" b="1">
+              <a:rPr lang="en-US" altLang="ko-KR" sz="3000" b="1" dirty="0">
                 <a:solidFill>
                   <a:schemeClr val="lt1"/>
                 </a:solidFill>
               </a:rPr>
               <a:t>3D MAX / BLANDER</a:t>
             </a:r>
-            <a:endParaRPr lang="en-US" altLang="ko-KR" sz="3000" b="1">
-              <a:solidFill>
-                <a:schemeClr val="lt1"/>
-              </a:solidFill>
-            </a:endParaRPr>
           </a:p>
         </p:txBody>
       </p:sp>
@@ -10364,11 +9934,11 @@
   <p:clrMapOvr>
     <a:masterClrMapping/>
   </p:clrMapOvr>
-  <mc:AlternateContent xmlns:mc="http://schemas.openxmlformats.org/markup-compatibility/2006">
-    <mc:Choice xmlns:p14="http://schemas.microsoft.com/office/powerpoint/2010/main" Requires="p14">
-      <p:transition xmlns:mc="http://schemas.openxmlformats.org/markup-compatibility/2006" xmlns:p14="http://schemas.microsoft.com/office/powerpoint/2010/main" mc:Ignorable="p14" p14:dur="500"/>
+  <mc:AlternateContent xmlns:mc="http://schemas.openxmlformats.org/markup-compatibility/2006" xmlns:p14="http://schemas.microsoft.com/office/powerpoint/2010/main">
+    <mc:Choice Requires="p14">
+      <p:transition/>
     </mc:Choice>
-    <mc:Fallback>
+    <mc:Fallback xmlns:dsp="http://schemas.microsoft.com/office/drawing/2008/diagram" xmlns:dgm="http://schemas.openxmlformats.org/drawingml/2006/diagram" xmlns:c="http://schemas.openxmlformats.org/drawingml/2006/chart" xmlns="">
       <p:transition/>
     </mc:Fallback>
   </mc:AlternateContent>
@@ -10376,7 +9946,7 @@
 </file>
 
 <file path=ppt/slides/slide5.xml><?xml version="1.0" encoding="utf-8"?>
-<p:sld xmlns:r="http://schemas.openxmlformats.org/officeDocument/2006/relationships" xmlns:c="http://schemas.openxmlformats.org/drawingml/2006/chart" xmlns:a="http://schemas.openxmlformats.org/drawingml/2006/main" xmlns:dgm="http://schemas.openxmlformats.org/drawingml/2006/diagram" xmlns:dsp="http://schemas.microsoft.com/office/drawing/2008/diagram" xmlns:p="http://schemas.openxmlformats.org/presentationml/2006/main">
+<p:sld xmlns:a="http://schemas.openxmlformats.org/drawingml/2006/main" xmlns:r="http://schemas.openxmlformats.org/officeDocument/2006/relationships" xmlns:p="http://schemas.openxmlformats.org/presentationml/2006/main">
   <p:cSld>
     <p:spTree>
       <p:nvGrpSpPr>
@@ -10472,13 +10042,6 @@
               </a:rPr>
               <a:t>게임소개</a:t>
             </a:r>
-            <a:endParaRPr lang="ko-KR" altLang="en-US" sz="2800">
-              <a:solidFill>
-                <a:schemeClr val="bg1"/>
-              </a:solidFill>
-              <a:latin typeface="나눔스퀘어 Light"/>
-              <a:ea typeface="나눔스퀘어 Light"/>
-            </a:endParaRPr>
           </a:p>
         </p:txBody>
       </p:sp>
@@ -10712,6 +10275,7 @@
           <a:bodyPr vert="horz" lIns="91440" tIns="45720" rIns="91440" bIns="45720" anchor="t">
             <a:normAutofit/>
           </a:bodyPr>
+          <a:lstStyle/>
           <a:p>
             <a:pPr marL="0" indent="0" defTabSz="914400" rtl="0" eaLnBrk="1" latinLnBrk="1" hangingPunct="1">
               <a:lnSpc>
@@ -10728,7 +10292,7 @@
               <a:defRPr/>
             </a:pPr>
             <a:r>
-              <a:rPr xmlns:mc="http://schemas.openxmlformats.org/markup-compatibility/2006" xmlns:hp="http://schemas.haansoft.com/office/presentation/8.0" kumimoji="0" lang="ko-KR" altLang="en-US" sz="2800" b="1" i="0" u="none" strike="noStrike" kern="1200" cap="none" spc="0" normalizeH="0" baseline="0" mc:Ignorable="hp" hp:hslEmbossed="0">
+              <a:rPr kumimoji="0" lang="ko-KR" altLang="en-US" sz="2800" b="1" i="0" u="none" strike="noStrike" kern="1200" cap="none" spc="0" normalizeH="0" baseline="0">
                 <a:solidFill>
                   <a:schemeClr val="lt1"/>
                 </a:solidFill>
@@ -10738,14 +10302,6 @@
               </a:rPr>
               <a:t>생존모드와 많은킬을 목표로하는 두가지모드를 가지고</a:t>
             </a:r>
-            <a:endParaRPr xmlns:mc="http://schemas.openxmlformats.org/markup-compatibility/2006" xmlns:hp="http://schemas.haansoft.com/office/presentation/8.0" kumimoji="0" lang="ko-KR" altLang="en-US" sz="2800" b="1" i="0" u="none" strike="noStrike" kern="1200" cap="none" spc="0" normalizeH="0" baseline="0" mc:Ignorable="hp" hp:hslEmbossed="0">
-              <a:solidFill>
-                <a:schemeClr val="lt1"/>
-              </a:solidFill>
-              <a:latin typeface="+mn-lt"/>
-              <a:ea typeface="+mn-ea"/>
-              <a:cs typeface="+mn-cs"/>
-            </a:endParaRPr>
           </a:p>
           <a:p>
             <a:pPr marL="0" indent="0" defTabSz="914400" rtl="0" eaLnBrk="1" latinLnBrk="1" hangingPunct="1">
@@ -10763,7 +10319,7 @@
               <a:defRPr/>
             </a:pPr>
             <a:r>
-              <a:rPr xmlns:mc="http://schemas.openxmlformats.org/markup-compatibility/2006" xmlns:hp="http://schemas.haansoft.com/office/presentation/8.0" kumimoji="0" lang="ko-KR" altLang="en-US" sz="2800" b="1" i="0" u="none" strike="noStrike" kern="1200" cap="none" spc="0" normalizeH="0" baseline="0" mc:Ignorable="hp" hp:hslEmbossed="0">
+              <a:rPr kumimoji="0" lang="ko-KR" altLang="en-US" sz="2800" b="1" i="0" u="none" strike="noStrike" kern="1200" cap="none" spc="0" normalizeH="0" baseline="0">
                 <a:solidFill>
                   <a:schemeClr val="lt1"/>
                 </a:solidFill>
@@ -10774,7 +10330,7 @@
               <a:t>맵에 존재하는 여러가지</a:t>
             </a:r>
             <a:r>
-              <a:rPr xmlns:mc="http://schemas.openxmlformats.org/markup-compatibility/2006" xmlns:hp="http://schemas.haansoft.com/office/presentation/8.0" kumimoji="0" lang="en-US" altLang="ko-KR" sz="2800" b="1" i="0" u="none" strike="noStrike" kern="1200" cap="none" spc="0" normalizeH="0" baseline="0" mc:Ignorable="hp" hp:hslEmbossed="0">
+              <a:rPr kumimoji="0" lang="en-US" altLang="ko-KR" sz="2800" b="1" i="0" u="none" strike="noStrike" kern="1200" cap="none" spc="0" normalizeH="0" baseline="0">
                 <a:solidFill>
                   <a:schemeClr val="lt1"/>
                 </a:solidFill>
@@ -10785,7 +10341,7 @@
               <a:t> </a:t>
             </a:r>
             <a:r>
-              <a:rPr xmlns:mc="http://schemas.openxmlformats.org/markup-compatibility/2006" xmlns:hp="http://schemas.haansoft.com/office/presentation/8.0" kumimoji="0" lang="ko-KR" altLang="en-US" sz="2800" b="1" i="0" u="none" strike="noStrike" kern="1200" cap="none" spc="0" normalizeH="0" baseline="0" mc:Ignorable="hp" hp:hslEmbossed="0">
+              <a:rPr kumimoji="0" lang="ko-KR" altLang="en-US" sz="2800" b="1" i="0" u="none" strike="noStrike" kern="1200" cap="none" spc="0" normalizeH="0" baseline="0">
                 <a:solidFill>
                   <a:schemeClr val="lt1"/>
                 </a:solidFill>
@@ -10796,7 +10352,7 @@
               <a:t>무기</a:t>
             </a:r>
             <a:r>
-              <a:rPr xmlns:mc="http://schemas.openxmlformats.org/markup-compatibility/2006" xmlns:hp="http://schemas.haansoft.com/office/presentation/8.0" kumimoji="0" lang="en-US" altLang="ko-KR" sz="2800" b="1" i="0" u="none" strike="noStrike" kern="1200" cap="none" spc="0" normalizeH="0" baseline="0" mc:Ignorable="hp" hp:hslEmbossed="0">
+              <a:rPr kumimoji="0" lang="en-US" altLang="ko-KR" sz="2800" b="1" i="0" u="none" strike="noStrike" kern="1200" cap="none" spc="0" normalizeH="0" baseline="0">
                 <a:solidFill>
                   <a:schemeClr val="lt1"/>
                 </a:solidFill>
@@ -10807,7 +10363,7 @@
               <a:t>,</a:t>
             </a:r>
             <a:r>
-              <a:rPr xmlns:mc="http://schemas.openxmlformats.org/markup-compatibility/2006" xmlns:hp="http://schemas.haansoft.com/office/presentation/8.0" kumimoji="0" lang="ko-KR" altLang="en-US" sz="2800" b="1" i="0" u="none" strike="noStrike" kern="1200" cap="none" spc="0" normalizeH="0" baseline="0" mc:Ignorable="hp" hp:hslEmbossed="0">
+              <a:rPr kumimoji="0" lang="ko-KR" altLang="en-US" sz="2800" b="1" i="0" u="none" strike="noStrike" kern="1200" cap="none" spc="0" normalizeH="0" baseline="0">
                 <a:solidFill>
                   <a:schemeClr val="lt1"/>
                 </a:solidFill>
@@ -10818,7 +10374,7 @@
               <a:t> 스킬</a:t>
             </a:r>
             <a:r>
-              <a:rPr xmlns:mc="http://schemas.openxmlformats.org/markup-compatibility/2006" xmlns:hp="http://schemas.haansoft.com/office/presentation/8.0" kumimoji="0" lang="en-US" altLang="ko-KR" sz="2800" b="1" i="0" u="none" strike="noStrike" kern="1200" cap="none" spc="0" normalizeH="0" baseline="0" mc:Ignorable="hp" hp:hslEmbossed="0">
+              <a:rPr kumimoji="0" lang="en-US" altLang="ko-KR" sz="2800" b="1" i="0" u="none" strike="noStrike" kern="1200" cap="none" spc="0" normalizeH="0" baseline="0">
                 <a:solidFill>
                   <a:schemeClr val="lt1"/>
                 </a:solidFill>
@@ -10829,7 +10385,7 @@
               <a:t>,</a:t>
             </a:r>
             <a:r>
-              <a:rPr xmlns:mc="http://schemas.openxmlformats.org/markup-compatibility/2006" xmlns:hp="http://schemas.haansoft.com/office/presentation/8.0" kumimoji="0" lang="ko-KR" altLang="en-US" sz="2800" b="1" i="0" u="none" strike="noStrike" kern="1200" cap="none" spc="0" normalizeH="0" baseline="0" mc:Ignorable="hp" hp:hslEmbossed="0">
+              <a:rPr kumimoji="0" lang="ko-KR" altLang="en-US" sz="2800" b="1" i="0" u="none" strike="noStrike" kern="1200" cap="none" spc="0" normalizeH="0" baseline="0">
                 <a:solidFill>
                   <a:schemeClr val="lt1"/>
                 </a:solidFill>
@@ -10839,14 +10395,6 @@
               </a:rPr>
               <a:t> 아이템을 활용해서</a:t>
             </a:r>
-            <a:endParaRPr xmlns:mc="http://schemas.openxmlformats.org/markup-compatibility/2006" xmlns:hp="http://schemas.haansoft.com/office/presentation/8.0" kumimoji="0" lang="ko-KR" altLang="en-US" sz="2800" b="1" i="0" u="none" strike="noStrike" kern="1200" cap="none" spc="0" normalizeH="0" baseline="0" mc:Ignorable="hp" hp:hslEmbossed="0">
-              <a:solidFill>
-                <a:schemeClr val="lt1"/>
-              </a:solidFill>
-              <a:latin typeface="+mn-lt"/>
-              <a:ea typeface="+mn-ea"/>
-              <a:cs typeface="+mn-cs"/>
-            </a:endParaRPr>
           </a:p>
           <a:p>
             <a:pPr marL="0" indent="0" defTabSz="914400" rtl="0" eaLnBrk="1" latinLnBrk="1" hangingPunct="1">
@@ -10864,7 +10412,7 @@
               <a:defRPr/>
             </a:pPr>
             <a:r>
-              <a:rPr xmlns:mc="http://schemas.openxmlformats.org/markup-compatibility/2006" xmlns:hp="http://schemas.haansoft.com/office/presentation/8.0" kumimoji="0" lang="ko-KR" altLang="en-US" sz="2800" b="1" i="0" u="none" strike="noStrike" kern="1200" cap="none" spc="0" normalizeH="0" baseline="0" mc:Ignorable="hp" hp:hslEmbossed="0">
+              <a:rPr kumimoji="0" lang="ko-KR" altLang="en-US" sz="2800" b="1" i="0" u="none" strike="noStrike" kern="1200" cap="none" spc="0" normalizeH="0" baseline="0">
                 <a:solidFill>
                   <a:schemeClr val="lt1"/>
                 </a:solidFill>
@@ -10874,14 +10422,6 @@
               </a:rPr>
               <a:t>적을 적을 해치우는것이 목표</a:t>
             </a:r>
-            <a:endParaRPr xmlns:mc="http://schemas.openxmlformats.org/markup-compatibility/2006" xmlns:hp="http://schemas.haansoft.com/office/presentation/8.0" kumimoji="0" lang="ko-KR" altLang="en-US" sz="2800" b="1" i="0" u="none" strike="noStrike" kern="1200" cap="none" spc="0" normalizeH="0" baseline="0" mc:Ignorable="hp" hp:hslEmbossed="0">
-              <a:solidFill>
-                <a:schemeClr val="lt1"/>
-              </a:solidFill>
-              <a:latin typeface="+mn-lt"/>
-              <a:ea typeface="+mn-ea"/>
-              <a:cs typeface="+mn-cs"/>
-            </a:endParaRPr>
           </a:p>
           <a:p>
             <a:pPr marL="0" indent="0" defTabSz="914400" rtl="0" eaLnBrk="1" latinLnBrk="1" hangingPunct="1">
@@ -10899,7 +10439,7 @@
               <a:defRPr/>
             </a:pPr>
             <a:r>
-              <a:rPr xmlns:mc="http://schemas.openxmlformats.org/markup-compatibility/2006" xmlns:hp="http://schemas.haansoft.com/office/presentation/8.0" kumimoji="0" lang="ko-KR" altLang="en-US" sz="2800" b="1" i="0" u="none" strike="noStrike" kern="1200" cap="none" spc="0" normalizeH="0" baseline="0" mc:Ignorable="hp" hp:hslEmbossed="0">
+              <a:rPr kumimoji="0" lang="ko-KR" altLang="en-US" sz="2800" b="1" i="0" u="none" strike="noStrike" kern="1200" cap="none" spc="0" normalizeH="0" baseline="0">
                 <a:solidFill>
                   <a:schemeClr val="lt1"/>
                 </a:solidFill>
@@ -10909,14 +10449,6 @@
               </a:rPr>
               <a:t>맵에는 일정시간마다 중앙에 탈것이 등장하고 이것을</a:t>
             </a:r>
-            <a:endParaRPr xmlns:mc="http://schemas.openxmlformats.org/markup-compatibility/2006" xmlns:hp="http://schemas.haansoft.com/office/presentation/8.0" kumimoji="0" lang="ko-KR" altLang="en-US" sz="2800" b="1" i="0" u="none" strike="noStrike" kern="1200" cap="none" spc="0" normalizeH="0" baseline="0" mc:Ignorable="hp" hp:hslEmbossed="0">
-              <a:solidFill>
-                <a:schemeClr val="lt1"/>
-              </a:solidFill>
-              <a:latin typeface="+mn-lt"/>
-              <a:ea typeface="+mn-ea"/>
-              <a:cs typeface="+mn-cs"/>
-            </a:endParaRPr>
           </a:p>
           <a:p>
             <a:pPr marL="0" indent="0" defTabSz="914400" rtl="0" eaLnBrk="1" latinLnBrk="1" hangingPunct="1">
@@ -10934,7 +10466,7 @@
               <a:defRPr/>
             </a:pPr>
             <a:r>
-              <a:rPr xmlns:mc="http://schemas.openxmlformats.org/markup-compatibility/2006" xmlns:hp="http://schemas.haansoft.com/office/presentation/8.0" kumimoji="0" lang="ko-KR" altLang="en-US" sz="2800" b="1" i="0" u="none" strike="noStrike" kern="1200" cap="none" spc="0" normalizeH="0" baseline="0" mc:Ignorable="hp" hp:hslEmbossed="0">
+              <a:rPr kumimoji="0" lang="ko-KR" altLang="en-US" sz="2800" b="1" i="0" u="none" strike="noStrike" kern="1200" cap="none" spc="0" normalizeH="0" baseline="0">
                 <a:solidFill>
                   <a:schemeClr val="lt1"/>
                 </a:solidFill>
@@ -10944,14 +10476,6 @@
               </a:rPr>
               <a:t>이용하면 게임이 더욱 용이 해진다</a:t>
             </a:r>
-            <a:endParaRPr xmlns:mc="http://schemas.openxmlformats.org/markup-compatibility/2006" xmlns:hp="http://schemas.haansoft.com/office/presentation/8.0" kumimoji="0" lang="ko-KR" altLang="en-US" sz="2800" b="1" i="0" u="none" strike="noStrike" kern="1200" cap="none" spc="0" normalizeH="0" baseline="0" mc:Ignorable="hp" hp:hslEmbossed="0">
-              <a:solidFill>
-                <a:schemeClr val="lt1"/>
-              </a:solidFill>
-              <a:latin typeface="+mn-lt"/>
-              <a:ea typeface="+mn-ea"/>
-              <a:cs typeface="+mn-cs"/>
-            </a:endParaRPr>
           </a:p>
         </p:txBody>
       </p:sp>
@@ -10960,11 +10484,11 @@
   <p:clrMapOvr>
     <a:masterClrMapping/>
   </p:clrMapOvr>
-  <mc:AlternateContent xmlns:mc="http://schemas.openxmlformats.org/markup-compatibility/2006">
-    <mc:Choice xmlns:p14="http://schemas.microsoft.com/office/powerpoint/2010/main" Requires="p14">
-      <p:transition xmlns:mc="http://schemas.openxmlformats.org/markup-compatibility/2006" xmlns:p14="http://schemas.microsoft.com/office/powerpoint/2010/main" mc:Ignorable="p14" p14:dur="500"/>
+  <mc:AlternateContent xmlns:mc="http://schemas.openxmlformats.org/markup-compatibility/2006" xmlns:p14="http://schemas.microsoft.com/office/powerpoint/2010/main">
+    <mc:Choice Requires="p14">
+      <p:transition/>
     </mc:Choice>
-    <mc:Fallback>
+    <mc:Fallback xmlns:dsp="http://schemas.microsoft.com/office/drawing/2008/diagram" xmlns:dgm="http://schemas.openxmlformats.org/drawingml/2006/diagram" xmlns:c="http://schemas.openxmlformats.org/drawingml/2006/chart" xmlns="">
       <p:transition/>
     </mc:Fallback>
   </mc:AlternateContent>
@@ -10972,7 +10496,7 @@
 </file>
 
 <file path=ppt/slides/slide6.xml><?xml version="1.0" encoding="utf-8"?>
-<p:sld xmlns:r="http://schemas.openxmlformats.org/officeDocument/2006/relationships" xmlns:c="http://schemas.openxmlformats.org/drawingml/2006/chart" xmlns:a="http://schemas.openxmlformats.org/drawingml/2006/main" xmlns:dgm="http://schemas.openxmlformats.org/drawingml/2006/diagram" xmlns:dsp="http://schemas.microsoft.com/office/drawing/2008/diagram" xmlns:p="http://schemas.openxmlformats.org/presentationml/2006/main">
+<p:sld xmlns:a="http://schemas.openxmlformats.org/drawingml/2006/main" xmlns:r="http://schemas.openxmlformats.org/officeDocument/2006/relationships" xmlns:p="http://schemas.openxmlformats.org/presentationml/2006/main">
   <p:cSld>
     <p:spTree>
       <p:nvGrpSpPr>
@@ -11023,13 +10547,6 @@
               </a:rPr>
               <a:t>03</a:t>
             </a:r>
-            <a:endParaRPr lang="en-US" altLang="ko-KR" sz="6000">
-              <a:solidFill>
-                <a:schemeClr val="bg1"/>
-              </a:solidFill>
-              <a:latin typeface="나눔스퀘어 Light"/>
-              <a:ea typeface="나눔스퀘어 Light"/>
-            </a:endParaRPr>
           </a:p>
         </p:txBody>
       </p:sp>
@@ -11068,13 +10585,6 @@
               </a:rPr>
               <a:t>게임소개</a:t>
             </a:r>
-            <a:endParaRPr lang="ko-KR" altLang="en-US" sz="2800">
-              <a:solidFill>
-                <a:schemeClr val="bg1"/>
-              </a:solidFill>
-              <a:latin typeface="나눔스퀘어 Light"/>
-              <a:ea typeface="나눔스퀘어 Light"/>
-            </a:endParaRPr>
           </a:p>
         </p:txBody>
       </p:sp>
@@ -11354,13 +10864,6 @@
               </a:rPr>
               <a:t>)</a:t>
             </a:r>
-            <a:endParaRPr lang="en-US" altLang="ko-KR" sz="2800">
-              <a:solidFill>
-                <a:schemeClr val="lt1"/>
-              </a:solidFill>
-              <a:latin typeface="HY태백B"/>
-              <a:ea typeface="HY태백B"/>
-            </a:endParaRPr>
           </a:p>
           <a:p>
             <a:pPr marL="457200" indent="-457200">
@@ -11467,13 +10970,6 @@
               </a:rPr>
               <a:t>)</a:t>
             </a:r>
-            <a:endParaRPr lang="en-US" altLang="ko-KR" sz="2800">
-              <a:solidFill>
-                <a:schemeClr val="lt1"/>
-              </a:solidFill>
-              <a:latin typeface="HY태백B"/>
-              <a:ea typeface="HY태백B"/>
-            </a:endParaRPr>
           </a:p>
           <a:p>
             <a:pPr marL="457200" indent="-457200">
@@ -11490,13 +10986,6 @@
               </a:rPr>
               <a:t>맵에서 여러종류의 스킬과 무기를 활용해서 지루하지 않게 플레이 가능</a:t>
             </a:r>
-            <a:endParaRPr lang="ko-KR" altLang="en-US" sz="2800">
-              <a:solidFill>
-                <a:schemeClr val="lt1"/>
-              </a:solidFill>
-              <a:latin typeface="HY태백B"/>
-              <a:ea typeface="HY태백B"/>
-            </a:endParaRPr>
           </a:p>
           <a:p>
             <a:pPr marL="457200" indent="-457200">
@@ -11513,7 +11002,7 @@
               </a:rPr>
               <a:t>귀여운 에셋들을 활용하여 비주얼적으로 귀여운 모습들을 연출</a:t>
             </a:r>
-            <a:endParaRPr xmlns:mc="http://schemas.openxmlformats.org/markup-compatibility/2006" xmlns:hp="http://schemas.haansoft.com/office/presentation/8.0" kumimoji="0" lang="ko-KR" altLang="en-US" sz="2800" b="1" i="0" u="none" strike="noStrike" kern="1200" cap="none" spc="0" normalizeH="0" baseline="0" mc:Ignorable="hp" hp:hslEmbossed="0">
+            <a:endParaRPr kumimoji="0" lang="ko-KR" altLang="en-US" sz="2800" b="1" i="0" u="none" strike="noStrike" kern="1200" cap="none" spc="0" normalizeH="0" baseline="0">
               <a:solidFill>
                 <a:schemeClr val="lt1"/>
               </a:solidFill>
@@ -11528,11 +11017,11 @@
   <p:clrMapOvr>
     <a:masterClrMapping/>
   </p:clrMapOvr>
-  <mc:AlternateContent xmlns:mc="http://schemas.openxmlformats.org/markup-compatibility/2006">
-    <mc:Choice xmlns:p14="http://schemas.microsoft.com/office/powerpoint/2010/main" Requires="p14">
-      <p:transition xmlns:mc="http://schemas.openxmlformats.org/markup-compatibility/2006" xmlns:p14="http://schemas.microsoft.com/office/powerpoint/2010/main" mc:Ignorable="p14" p14:dur="500"/>
+  <mc:AlternateContent xmlns:mc="http://schemas.openxmlformats.org/markup-compatibility/2006" xmlns:p14="http://schemas.microsoft.com/office/powerpoint/2010/main">
+    <mc:Choice Requires="p14">
+      <p:transition/>
     </mc:Choice>
-    <mc:Fallback>
+    <mc:Fallback xmlns:dsp="http://schemas.microsoft.com/office/drawing/2008/diagram" xmlns:dgm="http://schemas.openxmlformats.org/drawingml/2006/diagram" xmlns:c="http://schemas.openxmlformats.org/drawingml/2006/chart" xmlns="">
       <p:transition/>
     </mc:Fallback>
   </mc:AlternateContent>
@@ -11540,7 +11029,7 @@
 </file>
 
 <file path=ppt/slides/slide7.xml><?xml version="1.0" encoding="utf-8"?>
-<p:sld xmlns:r="http://schemas.openxmlformats.org/officeDocument/2006/relationships" xmlns:c="http://schemas.openxmlformats.org/drawingml/2006/chart" xmlns:a="http://schemas.openxmlformats.org/drawingml/2006/main" xmlns:dgm="http://schemas.openxmlformats.org/drawingml/2006/diagram" xmlns:dsp="http://schemas.microsoft.com/office/drawing/2008/diagram" xmlns:p="http://schemas.openxmlformats.org/presentationml/2006/main">
+<p:sld xmlns:a="http://schemas.openxmlformats.org/drawingml/2006/main" xmlns:r="http://schemas.openxmlformats.org/officeDocument/2006/relationships" xmlns:p="http://schemas.openxmlformats.org/presentationml/2006/main">
   <p:cSld>
     <p:spTree>
       <p:nvGrpSpPr>
@@ -11591,13 +11080,6 @@
               </a:rPr>
               <a:t>03</a:t>
             </a:r>
-            <a:endParaRPr lang="en-US" altLang="ko-KR" sz="6000">
-              <a:solidFill>
-                <a:schemeClr val="bg1"/>
-              </a:solidFill>
-              <a:latin typeface="나눔스퀘어 Light"/>
-              <a:ea typeface="나눔스퀘어 Light"/>
-            </a:endParaRPr>
           </a:p>
         </p:txBody>
       </p:sp>
@@ -11636,13 +11118,6 @@
               </a:rPr>
               <a:t>게임소개</a:t>
             </a:r>
-            <a:endParaRPr lang="ko-KR" altLang="en-US" sz="2800">
-              <a:solidFill>
-                <a:schemeClr val="bg1"/>
-              </a:solidFill>
-              <a:latin typeface="나눔스퀘어 Light"/>
-              <a:ea typeface="나눔스퀘어 Light"/>
-            </a:endParaRPr>
           </a:p>
         </p:txBody>
       </p:sp>
@@ -11957,13 +11432,6 @@
               </a:rPr>
               <a:t>이동키</a:t>
             </a:r>
-            <a:endParaRPr lang="ko-KR" altLang="en-US">
-              <a:solidFill>
-                <a:schemeClr val="lt1"/>
-              </a:solidFill>
-              <a:latin typeface="HY태백B"/>
-              <a:ea typeface="HY태백B"/>
-            </a:endParaRPr>
           </a:p>
         </p:txBody>
       </p:sp>
@@ -12055,13 +11523,6 @@
               </a:rPr>
               <a:t>스킬 줍기</a:t>
             </a:r>
-            <a:endParaRPr lang="ko-KR" altLang="en-US">
-              <a:solidFill>
-                <a:schemeClr val="lt1"/>
-              </a:solidFill>
-              <a:latin typeface="HY태백B"/>
-              <a:ea typeface="HY태백B"/>
-            </a:endParaRPr>
           </a:p>
         </p:txBody>
       </p:sp>
@@ -12167,13 +11628,6 @@
               </a:rPr>
               <a:t>총기 발사</a:t>
             </a:r>
-            <a:endParaRPr lang="ko-KR" altLang="en-US">
-              <a:solidFill>
-                <a:schemeClr val="lt1"/>
-              </a:solidFill>
-              <a:latin typeface="HY태백B"/>
-              <a:ea typeface="HY태백B"/>
-            </a:endParaRPr>
           </a:p>
           <a:p>
             <a:pPr lvl="0">
@@ -12199,13 +11653,6 @@
               </a:rPr>
               <a:t>정조준</a:t>
             </a:r>
-            <a:endParaRPr lang="ko-KR" altLang="en-US">
-              <a:solidFill>
-                <a:schemeClr val="lt1"/>
-              </a:solidFill>
-              <a:latin typeface="HY태백B"/>
-              <a:ea typeface="HY태백B"/>
-            </a:endParaRPr>
           </a:p>
         </p:txBody>
       </p:sp>
@@ -12277,13 +11724,6 @@
               </a:rPr>
               <a:t>대쉬</a:t>
             </a:r>
-            <a:endParaRPr lang="ko-KR" altLang="en-US">
-              <a:solidFill>
-                <a:schemeClr val="lt1"/>
-              </a:solidFill>
-              <a:latin typeface="HY태백B"/>
-              <a:ea typeface="HY태백B"/>
-            </a:endParaRPr>
           </a:p>
         </p:txBody>
       </p:sp>
@@ -12357,13 +11797,6 @@
               </a:rPr>
               <a:t>점프</a:t>
             </a:r>
-            <a:endParaRPr lang="ko-KR" altLang="en-US">
-              <a:solidFill>
-                <a:schemeClr val="lt1"/>
-              </a:solidFill>
-              <a:latin typeface="HY태백B"/>
-              <a:ea typeface="HY태백B"/>
-            </a:endParaRPr>
           </a:p>
         </p:txBody>
       </p:sp>
@@ -12402,7 +11835,7 @@
       </p:cxnSp>
       <p:sp>
         <p:nvSpPr>
-          <p:cNvPr id="40" name=""/>
+          <p:cNvPr id="40" name="TextBox 39"/>
           <p:cNvSpPr txBox="1"/>
           <p:nvPr/>
         </p:nvSpPr>
@@ -12434,13 +11867,6 @@
               </a:rPr>
               <a:t>스킬사용</a:t>
             </a:r>
-            <a:endParaRPr lang="ko-KR" altLang="en-US">
-              <a:solidFill>
-                <a:schemeClr val="lt1"/>
-              </a:solidFill>
-              <a:latin typeface="HY태백B"/>
-              <a:ea typeface="HY태백B"/>
-            </a:endParaRPr>
           </a:p>
         </p:txBody>
       </p:sp>
@@ -12449,11 +11875,11 @@
   <p:clrMapOvr>
     <a:masterClrMapping/>
   </p:clrMapOvr>
-  <mc:AlternateContent xmlns:mc="http://schemas.openxmlformats.org/markup-compatibility/2006">
-    <mc:Choice xmlns:p14="http://schemas.microsoft.com/office/powerpoint/2010/main" Requires="p14">
-      <p:transition xmlns:mc="http://schemas.openxmlformats.org/markup-compatibility/2006" xmlns:p14="http://schemas.microsoft.com/office/powerpoint/2010/main" mc:Ignorable="p14" p14:dur="500"/>
+  <mc:AlternateContent xmlns:mc="http://schemas.openxmlformats.org/markup-compatibility/2006" xmlns:p14="http://schemas.microsoft.com/office/powerpoint/2010/main">
+    <mc:Choice Requires="p14">
+      <p:transition/>
     </mc:Choice>
-    <mc:Fallback>
+    <mc:Fallback xmlns:dsp="http://schemas.microsoft.com/office/drawing/2008/diagram" xmlns:dgm="http://schemas.openxmlformats.org/drawingml/2006/diagram" xmlns:c="http://schemas.openxmlformats.org/drawingml/2006/chart" xmlns="">
       <p:transition/>
     </mc:Fallback>
   </mc:AlternateContent>
@@ -12461,7 +11887,7 @@
 </file>
 
 <file path=ppt/slides/slide8.xml><?xml version="1.0" encoding="utf-8"?>
-<p:sld xmlns:r="http://schemas.openxmlformats.org/officeDocument/2006/relationships" xmlns:c="http://schemas.openxmlformats.org/drawingml/2006/chart" xmlns:a="http://schemas.openxmlformats.org/drawingml/2006/main" xmlns:dgm="http://schemas.openxmlformats.org/drawingml/2006/diagram" xmlns:dsp="http://schemas.microsoft.com/office/drawing/2008/diagram" xmlns:p="http://schemas.openxmlformats.org/presentationml/2006/main">
+<p:sld xmlns:a="http://schemas.openxmlformats.org/drawingml/2006/main" xmlns:r="http://schemas.openxmlformats.org/officeDocument/2006/relationships" xmlns:p="http://schemas.openxmlformats.org/presentationml/2006/main">
   <p:cSld>
     <p:spTree>
       <p:nvGrpSpPr>
@@ -12512,13 +11938,6 @@
               </a:rPr>
               <a:t>03</a:t>
             </a:r>
-            <a:endParaRPr lang="en-US" altLang="ko-KR" sz="6000">
-              <a:solidFill>
-                <a:schemeClr val="bg1"/>
-              </a:solidFill>
-              <a:latin typeface="나눔스퀘어 Light"/>
-              <a:ea typeface="나눔스퀘어 Light"/>
-            </a:endParaRPr>
           </a:p>
         </p:txBody>
       </p:sp>
@@ -12557,13 +11976,6 @@
               </a:rPr>
               <a:t>게임소개</a:t>
             </a:r>
-            <a:endParaRPr lang="ko-KR" altLang="en-US" sz="2800">
-              <a:solidFill>
-                <a:schemeClr val="bg1"/>
-              </a:solidFill>
-              <a:latin typeface="나눔스퀘어 Light"/>
-              <a:ea typeface="나눔스퀘어 Light"/>
-            </a:endParaRPr>
           </a:p>
         </p:txBody>
       </p:sp>
@@ -12778,7 +12190,7 @@
       </p:cxnSp>
       <p:pic>
         <p:nvPicPr>
-          <p:cNvPr id="27" name=""/>
+          <p:cNvPr id="27" name="그림 26"/>
           <p:cNvPicPr>
             <a:picLocks noChangeAspect="1"/>
           </p:cNvPicPr>
@@ -12838,7 +12250,7 @@
               <a:defRPr/>
             </a:pPr>
             <a:r>
-              <a:rPr xmlns:mc="http://schemas.openxmlformats.org/markup-compatibility/2006" xmlns:hp="http://schemas.haansoft.com/office/presentation/8.0" kumimoji="0" lang="ko-KR" altLang="en-US" sz="2800" b="1" i="0" u="none" strike="noStrike" kern="1200" cap="none" spc="0" normalizeH="0" baseline="0" mc:Ignorable="hp" hp:hslEmbossed="0">
+              <a:rPr kumimoji="0" lang="ko-KR" altLang="en-US" sz="2800" b="1" i="0" u="none" strike="noStrike" kern="1200" cap="none" spc="0" normalizeH="0" baseline="0">
                 <a:solidFill>
                   <a:schemeClr val="lt1"/>
                 </a:solidFill>
@@ -12848,14 +12260,6 @@
               </a:rPr>
               <a:t>캐릭터</a:t>
             </a:r>
-            <a:endParaRPr xmlns:mc="http://schemas.openxmlformats.org/markup-compatibility/2006" xmlns:hp="http://schemas.haansoft.com/office/presentation/8.0" kumimoji="0" lang="ko-KR" altLang="en-US" sz="2800" b="1" i="0" u="none" strike="noStrike" kern="1200" cap="none" spc="0" normalizeH="0" baseline="0" mc:Ignorable="hp" hp:hslEmbossed="0">
-              <a:solidFill>
-                <a:schemeClr val="lt1"/>
-              </a:solidFill>
-              <a:latin typeface="+mn-lt"/>
-              <a:ea typeface="+mn-ea"/>
-              <a:cs typeface="+mn-cs"/>
-            </a:endParaRPr>
           </a:p>
         </p:txBody>
       </p:sp>
@@ -12897,7 +12301,7 @@
               <a:defRPr/>
             </a:pPr>
             <a:r>
-              <a:rPr xmlns:mc="http://schemas.openxmlformats.org/markup-compatibility/2006" xmlns:hp="http://schemas.haansoft.com/office/presentation/8.0" kumimoji="0" lang="ko-KR" altLang="en-US" sz="2800" b="1" i="0" u="none" strike="noStrike" kern="1200" cap="none" spc="0" normalizeH="0" baseline="0" mc:Ignorable="hp" hp:hslEmbossed="0">
+              <a:rPr kumimoji="0" lang="ko-KR" altLang="en-US" sz="2800" b="1" i="0" u="none" strike="noStrike" kern="1200" cap="none" spc="0" normalizeH="0" baseline="0">
                 <a:solidFill>
                   <a:schemeClr val="lt1"/>
                 </a:solidFill>
@@ -12907,14 +12311,6 @@
               </a:rPr>
               <a:t>귀여운 우주비행사 캐릭터</a:t>
             </a:r>
-            <a:endParaRPr xmlns:mc="http://schemas.openxmlformats.org/markup-compatibility/2006" xmlns:hp="http://schemas.haansoft.com/office/presentation/8.0" kumimoji="0" lang="ko-KR" altLang="en-US" sz="2800" b="1" i="0" u="none" strike="noStrike" kern="1200" cap="none" spc="0" normalizeH="0" baseline="0" mc:Ignorable="hp" hp:hslEmbossed="0">
-              <a:solidFill>
-                <a:schemeClr val="lt1"/>
-              </a:solidFill>
-              <a:latin typeface="+mn-lt"/>
-              <a:ea typeface="+mn-ea"/>
-              <a:cs typeface="+mn-cs"/>
-            </a:endParaRPr>
           </a:p>
         </p:txBody>
       </p:sp>
@@ -12923,11 +12319,11 @@
   <p:clrMapOvr>
     <a:masterClrMapping/>
   </p:clrMapOvr>
-  <mc:AlternateContent xmlns:mc="http://schemas.openxmlformats.org/markup-compatibility/2006">
-    <mc:Choice xmlns:p14="http://schemas.microsoft.com/office/powerpoint/2010/main" Requires="p14">
-      <p:transition xmlns:mc="http://schemas.openxmlformats.org/markup-compatibility/2006" xmlns:p14="http://schemas.microsoft.com/office/powerpoint/2010/main" mc:Ignorable="p14" p14:dur="500"/>
+  <mc:AlternateContent xmlns:mc="http://schemas.openxmlformats.org/markup-compatibility/2006" xmlns:p14="http://schemas.microsoft.com/office/powerpoint/2010/main">
+    <mc:Choice Requires="p14">
+      <p:transition/>
     </mc:Choice>
-    <mc:Fallback>
+    <mc:Fallback xmlns:dsp="http://schemas.microsoft.com/office/drawing/2008/diagram" xmlns:dgm="http://schemas.openxmlformats.org/drawingml/2006/diagram" xmlns:c="http://schemas.openxmlformats.org/drawingml/2006/chart" xmlns="">
       <p:transition/>
     </mc:Fallback>
   </mc:AlternateContent>
@@ -12935,7 +12331,7 @@
 </file>
 
 <file path=ppt/slides/slide9.xml><?xml version="1.0" encoding="utf-8"?>
-<p:sld xmlns:r="http://schemas.openxmlformats.org/officeDocument/2006/relationships" xmlns:c="http://schemas.openxmlformats.org/drawingml/2006/chart" xmlns:a="http://schemas.openxmlformats.org/drawingml/2006/main" xmlns:dgm="http://schemas.openxmlformats.org/drawingml/2006/diagram" xmlns:dsp="http://schemas.microsoft.com/office/drawing/2008/diagram" xmlns:p="http://schemas.openxmlformats.org/presentationml/2006/main">
+<p:sld xmlns:a="http://schemas.openxmlformats.org/drawingml/2006/main" xmlns:r="http://schemas.openxmlformats.org/officeDocument/2006/relationships" xmlns:p="http://schemas.openxmlformats.org/presentationml/2006/main">
   <p:cSld>
     <p:spTree>
       <p:nvGrpSpPr>
@@ -12986,13 +12382,6 @@
               </a:rPr>
               <a:t>03</a:t>
             </a:r>
-            <a:endParaRPr lang="en-US" altLang="ko-KR" sz="6000">
-              <a:solidFill>
-                <a:schemeClr val="bg1"/>
-              </a:solidFill>
-              <a:latin typeface="나눔스퀘어 Light"/>
-              <a:ea typeface="나눔스퀘어 Light"/>
-            </a:endParaRPr>
           </a:p>
         </p:txBody>
       </p:sp>
@@ -13031,13 +12420,6 @@
               </a:rPr>
               <a:t>게임소개</a:t>
             </a:r>
-            <a:endParaRPr lang="ko-KR" altLang="en-US" sz="2800">
-              <a:solidFill>
-                <a:schemeClr val="bg1"/>
-              </a:solidFill>
-              <a:latin typeface="나눔스퀘어 Light"/>
-              <a:ea typeface="나눔스퀘어 Light"/>
-            </a:endParaRPr>
           </a:p>
         </p:txBody>
       </p:sp>
@@ -13252,7 +12634,7 @@
       </p:cxnSp>
       <p:pic>
         <p:nvPicPr>
-          <p:cNvPr id="27" name=""/>
+          <p:cNvPr id="27" name="그림 26"/>
           <p:cNvPicPr>
             <a:picLocks noChangeAspect="1"/>
           </p:cNvPicPr>
@@ -13312,7 +12694,7 @@
               <a:defRPr/>
             </a:pPr>
             <a:r>
-              <a:rPr xmlns:mc="http://schemas.openxmlformats.org/markup-compatibility/2006" xmlns:hp="http://schemas.haansoft.com/office/presentation/8.0" kumimoji="0" lang="ko-KR" altLang="en-US" sz="2800" b="1" i="0" u="none" strike="noStrike" kern="1200" cap="none" spc="0" normalizeH="0" baseline="0" mc:Ignorable="hp" hp:hslEmbossed="0">
+              <a:rPr kumimoji="0" lang="ko-KR" altLang="en-US" sz="2800" b="1" i="0" u="none" strike="noStrike" kern="1200" cap="none" spc="0" normalizeH="0" baseline="0">
                 <a:solidFill>
                   <a:schemeClr val="lt1"/>
                 </a:solidFill>
@@ -13322,14 +12704,6 @@
               </a:rPr>
               <a:t>탈것</a:t>
             </a:r>
-            <a:endParaRPr xmlns:mc="http://schemas.openxmlformats.org/markup-compatibility/2006" xmlns:hp="http://schemas.haansoft.com/office/presentation/8.0" kumimoji="0" lang="ko-KR" altLang="en-US" sz="2800" b="1" i="0" u="none" strike="noStrike" kern="1200" cap="none" spc="0" normalizeH="0" baseline="0" mc:Ignorable="hp" hp:hslEmbossed="0">
-              <a:solidFill>
-                <a:schemeClr val="lt1"/>
-              </a:solidFill>
-              <a:latin typeface="+mn-lt"/>
-              <a:ea typeface="+mn-ea"/>
-              <a:cs typeface="+mn-cs"/>
-            </a:endParaRPr>
           </a:p>
         </p:txBody>
       </p:sp>
@@ -13371,7 +12745,7 @@
               <a:defRPr/>
             </a:pPr>
             <a:r>
-              <a:rPr xmlns:mc="http://schemas.openxmlformats.org/markup-compatibility/2006" xmlns:hp="http://schemas.haansoft.com/office/presentation/8.0" kumimoji="0" lang="ko-KR" altLang="en-US" sz="2800" b="1" i="0" u="none" strike="noStrike" kern="1200" cap="none" spc="0" normalizeH="0" baseline="0" mc:Ignorable="hp" hp:hslEmbossed="0">
+              <a:rPr kumimoji="0" lang="ko-KR" altLang="en-US" sz="2800" b="1" i="0" u="none" strike="noStrike" kern="1200" cap="none" spc="0" normalizeH="0" baseline="0">
                 <a:solidFill>
                   <a:schemeClr val="lt1"/>
                 </a:solidFill>
@@ -13381,14 +12755,6 @@
               </a:rPr>
               <a:t>일정 시간이 </a:t>
             </a:r>
-            <a:endParaRPr xmlns:mc="http://schemas.openxmlformats.org/markup-compatibility/2006" xmlns:hp="http://schemas.haansoft.com/office/presentation/8.0" kumimoji="0" lang="ko-KR" altLang="en-US" sz="2800" b="1" i="0" u="none" strike="noStrike" kern="1200" cap="none" spc="0" normalizeH="0" baseline="0" mc:Ignorable="hp" hp:hslEmbossed="0">
-              <a:solidFill>
-                <a:schemeClr val="lt1"/>
-              </a:solidFill>
-              <a:latin typeface="+mn-lt"/>
-              <a:ea typeface="+mn-ea"/>
-              <a:cs typeface="+mn-cs"/>
-            </a:endParaRPr>
           </a:p>
           <a:p>
             <a:pPr marL="0" indent="0" algn="ctr" defTabSz="914400" rtl="0" eaLnBrk="1" latinLnBrk="1" hangingPunct="1">
@@ -13406,7 +12772,7 @@
               <a:defRPr/>
             </a:pPr>
             <a:r>
-              <a:rPr xmlns:mc="http://schemas.openxmlformats.org/markup-compatibility/2006" xmlns:hp="http://schemas.haansoft.com/office/presentation/8.0" kumimoji="0" lang="ko-KR" altLang="en-US" sz="2800" b="1" i="0" u="none" strike="noStrike" kern="1200" cap="none" spc="0" normalizeH="0" baseline="0" mc:Ignorable="hp" hp:hslEmbossed="0">
+              <a:rPr kumimoji="0" lang="ko-KR" altLang="en-US" sz="2800" b="1" i="0" u="none" strike="noStrike" kern="1200" cap="none" spc="0" normalizeH="0" baseline="0">
                 <a:solidFill>
                   <a:schemeClr val="lt1"/>
                 </a:solidFill>
@@ -13416,14 +12782,6 @@
               </a:rPr>
               <a:t>지나면 맵 중앙에 </a:t>
             </a:r>
-            <a:endParaRPr xmlns:mc="http://schemas.openxmlformats.org/markup-compatibility/2006" xmlns:hp="http://schemas.haansoft.com/office/presentation/8.0" kumimoji="0" lang="ko-KR" altLang="en-US" sz="2800" b="1" i="0" u="none" strike="noStrike" kern="1200" cap="none" spc="0" normalizeH="0" baseline="0" mc:Ignorable="hp" hp:hslEmbossed="0">
-              <a:solidFill>
-                <a:schemeClr val="lt1"/>
-              </a:solidFill>
-              <a:latin typeface="+mn-lt"/>
-              <a:ea typeface="+mn-ea"/>
-              <a:cs typeface="+mn-cs"/>
-            </a:endParaRPr>
           </a:p>
           <a:p>
             <a:pPr marL="0" indent="0" algn="ctr" defTabSz="914400" rtl="0" eaLnBrk="1" latinLnBrk="1" hangingPunct="1">
@@ -13441,7 +12799,7 @@
               <a:defRPr/>
             </a:pPr>
             <a:r>
-              <a:rPr xmlns:mc="http://schemas.openxmlformats.org/markup-compatibility/2006" xmlns:hp="http://schemas.haansoft.com/office/presentation/8.0" kumimoji="0" lang="ko-KR" altLang="en-US" sz="2800" b="1" i="0" u="none" strike="noStrike" kern="1200" cap="none" spc="0" normalizeH="0" baseline="0" mc:Ignorable="hp" hp:hslEmbossed="0">
+              <a:rPr kumimoji="0" lang="ko-KR" altLang="en-US" sz="2800" b="1" i="0" u="none" strike="noStrike" kern="1200" cap="none" spc="0" normalizeH="0" baseline="0">
                 <a:solidFill>
                   <a:schemeClr val="lt1"/>
                 </a:solidFill>
@@ -13451,14 +12809,6 @@
               </a:rPr>
               <a:t>리스폰된후 사용할수있다</a:t>
             </a:r>
-            <a:endParaRPr xmlns:mc="http://schemas.openxmlformats.org/markup-compatibility/2006" xmlns:hp="http://schemas.haansoft.com/office/presentation/8.0" kumimoji="0" lang="ko-KR" altLang="en-US" sz="2800" b="1" i="0" u="none" strike="noStrike" kern="1200" cap="none" spc="0" normalizeH="0" baseline="0" mc:Ignorable="hp" hp:hslEmbossed="0">
-              <a:solidFill>
-                <a:schemeClr val="lt1"/>
-              </a:solidFill>
-              <a:latin typeface="+mn-lt"/>
-              <a:ea typeface="+mn-ea"/>
-              <a:cs typeface="+mn-cs"/>
-            </a:endParaRPr>
           </a:p>
         </p:txBody>
       </p:sp>
@@ -13467,11 +12817,11 @@
   <p:clrMapOvr>
     <a:masterClrMapping/>
   </p:clrMapOvr>
-  <mc:AlternateContent xmlns:mc="http://schemas.openxmlformats.org/markup-compatibility/2006">
-    <mc:Choice xmlns:p14="http://schemas.microsoft.com/office/powerpoint/2010/main" Requires="p14">
-      <p:transition xmlns:mc="http://schemas.openxmlformats.org/markup-compatibility/2006" xmlns:p14="http://schemas.microsoft.com/office/powerpoint/2010/main" mc:Ignorable="p14" p14:dur="500"/>
+  <mc:AlternateContent xmlns:mc="http://schemas.openxmlformats.org/markup-compatibility/2006" xmlns:p14="http://schemas.microsoft.com/office/powerpoint/2010/main">
+    <mc:Choice Requires="p14">
+      <p:transition/>
     </mc:Choice>
-    <mc:Fallback>
+    <mc:Fallback xmlns:dsp="http://schemas.microsoft.com/office/drawing/2008/diagram" xmlns:dgm="http://schemas.openxmlformats.org/drawingml/2006/diagram" xmlns:c="http://schemas.openxmlformats.org/drawingml/2006/chart" xmlns="">
       <p:transition/>
     </mc:Fallback>
   </mc:AlternateContent>
@@ -13479,44 +12829,44 @@
 </file>
 
 <file path=ppt/theme/theme1.xml><?xml version="1.0" encoding="utf-8"?>
-<a:theme xmlns:r="http://schemas.openxmlformats.org/officeDocument/2006/relationships" xmlns:c="http://schemas.openxmlformats.org/drawingml/2006/chart" xmlns:dgm="http://schemas.openxmlformats.org/drawingml/2006/diagram" xmlns:dsp="http://schemas.microsoft.com/office/drawing/2008/diagram" xmlns:a="http://schemas.openxmlformats.org/drawingml/2006/main" xmlns:pic="http://schemas.openxmlformats.org/drawingml/2006/picture" xmlns:wp="http://schemas.openxmlformats.org/drawingml/2006/wordprocessingDrawing" xmlns:xdr="http://schemas.openxmlformats.org/drawingml/2006/spreadsheetDrawing" xmlns:lc="http://schemas.openxmlformats.org/drawingml/2006/lockedCanvas" xmlns:p="http://schemas.openxmlformats.org/presentationml/2006/main" name="메인">
+<a:theme xmlns:a="http://schemas.openxmlformats.org/drawingml/2006/main" name="메인">
   <a:themeElements>
     <a:clrScheme name="Office">
       <a:dk1>
         <a:sysClr val="windowText" lastClr="000000"/>
       </a:dk1>
       <a:lt1>
-        <a:sysClr val="window" lastClr="ffffff"/>
+        <a:sysClr val="window" lastClr="FFFFFF"/>
       </a:lt1>
       <a:dk2>
-        <a:srgbClr val="44546a"/>
+        <a:srgbClr val="44546A"/>
       </a:dk2>
       <a:lt2>
-        <a:srgbClr val="e7e6e6"/>
+        <a:srgbClr val="E7E6E6"/>
       </a:lt2>
       <a:accent1>
-        <a:srgbClr val="5b9bd5"/>
+        <a:srgbClr val="5B9BD5"/>
       </a:accent1>
       <a:accent2>
-        <a:srgbClr val="ed7d31"/>
+        <a:srgbClr val="ED7D31"/>
       </a:accent2>
       <a:accent3>
-        <a:srgbClr val="a5a5a5"/>
+        <a:srgbClr val="A5A5A5"/>
       </a:accent3>
       <a:accent4>
-        <a:srgbClr val="ffc000"/>
+        <a:srgbClr val="FFC000"/>
       </a:accent4>
       <a:accent5>
-        <a:srgbClr val="4472c4"/>
+        <a:srgbClr val="4472C4"/>
       </a:accent5>
       <a:accent6>
-        <a:srgbClr val="70ad47"/>
+        <a:srgbClr val="70AD47"/>
       </a:accent6>
       <a:hlink>
-        <a:srgbClr val="0563c1"/>
+        <a:srgbClr val="0563C1"/>
       </a:hlink>
       <a:folHlink>
-        <a:srgbClr val="954f72"/>
+        <a:srgbClr val="954F72"/>
       </a:folHlink>
     </a:clrScheme>
     <a:fontScheme name="Office">
@@ -13729,48 +13079,50 @@
       </a:bgFillStyleLst>
     </a:fmtScheme>
   </a:themeElements>
+  <a:objectDefaults/>
+  <a:extraClrSchemeLst/>
 </a:theme>
 </file>
 
 <file path=ppt/theme/theme2.xml><?xml version="1.0" encoding="utf-8"?>
-<a:theme xmlns:r="http://schemas.openxmlformats.org/officeDocument/2006/relationships" xmlns:c="http://schemas.openxmlformats.org/drawingml/2006/chart" xmlns:dgm="http://schemas.openxmlformats.org/drawingml/2006/diagram" xmlns:dsp="http://schemas.microsoft.com/office/drawing/2008/diagram" xmlns:a="http://schemas.openxmlformats.org/drawingml/2006/main" xmlns:pic="http://schemas.openxmlformats.org/drawingml/2006/picture" xmlns:wp="http://schemas.openxmlformats.org/drawingml/2006/wordprocessingDrawing" xmlns:xdr="http://schemas.openxmlformats.org/drawingml/2006/spreadsheetDrawing" xmlns:lc="http://schemas.openxmlformats.org/drawingml/2006/lockedCanvas" xmlns:p="http://schemas.openxmlformats.org/presentationml/2006/main" name="목차">
+<a:theme xmlns:a="http://schemas.openxmlformats.org/drawingml/2006/main" name="목차">
   <a:themeElements>
     <a:clrScheme name="Office">
       <a:dk1>
         <a:sysClr val="windowText" lastClr="000000"/>
       </a:dk1>
       <a:lt1>
-        <a:sysClr val="window" lastClr="ffffff"/>
+        <a:sysClr val="window" lastClr="FFFFFF"/>
       </a:lt1>
       <a:dk2>
-        <a:srgbClr val="44546a"/>
+        <a:srgbClr val="44546A"/>
       </a:dk2>
       <a:lt2>
-        <a:srgbClr val="e7e6e6"/>
+        <a:srgbClr val="E7E6E6"/>
       </a:lt2>
       <a:accent1>
-        <a:srgbClr val="5b9bd5"/>
+        <a:srgbClr val="5B9BD5"/>
       </a:accent1>
       <a:accent2>
-        <a:srgbClr val="ed7d31"/>
+        <a:srgbClr val="ED7D31"/>
       </a:accent2>
       <a:accent3>
-        <a:srgbClr val="a5a5a5"/>
+        <a:srgbClr val="A5A5A5"/>
       </a:accent3>
       <a:accent4>
-        <a:srgbClr val="ffc000"/>
+        <a:srgbClr val="FFC000"/>
       </a:accent4>
       <a:accent5>
-        <a:srgbClr val="4472c4"/>
+        <a:srgbClr val="4472C4"/>
       </a:accent5>
       <a:accent6>
-        <a:srgbClr val="70ad47"/>
+        <a:srgbClr val="70AD47"/>
       </a:accent6>
       <a:hlink>
-        <a:srgbClr val="0563c1"/>
+        <a:srgbClr val="0563C1"/>
       </a:hlink>
       <a:folHlink>
-        <a:srgbClr val="954f72"/>
+        <a:srgbClr val="954F72"/>
       </a:folHlink>
     </a:clrScheme>
     <a:fontScheme name="Office">
@@ -13983,48 +13335,50 @@
       </a:bgFillStyleLst>
     </a:fmtScheme>
   </a:themeElements>
+  <a:objectDefaults/>
+  <a:extraClrSchemeLst/>
 </a:theme>
 </file>
 
 <file path=ppt/theme/theme3.xml><?xml version="1.0" encoding="utf-8"?>
-<a:theme xmlns:r="http://schemas.openxmlformats.org/officeDocument/2006/relationships" xmlns:c="http://schemas.openxmlformats.org/drawingml/2006/chart" xmlns:dgm="http://schemas.openxmlformats.org/drawingml/2006/diagram" xmlns:dsp="http://schemas.microsoft.com/office/drawing/2008/diagram" xmlns:a="http://schemas.openxmlformats.org/drawingml/2006/main" xmlns:pic="http://schemas.openxmlformats.org/drawingml/2006/picture" xmlns:wp="http://schemas.openxmlformats.org/drawingml/2006/wordprocessingDrawing" xmlns:xdr="http://schemas.openxmlformats.org/drawingml/2006/spreadsheetDrawing" xmlns:lc="http://schemas.openxmlformats.org/drawingml/2006/lockedCanvas" xmlns:p="http://schemas.openxmlformats.org/presentationml/2006/main" name="내용">
+<a:theme xmlns:a="http://schemas.openxmlformats.org/drawingml/2006/main" name="내용">
   <a:themeElements>
     <a:clrScheme name="Office">
       <a:dk1>
         <a:sysClr val="windowText" lastClr="000000"/>
       </a:dk1>
       <a:lt1>
-        <a:sysClr val="window" lastClr="ffffff"/>
+        <a:sysClr val="window" lastClr="FFFFFF"/>
       </a:lt1>
       <a:dk2>
-        <a:srgbClr val="44546a"/>
+        <a:srgbClr val="44546A"/>
       </a:dk2>
       <a:lt2>
-        <a:srgbClr val="e7e6e6"/>
+        <a:srgbClr val="E7E6E6"/>
       </a:lt2>
       <a:accent1>
-        <a:srgbClr val="5b9bd5"/>
+        <a:srgbClr val="5B9BD5"/>
       </a:accent1>
       <a:accent2>
-        <a:srgbClr val="ed7d31"/>
+        <a:srgbClr val="ED7D31"/>
       </a:accent2>
       <a:accent3>
-        <a:srgbClr val="a5a5a5"/>
+        <a:srgbClr val="A5A5A5"/>
       </a:accent3>
       <a:accent4>
-        <a:srgbClr val="ffc000"/>
+        <a:srgbClr val="FFC000"/>
       </a:accent4>
       <a:accent5>
-        <a:srgbClr val="4472c4"/>
+        <a:srgbClr val="4472C4"/>
       </a:accent5>
       <a:accent6>
-        <a:srgbClr val="70ad47"/>
+        <a:srgbClr val="70AD47"/>
       </a:accent6>
       <a:hlink>
-        <a:srgbClr val="0563c1"/>
+        <a:srgbClr val="0563C1"/>
       </a:hlink>
       <a:folHlink>
-        <a:srgbClr val="954f72"/>
+        <a:srgbClr val="954F72"/>
       </a:folHlink>
     </a:clrScheme>
     <a:fontScheme name="Office">
@@ -14237,48 +13591,50 @@
       </a:bgFillStyleLst>
     </a:fmtScheme>
   </a:themeElements>
+  <a:objectDefaults/>
+  <a:extraClrSchemeLst/>
 </a:theme>
 </file>
 
 <file path=ppt/theme/theme4.xml><?xml version="1.0" encoding="utf-8"?>
-<a:theme xmlns:r="http://schemas.openxmlformats.org/officeDocument/2006/relationships" xmlns:c="http://schemas.openxmlformats.org/drawingml/2006/chart" xmlns:dgm="http://schemas.openxmlformats.org/drawingml/2006/diagram" xmlns:dsp="http://schemas.microsoft.com/office/drawing/2008/diagram" xmlns:a="http://schemas.openxmlformats.org/drawingml/2006/main" xmlns:pic="http://schemas.openxmlformats.org/drawingml/2006/picture" xmlns:wp="http://schemas.openxmlformats.org/drawingml/2006/wordprocessingDrawing" xmlns:xdr="http://schemas.openxmlformats.org/drawingml/2006/spreadsheetDrawing" xmlns:lc="http://schemas.openxmlformats.org/drawingml/2006/lockedCanvas" xmlns:p="http://schemas.openxmlformats.org/presentationml/2006/main" name="마무리">
+<a:theme xmlns:a="http://schemas.openxmlformats.org/drawingml/2006/main" name="마무리">
   <a:themeElements>
     <a:clrScheme name="Office">
       <a:dk1>
         <a:sysClr val="windowText" lastClr="000000"/>
       </a:dk1>
       <a:lt1>
-        <a:sysClr val="window" lastClr="ffffff"/>
+        <a:sysClr val="window" lastClr="FFFFFF"/>
       </a:lt1>
       <a:dk2>
-        <a:srgbClr val="44546a"/>
+        <a:srgbClr val="44546A"/>
       </a:dk2>
       <a:lt2>
-        <a:srgbClr val="e7e6e6"/>
+        <a:srgbClr val="E7E6E6"/>
       </a:lt2>
       <a:accent1>
-        <a:srgbClr val="5b9bd5"/>
+        <a:srgbClr val="5B9BD5"/>
       </a:accent1>
       <a:accent2>
-        <a:srgbClr val="ed7d31"/>
+        <a:srgbClr val="ED7D31"/>
       </a:accent2>
       <a:accent3>
-        <a:srgbClr val="a5a5a5"/>
+        <a:srgbClr val="A5A5A5"/>
       </a:accent3>
       <a:accent4>
-        <a:srgbClr val="ffc000"/>
+        <a:srgbClr val="FFC000"/>
       </a:accent4>
       <a:accent5>
-        <a:srgbClr val="4472c4"/>
+        <a:srgbClr val="4472C4"/>
       </a:accent5>
       <a:accent6>
-        <a:srgbClr val="70ad47"/>
+        <a:srgbClr val="70AD47"/>
       </a:accent6>
       <a:hlink>
-        <a:srgbClr val="0563c1"/>
+        <a:srgbClr val="0563C1"/>
       </a:hlink>
       <a:folHlink>
-        <a:srgbClr val="954f72"/>
+        <a:srgbClr val="954F72"/>
       </a:folHlink>
     </a:clrScheme>
     <a:fontScheme name="Office">
@@ -14491,5 +13847,7 @@
       </a:bgFillStyleLst>
     </a:fmtScheme>
   </a:themeElements>
+  <a:objectDefaults/>
+  <a:extraClrSchemeLst/>
 </a:theme>
 </file>